--- a/ECMASCRIPT 6.pptx
+++ b/ECMASCRIPT 6.pptx
@@ -2,16 +2,21 @@
 <file path=ppt/presentation.xml><?xml version="1.0" encoding="utf-8"?>
 <p:presentation xmlns:a="http://schemas.openxmlformats.org/drawingml/2006/main" xmlns:r="http://schemas.openxmlformats.org/officeDocument/2006/relationships" xmlns:p="http://schemas.openxmlformats.org/presentationml/2006/main" saveSubsetFonts="1">
   <p:sldMasterIdLst>
-    <p:sldMasterId id="2147483660" r:id="rId1"/>
+    <p:sldMasterId id="2147483678" r:id="rId1"/>
   </p:sldMasterIdLst>
   <p:sldIdLst>
     <p:sldId id="256" r:id="rId2"/>
-    <p:sldId id="258" r:id="rId3"/>
-    <p:sldId id="260" r:id="rId4"/>
-    <p:sldId id="262" r:id="rId5"/>
-    <p:sldId id="264" r:id="rId6"/>
-    <p:sldId id="266" r:id="rId7"/>
-    <p:sldId id="268" r:id="rId8"/>
+    <p:sldId id="269" r:id="rId3"/>
+    <p:sldId id="270" r:id="rId4"/>
+    <p:sldId id="271" r:id="rId5"/>
+    <p:sldId id="272" r:id="rId6"/>
+    <p:sldId id="258" r:id="rId7"/>
+    <p:sldId id="260" r:id="rId8"/>
+    <p:sldId id="262" r:id="rId9"/>
+    <p:sldId id="264" r:id="rId10"/>
+    <p:sldId id="266" r:id="rId11"/>
+    <p:sldId id="268" r:id="rId12"/>
+    <p:sldId id="273" r:id="rId13"/>
   </p:sldIdLst>
   <p:sldSz cx="12192000" cy="6858000"/>
   <p:notesSz cx="6858000" cy="9144000"/>
@@ -19,7 +24,7 @@
     <a:defPPr>
       <a:defRPr lang="en-US"/>
     </a:defPPr>
-    <a:lvl1pPr marL="0" algn="l" defTabSz="914400" rtl="0" eaLnBrk="1" latinLnBrk="0" hangingPunct="1">
+    <a:lvl1pPr marL="0" algn="l" defTabSz="457200" rtl="0" eaLnBrk="1" latinLnBrk="0" hangingPunct="1">
       <a:defRPr sz="1800" kern="1200">
         <a:solidFill>
           <a:schemeClr val="tx1"/>
@@ -29,7 +34,7 @@
         <a:cs typeface="+mn-cs"/>
       </a:defRPr>
     </a:lvl1pPr>
-    <a:lvl2pPr marL="457200" algn="l" defTabSz="914400" rtl="0" eaLnBrk="1" latinLnBrk="0" hangingPunct="1">
+    <a:lvl2pPr marL="457200" algn="l" defTabSz="457200" rtl="0" eaLnBrk="1" latinLnBrk="0" hangingPunct="1">
       <a:defRPr sz="1800" kern="1200">
         <a:solidFill>
           <a:schemeClr val="tx1"/>
@@ -39,7 +44,7 @@
         <a:cs typeface="+mn-cs"/>
       </a:defRPr>
     </a:lvl2pPr>
-    <a:lvl3pPr marL="914400" algn="l" defTabSz="914400" rtl="0" eaLnBrk="1" latinLnBrk="0" hangingPunct="1">
+    <a:lvl3pPr marL="914400" algn="l" defTabSz="457200" rtl="0" eaLnBrk="1" latinLnBrk="0" hangingPunct="1">
       <a:defRPr sz="1800" kern="1200">
         <a:solidFill>
           <a:schemeClr val="tx1"/>
@@ -49,7 +54,7 @@
         <a:cs typeface="+mn-cs"/>
       </a:defRPr>
     </a:lvl3pPr>
-    <a:lvl4pPr marL="1371600" algn="l" defTabSz="914400" rtl="0" eaLnBrk="1" latinLnBrk="0" hangingPunct="1">
+    <a:lvl4pPr marL="1371600" algn="l" defTabSz="457200" rtl="0" eaLnBrk="1" latinLnBrk="0" hangingPunct="1">
       <a:defRPr sz="1800" kern="1200">
         <a:solidFill>
           <a:schemeClr val="tx1"/>
@@ -59,7 +64,7 @@
         <a:cs typeface="+mn-cs"/>
       </a:defRPr>
     </a:lvl4pPr>
-    <a:lvl5pPr marL="1828800" algn="l" defTabSz="914400" rtl="0" eaLnBrk="1" latinLnBrk="0" hangingPunct="1">
+    <a:lvl5pPr marL="1828800" algn="l" defTabSz="457200" rtl="0" eaLnBrk="1" latinLnBrk="0" hangingPunct="1">
       <a:defRPr sz="1800" kern="1200">
         <a:solidFill>
           <a:schemeClr val="tx1"/>
@@ -69,7 +74,7 @@
         <a:cs typeface="+mn-cs"/>
       </a:defRPr>
     </a:lvl5pPr>
-    <a:lvl6pPr marL="2286000" algn="l" defTabSz="914400" rtl="0" eaLnBrk="1" latinLnBrk="0" hangingPunct="1">
+    <a:lvl6pPr marL="2286000" algn="l" defTabSz="457200" rtl="0" eaLnBrk="1" latinLnBrk="0" hangingPunct="1">
       <a:defRPr sz="1800" kern="1200">
         <a:solidFill>
           <a:schemeClr val="tx1"/>
@@ -79,7 +84,7 @@
         <a:cs typeface="+mn-cs"/>
       </a:defRPr>
     </a:lvl6pPr>
-    <a:lvl7pPr marL="2743200" algn="l" defTabSz="914400" rtl="0" eaLnBrk="1" latinLnBrk="0" hangingPunct="1">
+    <a:lvl7pPr marL="2743200" algn="l" defTabSz="457200" rtl="0" eaLnBrk="1" latinLnBrk="0" hangingPunct="1">
       <a:defRPr sz="1800" kern="1200">
         <a:solidFill>
           <a:schemeClr val="tx1"/>
@@ -89,7 +94,7 @@
         <a:cs typeface="+mn-cs"/>
       </a:defRPr>
     </a:lvl7pPr>
-    <a:lvl8pPr marL="3200400" algn="l" defTabSz="914400" rtl="0" eaLnBrk="1" latinLnBrk="0" hangingPunct="1">
+    <a:lvl8pPr marL="3200400" algn="l" defTabSz="457200" rtl="0" eaLnBrk="1" latinLnBrk="0" hangingPunct="1">
       <a:defRPr sz="1800" kern="1200">
         <a:solidFill>
           <a:schemeClr val="tx1"/>
@@ -99,7 +104,7 @@
         <a:cs typeface="+mn-cs"/>
       </a:defRPr>
     </a:lvl8pPr>
-    <a:lvl9pPr marL="3657600" algn="l" defTabSz="914400" rtl="0" eaLnBrk="1" latinLnBrk="0" hangingPunct="1">
+    <a:lvl9pPr marL="3657600" algn="l" defTabSz="457200" rtl="0" eaLnBrk="1" latinLnBrk="0" hangingPunct="1">
       <a:defRPr sz="1800" kern="1200">
         <a:solidFill>
           <a:schemeClr val="tx1"/>
@@ -135,326 +140,563 @@
           <a:chExt cx="0" cy="0"/>
         </a:xfrm>
       </p:grpSpPr>
-      <p:pic>
-        <p:nvPicPr>
-          <p:cNvPr id="7" name="Picture 6" descr="Brickwork-HD-R1a.jpg"/>
-          <p:cNvPicPr>
-            <a:picLocks noChangeAspect="1"/>
-          </p:cNvPicPr>
+      <p:grpSp>
+        <p:nvGrpSpPr>
+          <p:cNvPr id="7" name="Group 6"/>
+          <p:cNvGrpSpPr/>
           <p:nvPr/>
-        </p:nvPicPr>
-        <p:blipFill>
-          <a:blip r:embed="rId2">
-            <a:extLst>
-              <a:ext uri="{28A0092B-C50C-407E-A947-70E740481C1C}">
-                <a14:useLocalDpi xmlns:a14="http://schemas.microsoft.com/office/drawing/2010/main" val="0"/>
-              </a:ext>
-            </a:extLst>
-          </a:blip>
-          <a:stretch>
-            <a:fillRect/>
-          </a:stretch>
-        </p:blipFill>
+        </p:nvGrpSpPr>
+        <p:grpSpPr>
+          <a:xfrm>
+            <a:off x="0" y="-8467"/>
+            <a:ext cx="12192000" cy="6866467"/>
+            <a:chOff x="0" y="-8467"/>
+            <a:chExt cx="12192000" cy="6866467"/>
+          </a:xfrm>
+        </p:grpSpPr>
+        <p:cxnSp>
+          <p:nvCxnSpPr>
+            <p:cNvPr id="32" name="Straight Connector 31"/>
+            <p:cNvCxnSpPr/>
+            <p:nvPr/>
+          </p:nvCxnSpPr>
+          <p:spPr>
+            <a:xfrm>
+              <a:off x="9371012" y="0"/>
+              <a:ext cx="1219200" cy="6858000"/>
+            </a:xfrm>
+            <a:prstGeom prst="line">
+              <a:avLst/>
+            </a:prstGeom>
+            <a:ln w="9525">
+              <a:solidFill>
+                <a:schemeClr val="bg1">
+                  <a:lumMod val="75000"/>
+                </a:schemeClr>
+              </a:solidFill>
+            </a:ln>
+          </p:spPr>
+          <p:style>
+            <a:lnRef idx="2">
+              <a:schemeClr val="accent1"/>
+            </a:lnRef>
+            <a:fillRef idx="0">
+              <a:schemeClr val="accent1"/>
+            </a:fillRef>
+            <a:effectRef idx="1">
+              <a:schemeClr val="accent1"/>
+            </a:effectRef>
+            <a:fontRef idx="minor">
+              <a:schemeClr val="tx1"/>
+            </a:fontRef>
+          </p:style>
+        </p:cxnSp>
+        <p:cxnSp>
+          <p:nvCxnSpPr>
+            <p:cNvPr id="21" name="Straight Connector 20"/>
+            <p:cNvCxnSpPr/>
+            <p:nvPr/>
+          </p:nvCxnSpPr>
+          <p:spPr>
+            <a:xfrm flipH="1">
+              <a:off x="7425267" y="3681413"/>
+              <a:ext cx="4763558" cy="3176587"/>
+            </a:xfrm>
+            <a:prstGeom prst="line">
+              <a:avLst/>
+            </a:prstGeom>
+            <a:ln w="9525">
+              <a:solidFill>
+                <a:schemeClr val="bg1">
+                  <a:lumMod val="85000"/>
+                </a:schemeClr>
+              </a:solidFill>
+            </a:ln>
+          </p:spPr>
+          <p:style>
+            <a:lnRef idx="2">
+              <a:schemeClr val="accent1"/>
+            </a:lnRef>
+            <a:fillRef idx="0">
+              <a:schemeClr val="accent1"/>
+            </a:fillRef>
+            <a:effectRef idx="1">
+              <a:schemeClr val="accent1"/>
+            </a:effectRef>
+            <a:fontRef idx="minor">
+              <a:schemeClr val="tx1"/>
+            </a:fontRef>
+          </p:style>
+        </p:cxnSp>
+        <p:sp>
+          <p:nvSpPr>
+            <p:cNvPr id="24" name="Rectangle 23"/>
+            <p:cNvSpPr/>
+            <p:nvPr/>
+          </p:nvSpPr>
+          <p:spPr>
+            <a:xfrm>
+              <a:off x="9181476" y="-8467"/>
+              <a:ext cx="3007349" cy="6866467"/>
+            </a:xfrm>
+            <a:custGeom>
+              <a:avLst/>
+              <a:gdLst/>
+              <a:ahLst/>
+              <a:cxnLst/>
+              <a:rect l="l" t="t" r="r" b="b"/>
+              <a:pathLst>
+                <a:path w="3007349" h="6866467">
+                  <a:moveTo>
+                    <a:pt x="2045532" y="0"/>
+                  </a:moveTo>
+                  <a:lnTo>
+                    <a:pt x="3007349" y="0"/>
+                  </a:lnTo>
+                  <a:lnTo>
+                    <a:pt x="3007349" y="6866467"/>
+                  </a:lnTo>
+                  <a:lnTo>
+                    <a:pt x="0" y="6866467"/>
+                  </a:lnTo>
+                  <a:lnTo>
+                    <a:pt x="2045532" y="0"/>
+                  </a:lnTo>
+                  <a:close/>
+                </a:path>
+              </a:pathLst>
+            </a:custGeom>
+            <a:solidFill>
+              <a:schemeClr val="accent1">
+                <a:alpha val="30000"/>
+              </a:schemeClr>
+            </a:solidFill>
+            <a:ln>
+              <a:noFill/>
+            </a:ln>
+            <a:effectLst/>
+          </p:spPr>
+          <p:style>
+            <a:lnRef idx="1">
+              <a:schemeClr val="accent1"/>
+            </a:lnRef>
+            <a:fillRef idx="3">
+              <a:schemeClr val="accent1"/>
+            </a:fillRef>
+            <a:effectRef idx="2">
+              <a:schemeClr val="accent1"/>
+            </a:effectRef>
+            <a:fontRef idx="minor">
+              <a:schemeClr val="lt1"/>
+            </a:fontRef>
+          </p:style>
+        </p:sp>
+        <p:sp>
+          <p:nvSpPr>
+            <p:cNvPr id="26" name="Rectangle 25"/>
+            <p:cNvSpPr/>
+            <p:nvPr/>
+          </p:nvSpPr>
+          <p:spPr>
+            <a:xfrm>
+              <a:off x="9603442" y="-8467"/>
+              <a:ext cx="2588558" cy="6866467"/>
+            </a:xfrm>
+            <a:custGeom>
+              <a:avLst/>
+              <a:gdLst/>
+              <a:ahLst/>
+              <a:cxnLst/>
+              <a:rect l="l" t="t" r="r" b="b"/>
+              <a:pathLst>
+                <a:path w="2573311" h="6866467">
+                  <a:moveTo>
+                    <a:pt x="0" y="0"/>
+                  </a:moveTo>
+                  <a:lnTo>
+                    <a:pt x="2573311" y="0"/>
+                  </a:lnTo>
+                  <a:lnTo>
+                    <a:pt x="2573311" y="6866467"/>
+                  </a:lnTo>
+                  <a:lnTo>
+                    <a:pt x="1202336" y="6866467"/>
+                  </a:lnTo>
+                  <a:lnTo>
+                    <a:pt x="0" y="0"/>
+                  </a:lnTo>
+                  <a:close/>
+                </a:path>
+              </a:pathLst>
+            </a:custGeom>
+            <a:solidFill>
+              <a:schemeClr val="accent1">
+                <a:alpha val="20000"/>
+              </a:schemeClr>
+            </a:solidFill>
+            <a:ln>
+              <a:noFill/>
+            </a:ln>
+            <a:effectLst/>
+          </p:spPr>
+          <p:style>
+            <a:lnRef idx="1">
+              <a:schemeClr val="accent1"/>
+            </a:lnRef>
+            <a:fillRef idx="3">
+              <a:schemeClr val="accent1"/>
+            </a:fillRef>
+            <a:effectRef idx="2">
+              <a:schemeClr val="accent1"/>
+            </a:effectRef>
+            <a:fontRef idx="minor">
+              <a:schemeClr val="lt1"/>
+            </a:fontRef>
+          </p:style>
+        </p:sp>
+        <p:sp>
+          <p:nvSpPr>
+            <p:cNvPr id="27" name="Isosceles Triangle 26"/>
+            <p:cNvSpPr/>
+            <p:nvPr/>
+          </p:nvSpPr>
+          <p:spPr>
+            <a:xfrm>
+              <a:off x="8932333" y="3048000"/>
+              <a:ext cx="3259667" cy="3810000"/>
+            </a:xfrm>
+            <a:prstGeom prst="triangle">
+              <a:avLst>
+                <a:gd name="adj" fmla="val 100000"/>
+              </a:avLst>
+            </a:prstGeom>
+            <a:solidFill>
+              <a:schemeClr val="accent2">
+                <a:alpha val="72000"/>
+              </a:schemeClr>
+            </a:solidFill>
+            <a:ln>
+              <a:noFill/>
+            </a:ln>
+            <a:effectLst/>
+          </p:spPr>
+          <p:style>
+            <a:lnRef idx="1">
+              <a:schemeClr val="accent1"/>
+            </a:lnRef>
+            <a:fillRef idx="3">
+              <a:schemeClr val="accent1"/>
+            </a:fillRef>
+            <a:effectRef idx="2">
+              <a:schemeClr val="accent1"/>
+            </a:effectRef>
+            <a:fontRef idx="minor">
+              <a:schemeClr val="lt1"/>
+            </a:fontRef>
+          </p:style>
+        </p:sp>
+        <p:sp>
+          <p:nvSpPr>
+            <p:cNvPr id="28" name="Rectangle 27"/>
+            <p:cNvSpPr/>
+            <p:nvPr/>
+          </p:nvSpPr>
+          <p:spPr>
+            <a:xfrm>
+              <a:off x="9334500" y="-8467"/>
+              <a:ext cx="2854326" cy="6866467"/>
+            </a:xfrm>
+            <a:custGeom>
+              <a:avLst/>
+              <a:gdLst/>
+              <a:ahLst/>
+              <a:cxnLst/>
+              <a:rect l="l" t="t" r="r" b="b"/>
+              <a:pathLst>
+                <a:path w="2858013" h="6866467">
+                  <a:moveTo>
+                    <a:pt x="0" y="0"/>
+                  </a:moveTo>
+                  <a:lnTo>
+                    <a:pt x="2858013" y="0"/>
+                  </a:lnTo>
+                  <a:lnTo>
+                    <a:pt x="2858013" y="6866467"/>
+                  </a:lnTo>
+                  <a:lnTo>
+                    <a:pt x="2473942" y="6866467"/>
+                  </a:lnTo>
+                  <a:lnTo>
+                    <a:pt x="0" y="0"/>
+                  </a:lnTo>
+                  <a:close/>
+                </a:path>
+              </a:pathLst>
+            </a:custGeom>
+            <a:solidFill>
+              <a:schemeClr val="accent2">
+                <a:lumMod val="75000"/>
+                <a:alpha val="70000"/>
+              </a:schemeClr>
+            </a:solidFill>
+            <a:ln>
+              <a:noFill/>
+            </a:ln>
+            <a:effectLst/>
+          </p:spPr>
+          <p:style>
+            <a:lnRef idx="1">
+              <a:schemeClr val="accent1"/>
+            </a:lnRef>
+            <a:fillRef idx="3">
+              <a:schemeClr val="accent1"/>
+            </a:fillRef>
+            <a:effectRef idx="2">
+              <a:schemeClr val="accent1"/>
+            </a:effectRef>
+            <a:fontRef idx="minor">
+              <a:schemeClr val="lt1"/>
+            </a:fontRef>
+          </p:style>
+        </p:sp>
+        <p:sp>
+          <p:nvSpPr>
+            <p:cNvPr id="29" name="Rectangle 28"/>
+            <p:cNvSpPr/>
+            <p:nvPr/>
+          </p:nvSpPr>
+          <p:spPr>
+            <a:xfrm>
+              <a:off x="10898730" y="-8467"/>
+              <a:ext cx="1290094" cy="6866467"/>
+            </a:xfrm>
+            <a:custGeom>
+              <a:avLst/>
+              <a:gdLst/>
+              <a:ahLst/>
+              <a:cxnLst/>
+              <a:rect l="l" t="t" r="r" b="b"/>
+              <a:pathLst>
+                <a:path w="1290094" h="6858000">
+                  <a:moveTo>
+                    <a:pt x="1019735" y="0"/>
+                  </a:moveTo>
+                  <a:lnTo>
+                    <a:pt x="1290094" y="0"/>
+                  </a:lnTo>
+                  <a:lnTo>
+                    <a:pt x="1290094" y="6858000"/>
+                  </a:lnTo>
+                  <a:lnTo>
+                    <a:pt x="0" y="6858000"/>
+                  </a:lnTo>
+                  <a:lnTo>
+                    <a:pt x="1019735" y="0"/>
+                  </a:lnTo>
+                  <a:close/>
+                </a:path>
+              </a:pathLst>
+            </a:custGeom>
+            <a:solidFill>
+              <a:schemeClr val="accent1">
+                <a:lumMod val="60000"/>
+                <a:lumOff val="40000"/>
+                <a:alpha val="70000"/>
+              </a:schemeClr>
+            </a:solidFill>
+            <a:ln>
+              <a:noFill/>
+            </a:ln>
+            <a:effectLst/>
+          </p:spPr>
+          <p:style>
+            <a:lnRef idx="1">
+              <a:schemeClr val="accent1"/>
+            </a:lnRef>
+            <a:fillRef idx="3">
+              <a:schemeClr val="accent1"/>
+            </a:fillRef>
+            <a:effectRef idx="2">
+              <a:schemeClr val="accent1"/>
+            </a:effectRef>
+            <a:fontRef idx="minor">
+              <a:schemeClr val="lt1"/>
+            </a:fontRef>
+          </p:style>
+        </p:sp>
+        <p:sp>
+          <p:nvSpPr>
+            <p:cNvPr id="30" name="Rectangle 29"/>
+            <p:cNvSpPr/>
+            <p:nvPr/>
+          </p:nvSpPr>
+          <p:spPr>
+            <a:xfrm>
+              <a:off x="10938999" y="-8467"/>
+              <a:ext cx="1249825" cy="6866467"/>
+            </a:xfrm>
+            <a:custGeom>
+              <a:avLst/>
+              <a:gdLst/>
+              <a:ahLst/>
+              <a:cxnLst/>
+              <a:rect l="l" t="t" r="r" b="b"/>
+              <a:pathLst>
+                <a:path w="1249825" h="6858000">
+                  <a:moveTo>
+                    <a:pt x="0" y="0"/>
+                  </a:moveTo>
+                  <a:lnTo>
+                    <a:pt x="1249825" y="0"/>
+                  </a:lnTo>
+                  <a:lnTo>
+                    <a:pt x="1249825" y="6858000"/>
+                  </a:lnTo>
+                  <a:lnTo>
+                    <a:pt x="1109382" y="6858000"/>
+                  </a:lnTo>
+                  <a:lnTo>
+                    <a:pt x="0" y="0"/>
+                  </a:lnTo>
+                  <a:close/>
+                </a:path>
+              </a:pathLst>
+            </a:custGeom>
+            <a:solidFill>
+              <a:schemeClr val="accent1">
+                <a:alpha val="65000"/>
+              </a:schemeClr>
+            </a:solidFill>
+            <a:ln>
+              <a:noFill/>
+            </a:ln>
+            <a:effectLst/>
+          </p:spPr>
+          <p:style>
+            <a:lnRef idx="1">
+              <a:schemeClr val="accent1"/>
+            </a:lnRef>
+            <a:fillRef idx="3">
+              <a:schemeClr val="accent1"/>
+            </a:fillRef>
+            <a:effectRef idx="2">
+              <a:schemeClr val="accent1"/>
+            </a:effectRef>
+            <a:fontRef idx="minor">
+              <a:schemeClr val="lt1"/>
+            </a:fontRef>
+          </p:style>
+        </p:sp>
+        <p:sp>
+          <p:nvSpPr>
+            <p:cNvPr id="31" name="Isosceles Triangle 30"/>
+            <p:cNvSpPr/>
+            <p:nvPr/>
+          </p:nvSpPr>
+          <p:spPr>
+            <a:xfrm>
+              <a:off x="10371666" y="3589867"/>
+              <a:ext cx="1817159" cy="3268133"/>
+            </a:xfrm>
+            <a:prstGeom prst="triangle">
+              <a:avLst>
+                <a:gd name="adj" fmla="val 100000"/>
+              </a:avLst>
+            </a:prstGeom>
+            <a:solidFill>
+              <a:schemeClr val="accent1">
+                <a:alpha val="80000"/>
+              </a:schemeClr>
+            </a:solidFill>
+            <a:ln>
+              <a:noFill/>
+            </a:ln>
+            <a:effectLst/>
+          </p:spPr>
+          <p:style>
+            <a:lnRef idx="1">
+              <a:schemeClr val="accent1"/>
+            </a:lnRef>
+            <a:fillRef idx="3">
+              <a:schemeClr val="accent1"/>
+            </a:fillRef>
+            <a:effectRef idx="2">
+              <a:schemeClr val="accent1"/>
+            </a:effectRef>
+            <a:fontRef idx="minor">
+              <a:schemeClr val="lt1"/>
+            </a:fontRef>
+          </p:style>
+        </p:sp>
+        <p:sp>
+          <p:nvSpPr>
+            <p:cNvPr id="19" name="Isosceles Triangle 18"/>
+            <p:cNvSpPr/>
+            <p:nvPr/>
+          </p:nvSpPr>
+          <p:spPr>
+            <a:xfrm rot="10800000">
+              <a:off x="0" y="0"/>
+              <a:ext cx="842596" cy="5666154"/>
+            </a:xfrm>
+            <a:prstGeom prst="triangle">
+              <a:avLst>
+                <a:gd name="adj" fmla="val 100000"/>
+              </a:avLst>
+            </a:prstGeom>
+            <a:solidFill>
+              <a:schemeClr val="accent1">
+                <a:alpha val="85000"/>
+              </a:schemeClr>
+            </a:solidFill>
+            <a:ln>
+              <a:noFill/>
+            </a:ln>
+            <a:effectLst/>
+          </p:spPr>
+          <p:style>
+            <a:lnRef idx="1">
+              <a:schemeClr val="accent1"/>
+            </a:lnRef>
+            <a:fillRef idx="3">
+              <a:schemeClr val="accent1"/>
+            </a:fillRef>
+            <a:effectRef idx="2">
+              <a:schemeClr val="accent1"/>
+            </a:effectRef>
+            <a:fontRef idx="minor">
+              <a:schemeClr val="lt1"/>
+            </a:fontRef>
+          </p:style>
+        </p:sp>
+      </p:grpSp>
+      <p:sp>
+        <p:nvSpPr>
+          <p:cNvPr id="2" name="Title 1"/>
+          <p:cNvSpPr>
+            <a:spLocks noGrp="1"/>
+          </p:cNvSpPr>
+          <p:nvPr>
+            <p:ph type="ctrTitle"/>
+          </p:nvPr>
+        </p:nvSpPr>
         <p:spPr>
           <a:xfrm>
-            <a:off x="0" y="0"/>
-            <a:ext cx="12192000" cy="6858000"/>
-          </a:xfrm>
-          <a:prstGeom prst="rect">
-            <a:avLst/>
-          </a:prstGeom>
-        </p:spPr>
-      </p:pic>
-      <p:sp useBgFill="1">
-        <p:nvSpPr>
-          <p:cNvPr id="12" name="Freeform 11"/>
-          <p:cNvSpPr/>
-          <p:nvPr/>
-        </p:nvSpPr>
-        <p:spPr>
-          <a:xfrm>
-            <a:off x="-15875" y="0"/>
-            <a:ext cx="11683810" cy="6588125"/>
-          </a:xfrm>
-          <a:custGeom>
-            <a:avLst/>
-            <a:gdLst/>
-            <a:ahLst/>
-            <a:cxnLst/>
-            <a:rect l="l" t="t" r="r" b="b"/>
-            <a:pathLst>
-              <a:path w="11683810" h="6588125">
-                <a:moveTo>
-                  <a:pt x="0" y="0"/>
-                </a:moveTo>
-                <a:lnTo>
-                  <a:pt x="11318691" y="0"/>
-                </a:lnTo>
-                <a:lnTo>
-                  <a:pt x="11683810" y="5976938"/>
-                </a:lnTo>
-                <a:lnTo>
-                  <a:pt x="15875" y="6588125"/>
-                </a:lnTo>
-                <a:cubicBezTo>
-                  <a:pt x="10583" y="4386792"/>
-                  <a:pt x="5292" y="2185458"/>
-                  <a:pt x="0" y="0"/>
-                </a:cubicBezTo>
-                <a:close/>
-              </a:path>
-            </a:pathLst>
-          </a:custGeom>
-          <a:ln>
-            <a:noFill/>
-          </a:ln>
-          <a:effectLst>
-            <a:outerShdw blurRad="101600" dist="152400" dir="4380000" algn="tl" rotWithShape="0">
-              <a:srgbClr val="000000">
-                <a:alpha val="43000"/>
-              </a:srgbClr>
-            </a:outerShdw>
-          </a:effectLst>
-        </p:spPr>
-        <p:style>
-          <a:lnRef idx="1">
-            <a:schemeClr val="accent1"/>
-          </a:lnRef>
-          <a:fillRef idx="3">
-            <a:schemeClr val="accent1"/>
-          </a:fillRef>
-          <a:effectRef idx="2">
-            <a:schemeClr val="accent1"/>
-          </a:effectRef>
-          <a:fontRef idx="minor">
-            <a:schemeClr val="lt1"/>
-          </a:fontRef>
-        </p:style>
-      </p:sp>
-      <p:sp>
-        <p:nvSpPr>
-          <p:cNvPr id="14" name="Freeform 13"/>
-          <p:cNvSpPr/>
-          <p:nvPr/>
-        </p:nvSpPr>
-        <p:spPr>
-          <a:xfrm>
-            <a:off x="0" y="4282257"/>
-            <a:ext cx="11329257" cy="2028845"/>
-          </a:xfrm>
-          <a:custGeom>
-            <a:avLst/>
-            <a:gdLst/>
-            <a:ahLst/>
-            <a:cxnLst/>
-            <a:rect l="l" t="t" r="r" b="b"/>
-            <a:pathLst>
-              <a:path w="11329257" h="2028845">
-                <a:moveTo>
-                  <a:pt x="0" y="588520"/>
-                </a:moveTo>
-                <a:lnTo>
-                  <a:pt x="11244075" y="0"/>
-                </a:lnTo>
-                <a:lnTo>
-                  <a:pt x="11329257" y="1424838"/>
-                </a:lnTo>
-                <a:lnTo>
-                  <a:pt x="0" y="2028845"/>
-                </a:lnTo>
-                <a:lnTo>
-                  <a:pt x="0" y="588520"/>
-                </a:lnTo>
-                <a:close/>
-              </a:path>
-            </a:pathLst>
-          </a:custGeom>
-          <a:gradFill flip="none" rotWithShape="1">
-            <a:gsLst>
-              <a:gs pos="34000">
-                <a:schemeClr val="accent1"/>
-              </a:gs>
-              <a:gs pos="100000">
-                <a:schemeClr val="accent1">
-                  <a:lumMod val="50000"/>
-                </a:schemeClr>
-              </a:gs>
-            </a:gsLst>
-            <a:path path="circle">
-              <a:fillToRect l="50000" t="50000" r="50000" b="50000"/>
-            </a:path>
-            <a:tileRect/>
-          </a:gradFill>
-          <a:ln>
-            <a:noFill/>
-          </a:ln>
-        </p:spPr>
-        <p:style>
-          <a:lnRef idx="1">
-            <a:schemeClr val="accent1"/>
-          </a:lnRef>
-          <a:fillRef idx="3">
-            <a:schemeClr val="accent1"/>
-          </a:fillRef>
-          <a:effectRef idx="2">
-            <a:schemeClr val="accent1"/>
-          </a:effectRef>
-          <a:fontRef idx="minor">
-            <a:schemeClr val="lt1"/>
-          </a:fontRef>
-        </p:style>
-      </p:sp>
-      <p:sp>
-        <p:nvSpPr>
-          <p:cNvPr id="26" name="Freeform 25"/>
-          <p:cNvSpPr/>
-          <p:nvPr/>
-        </p:nvSpPr>
-        <p:spPr>
-          <a:xfrm>
-            <a:off x="0" y="0"/>
-            <a:ext cx="8719579" cy="456877"/>
-          </a:xfrm>
-          <a:custGeom>
-            <a:avLst/>
-            <a:gdLst/>
-            <a:ahLst/>
-            <a:cxnLst/>
-            <a:rect l="l" t="t" r="r" b="b"/>
-            <a:pathLst>
-              <a:path w="8719579" h="456877">
-                <a:moveTo>
-                  <a:pt x="0" y="0"/>
-                </a:moveTo>
-                <a:lnTo>
-                  <a:pt x="8719579" y="0"/>
-                </a:lnTo>
-                <a:lnTo>
-                  <a:pt x="0" y="456877"/>
-                </a:lnTo>
-                <a:lnTo>
-                  <a:pt x="0" y="0"/>
-                </a:lnTo>
-                <a:close/>
-              </a:path>
-            </a:pathLst>
-          </a:custGeom>
-          <a:gradFill flip="none" rotWithShape="1">
-            <a:gsLst>
-              <a:gs pos="34000">
-                <a:schemeClr val="accent1"/>
-              </a:gs>
-              <a:gs pos="100000">
-                <a:schemeClr val="accent1">
-                  <a:lumMod val="50000"/>
-                </a:schemeClr>
-              </a:gs>
-            </a:gsLst>
-            <a:path path="circle">
-              <a:fillToRect l="50000" t="50000" r="50000" b="50000"/>
-            </a:path>
-            <a:tileRect/>
-          </a:gradFill>
-          <a:ln>
-            <a:noFill/>
-          </a:ln>
-        </p:spPr>
-        <p:style>
-          <a:lnRef idx="1">
-            <a:schemeClr val="accent1"/>
-          </a:lnRef>
-          <a:fillRef idx="3">
-            <a:schemeClr val="accent1"/>
-          </a:fillRef>
-          <a:effectRef idx="2">
-            <a:schemeClr val="accent1"/>
-          </a:effectRef>
-          <a:fontRef idx="minor">
-            <a:schemeClr val="lt1"/>
-          </a:fontRef>
-        </p:style>
-      </p:sp>
-      <p:sp>
-        <p:nvSpPr>
-          <p:cNvPr id="15" name="Freeform 14"/>
-          <p:cNvSpPr/>
-          <p:nvPr/>
-        </p:nvSpPr>
-        <p:spPr>
-          <a:xfrm rot="21420000">
-            <a:off x="-161800" y="293317"/>
-            <a:ext cx="11367116" cy="5751804"/>
-          </a:xfrm>
-          <a:custGeom>
-            <a:avLst/>
-            <a:gdLst/>
-            <a:ahLst/>
-            <a:cxnLst/>
-            <a:rect l="l" t="t" r="r" b="b"/>
-            <a:pathLst>
-              <a:path w="11367116" h="5751804">
-                <a:moveTo>
-                  <a:pt x="11346705" y="0"/>
-                </a:moveTo>
-                <a:cubicBezTo>
-                  <a:pt x="11353509" y="1915114"/>
-                  <a:pt x="11360312" y="3830229"/>
-                  <a:pt x="11367116" y="5745343"/>
-                </a:cubicBezTo>
-                <a:lnTo>
-                  <a:pt x="0" y="5751804"/>
-                </a:lnTo>
-              </a:path>
-            </a:pathLst>
-          </a:custGeom>
-          <a:ln w="82550">
-            <a:solidFill>
-              <a:schemeClr val="tx1">
-                <a:lumMod val="50000"/>
-                <a:lumOff val="50000"/>
-              </a:schemeClr>
-            </a:solidFill>
-            <a:miter lim="800000"/>
-          </a:ln>
-        </p:spPr>
-        <p:style>
-          <a:lnRef idx="2">
-            <a:schemeClr val="accent1"/>
-          </a:lnRef>
-          <a:fillRef idx="0">
-            <a:schemeClr val="accent1"/>
-          </a:fillRef>
-          <a:effectRef idx="1">
-            <a:schemeClr val="accent1"/>
-          </a:effectRef>
-          <a:fontRef idx="minor">
-            <a:schemeClr val="tx1"/>
-          </a:fontRef>
-        </p:style>
-      </p:sp>
-      <p:sp>
-        <p:nvSpPr>
-          <p:cNvPr id="2" name="Title 1"/>
-          <p:cNvSpPr>
-            <a:spLocks noGrp="1"/>
-          </p:cNvSpPr>
-          <p:nvPr>
-            <p:ph type="ctrTitle"/>
-          </p:nvPr>
-        </p:nvSpPr>
-        <p:spPr>
-          <a:xfrm rot="21420000">
-            <a:off x="891201" y="662656"/>
-            <a:ext cx="9755187" cy="2766528"/>
+            <a:off x="1507067" y="2404534"/>
+            <a:ext cx="7766936" cy="1646302"/>
           </a:xfrm>
         </p:spPr>
         <p:txBody>
           <a:bodyPr anchor="b">
-            <a:normAutofit/>
+            <a:noAutofit/>
           </a:bodyPr>
           <a:lstStyle>
             <a:lvl1pPr algn="r">
-              <a:defRPr sz="8000"/>
+              <a:defRPr sz="5400">
+                <a:solidFill>
+                  <a:schemeClr val="accent1"/>
+                </a:solidFill>
+              </a:defRPr>
             </a:lvl1pPr>
           </a:lstStyle>
           <a:p>
@@ -477,164 +719,171 @@
           </p:nvPr>
         </p:nvSpPr>
         <p:spPr>
-          <a:xfrm rot="21420000">
-            <a:off x="983062" y="3505209"/>
-            <a:ext cx="9755187" cy="550333"/>
+          <a:xfrm>
+            <a:off x="1507067" y="4050833"/>
+            <a:ext cx="7766936" cy="1096899"/>
           </a:xfrm>
         </p:spPr>
         <p:txBody>
-          <a:bodyPr anchor="t">
-            <a:noAutofit/>
-          </a:bodyPr>
+          <a:bodyPr anchor="t"/>
           <a:lstStyle>
             <a:lvl1pPr marL="0" indent="0" algn="r">
               <a:buNone/>
-              <a:defRPr sz="2800">
+              <a:defRPr>
                 <a:solidFill>
-                  <a:schemeClr val="bg1">
+                  <a:schemeClr val="tx1">
                     <a:lumMod val="50000"/>
+                    <a:lumOff val="50000"/>
                   </a:schemeClr>
                 </a:solidFill>
               </a:defRPr>
             </a:lvl1pPr>
             <a:lvl2pPr marL="457200" indent="0" algn="ctr">
               <a:buNone/>
-              <a:defRPr sz="2000"/>
-            </a:lvl2pPr>
-            <a:lvl3pPr marL="914400" indent="0" algn="ctr">
-              <a:buNone/>
-              <a:defRPr sz="1800"/>
-            </a:lvl3pPr>
-            <a:lvl4pPr marL="1371600" indent="0" algn="ctr">
-              <a:buNone/>
-              <a:defRPr sz="1600"/>
-            </a:lvl4pPr>
-            <a:lvl5pPr marL="1828800" indent="0" algn="ctr">
-              <a:buNone/>
-              <a:defRPr sz="1600"/>
-            </a:lvl5pPr>
-            <a:lvl6pPr marL="2286000" indent="0" algn="ctr">
-              <a:buNone/>
-              <a:defRPr sz="1600"/>
-            </a:lvl6pPr>
-            <a:lvl7pPr marL="2743200" indent="0" algn="ctr">
-              <a:buNone/>
-              <a:defRPr sz="1600"/>
-            </a:lvl7pPr>
-            <a:lvl8pPr marL="3200400" indent="0" algn="ctr">
-              <a:buNone/>
-              <a:defRPr sz="1600"/>
-            </a:lvl8pPr>
-            <a:lvl9pPr marL="3657600" indent="0" algn="ctr">
-              <a:buNone/>
-              <a:defRPr sz="1600"/>
-            </a:lvl9pPr>
-          </a:lstStyle>
-          <a:p>
-            <a:r>
-              <a:rPr lang="en-US"/>
-              <a:t>Click to edit Master subtitle style</a:t>
-            </a:r>
-            <a:endParaRPr lang="en-US" dirty="0"/>
-          </a:p>
-        </p:txBody>
-      </p:sp>
-      <p:sp>
-        <p:nvSpPr>
-          <p:cNvPr id="4" name="Date Placeholder 3"/>
-          <p:cNvSpPr>
-            <a:spLocks noGrp="1"/>
-          </p:cNvSpPr>
-          <p:nvPr>
-            <p:ph type="dt" sz="half" idx="10"/>
-          </p:nvPr>
-        </p:nvSpPr>
-        <p:spPr>
-          <a:xfrm rot="21420000">
-            <a:off x="4948541" y="4578463"/>
-            <a:ext cx="6143653" cy="1163112"/>
-          </a:xfrm>
-        </p:spPr>
-        <p:txBody>
-          <a:bodyPr/>
-          <a:lstStyle>
-            <a:lvl1pPr algn="ctr">
-              <a:defRPr sz="5400">
+              <a:defRPr>
                 <a:solidFill>
-                  <a:schemeClr val="accent1">
-                    <a:lumMod val="50000"/>
+                  <a:schemeClr val="tx1">
+                    <a:tint val="75000"/>
                   </a:schemeClr>
                 </a:solidFill>
               </a:defRPr>
-            </a:lvl1pPr>
-          </a:lstStyle>
-          <a:p>
-            <a:fld id="{722D6F65-1F76-419B-8503-3667BAFF543E}" type="datetimeFigureOut">
-              <a:rPr lang="en-US" smtClean="0"/>
-              <a:t>6/23/2016</a:t>
-            </a:fld>
-            <a:endParaRPr lang="en-US"/>
-          </a:p>
-        </p:txBody>
-      </p:sp>
-      <p:sp>
-        <p:nvSpPr>
-          <p:cNvPr id="5" name="Footer Placeholder 4"/>
-          <p:cNvSpPr>
-            <a:spLocks noGrp="1"/>
-          </p:cNvSpPr>
-          <p:nvPr>
-            <p:ph type="ftr" sz="quarter" idx="11"/>
-          </p:nvPr>
-        </p:nvSpPr>
-        <p:spPr>
-          <a:xfrm rot="21420000">
-            <a:off x="-5560" y="4883024"/>
-            <a:ext cx="4047239" cy="1195538"/>
-          </a:xfrm>
-        </p:spPr>
-        <p:txBody>
-          <a:bodyPr vert="horz" lIns="91440" tIns="45720" rIns="91440" bIns="45720" rtlCol="0" anchor="ctr"/>
-          <a:lstStyle>
-            <a:lvl1pPr algn="r">
-              <a:defRPr lang="en-US" sz="5400" dirty="0"/>
-            </a:lvl1pPr>
-          </a:lstStyle>
-          <a:p>
-            <a:endParaRPr lang="en-US"/>
-          </a:p>
-        </p:txBody>
-      </p:sp>
-      <p:sp>
-        <p:nvSpPr>
-          <p:cNvPr id="6" name="Slide Number Placeholder 5"/>
-          <p:cNvSpPr>
-            <a:spLocks noGrp="1"/>
-          </p:cNvSpPr>
-          <p:nvPr>
-            <p:ph type="sldNum" sz="quarter" idx="12"/>
-          </p:nvPr>
-        </p:nvSpPr>
-        <p:spPr>
-          <a:xfrm rot="21420000">
-            <a:off x="9851758" y="3832648"/>
-            <a:ext cx="907186" cy="498470"/>
-          </a:xfrm>
-        </p:spPr>
-        <p:txBody>
-          <a:bodyPr/>
-          <a:lstStyle>
-            <a:lvl1pPr>
-              <a:defRPr sz="2400">
+            </a:lvl2pPr>
+            <a:lvl3pPr marL="914400" indent="0" algn="ctr">
+              <a:buNone/>
+              <a:defRPr>
                 <a:solidFill>
                   <a:schemeClr val="tx1">
-                    <a:lumMod val="75000"/>
-                    <a:lumOff val="25000"/>
+                    <a:tint val="75000"/>
                   </a:schemeClr>
                 </a:solidFill>
               </a:defRPr>
-            </a:lvl1pPr>
+            </a:lvl3pPr>
+            <a:lvl4pPr marL="1371600" indent="0" algn="ctr">
+              <a:buNone/>
+              <a:defRPr>
+                <a:solidFill>
+                  <a:schemeClr val="tx1">
+                    <a:tint val="75000"/>
+                  </a:schemeClr>
+                </a:solidFill>
+              </a:defRPr>
+            </a:lvl4pPr>
+            <a:lvl5pPr marL="1828800" indent="0" algn="ctr">
+              <a:buNone/>
+              <a:defRPr>
+                <a:solidFill>
+                  <a:schemeClr val="tx1">
+                    <a:tint val="75000"/>
+                  </a:schemeClr>
+                </a:solidFill>
+              </a:defRPr>
+            </a:lvl5pPr>
+            <a:lvl6pPr marL="2286000" indent="0" algn="ctr">
+              <a:buNone/>
+              <a:defRPr>
+                <a:solidFill>
+                  <a:schemeClr val="tx1">
+                    <a:tint val="75000"/>
+                  </a:schemeClr>
+                </a:solidFill>
+              </a:defRPr>
+            </a:lvl6pPr>
+            <a:lvl7pPr marL="2743200" indent="0" algn="ctr">
+              <a:buNone/>
+              <a:defRPr>
+                <a:solidFill>
+                  <a:schemeClr val="tx1">
+                    <a:tint val="75000"/>
+                  </a:schemeClr>
+                </a:solidFill>
+              </a:defRPr>
+            </a:lvl7pPr>
+            <a:lvl8pPr marL="3200400" indent="0" algn="ctr">
+              <a:buNone/>
+              <a:defRPr>
+                <a:solidFill>
+                  <a:schemeClr val="tx1">
+                    <a:tint val="75000"/>
+                  </a:schemeClr>
+                </a:solidFill>
+              </a:defRPr>
+            </a:lvl8pPr>
+            <a:lvl9pPr marL="3657600" indent="0" algn="ctr">
+              <a:buNone/>
+              <a:defRPr>
+                <a:solidFill>
+                  <a:schemeClr val="tx1">
+                    <a:tint val="75000"/>
+                  </a:schemeClr>
+                </a:solidFill>
+              </a:defRPr>
+            </a:lvl9pPr>
           </a:lstStyle>
+          <a:p>
+            <a:r>
+              <a:rPr lang="en-US"/>
+              <a:t>Click to edit Master subtitle style</a:t>
+            </a:r>
+            <a:endParaRPr lang="en-US" dirty="0"/>
+          </a:p>
+        </p:txBody>
+      </p:sp>
+      <p:sp>
+        <p:nvSpPr>
+          <p:cNvPr id="4" name="Date Placeholder 3"/>
+          <p:cNvSpPr>
+            <a:spLocks noGrp="1"/>
+          </p:cNvSpPr>
+          <p:nvPr>
+            <p:ph type="dt" sz="half" idx="10"/>
+          </p:nvPr>
+        </p:nvSpPr>
+        <p:spPr/>
+        <p:txBody>
+          <a:bodyPr/>
+          <a:lstStyle/>
+          <a:p>
+            <a:fld id="{722D6F65-1F76-419B-8503-3667BAFF543E}" type="datetimeFigureOut">
+              <a:rPr lang="en-US" smtClean="0"/>
+              <a:t>6/24/2016</a:t>
+            </a:fld>
+            <a:endParaRPr lang="en-US"/>
+          </a:p>
+        </p:txBody>
+      </p:sp>
+      <p:sp>
+        <p:nvSpPr>
+          <p:cNvPr id="5" name="Footer Placeholder 4"/>
+          <p:cNvSpPr>
+            <a:spLocks noGrp="1"/>
+          </p:cNvSpPr>
+          <p:nvPr>
+            <p:ph type="ftr" sz="quarter" idx="11"/>
+          </p:nvPr>
+        </p:nvSpPr>
+        <p:spPr/>
+        <p:txBody>
+          <a:bodyPr/>
+          <a:lstStyle/>
+          <a:p>
+            <a:endParaRPr lang="en-US"/>
+          </a:p>
+        </p:txBody>
+      </p:sp>
+      <p:sp>
+        <p:nvSpPr>
+          <p:cNvPr id="6" name="Slide Number Placeholder 5"/>
+          <p:cNvSpPr>
+            <a:spLocks noGrp="1"/>
+          </p:cNvSpPr>
+          <p:nvPr>
+            <p:ph type="sldNum" sz="quarter" idx="12"/>
+          </p:nvPr>
+        </p:nvSpPr>
+        <p:spPr/>
+        <p:txBody>
+          <a:bodyPr/>
+          <a:lstStyle/>
           <a:p>
             <a:fld id="{75BD8137-563A-47AD-B5AA-C55206C03043}" type="slidenum">
               <a:rPr lang="en-US" smtClean="0"/>
@@ -644,52 +893,10 @@
           </a:p>
         </p:txBody>
       </p:sp>
-      <p:sp>
-        <p:nvSpPr>
-          <p:cNvPr id="25" name="5-Point Star 24"/>
-          <p:cNvSpPr/>
-          <p:nvPr/>
-        </p:nvSpPr>
-        <p:spPr>
-          <a:xfrm rot="21420000">
-            <a:off x="4221385" y="5111356"/>
-            <a:ext cx="515386" cy="515386"/>
-          </a:xfrm>
-          <a:prstGeom prst="star5">
-            <a:avLst>
-              <a:gd name="adj" fmla="val 26693"/>
-              <a:gd name="hf" fmla="val 105146"/>
-              <a:gd name="vf" fmla="val 110557"/>
-            </a:avLst>
-          </a:prstGeom>
-          <a:solidFill>
-            <a:schemeClr val="tx1">
-              <a:alpha val="40000"/>
-            </a:schemeClr>
-          </a:solidFill>
-          <a:ln>
-            <a:noFill/>
-          </a:ln>
-        </p:spPr>
-        <p:style>
-          <a:lnRef idx="1">
-            <a:schemeClr val="accent1"/>
-          </a:lnRef>
-          <a:fillRef idx="3">
-            <a:schemeClr val="accent1"/>
-          </a:fillRef>
-          <a:effectRef idx="2">
-            <a:schemeClr val="accent1"/>
-          </a:effectRef>
-          <a:fontRef idx="minor">
-            <a:schemeClr val="lt1"/>
-          </a:fontRef>
-        </p:style>
-      </p:sp>
     </p:spTree>
     <p:extLst>
       <p:ext uri="{BB962C8B-B14F-4D97-AF65-F5344CB8AC3E}">
-        <p14:creationId xmlns:p14="http://schemas.microsoft.com/office/powerpoint/2010/main" val="1427355189"/>
+        <p14:creationId xmlns:p14="http://schemas.microsoft.com/office/powerpoint/2010/main" val="2082995346"/>
       </p:ext>
     </p:extLst>
   </p:cSld>
@@ -700,271 +907,6 @@
 </file>
 
 <file path=ppt/slideLayouts/slideLayout10.xml><?xml version="1.0" encoding="utf-8"?>
-<p:sldLayout xmlns:a="http://schemas.openxmlformats.org/drawingml/2006/main" xmlns:r="http://schemas.openxmlformats.org/officeDocument/2006/relationships" xmlns:p="http://schemas.openxmlformats.org/presentationml/2006/main" preserve="1">
-  <p:cSld name="Panoramic Picture with Caption">
-    <p:spTree>
-      <p:nvGrpSpPr>
-        <p:cNvPr id="1" name=""/>
-        <p:cNvGrpSpPr/>
-        <p:nvPr/>
-      </p:nvGrpSpPr>
-      <p:grpSpPr>
-        <a:xfrm>
-          <a:off x="0" y="0"/>
-          <a:ext cx="0" cy="0"/>
-          <a:chOff x="0" y="0"/>
-          <a:chExt cx="0" cy="0"/>
-        </a:xfrm>
-      </p:grpSpPr>
-      <p:sp>
-        <p:nvSpPr>
-          <p:cNvPr id="2" name="Title 1"/>
-          <p:cNvSpPr>
-            <a:spLocks noGrp="1"/>
-          </p:cNvSpPr>
-          <p:nvPr>
-            <p:ph type="title"/>
-          </p:nvPr>
-        </p:nvSpPr>
-        <p:spPr>
-          <a:xfrm>
-            <a:off x="685800" y="4106333"/>
-            <a:ext cx="10394708" cy="588846"/>
-          </a:xfrm>
-        </p:spPr>
-        <p:txBody>
-          <a:bodyPr anchor="b"/>
-          <a:lstStyle>
-            <a:lvl1pPr>
-              <a:defRPr sz="3200"/>
-            </a:lvl1pPr>
-          </a:lstStyle>
-          <a:p>
-            <a:r>
-              <a:rPr lang="en-US"/>
-              <a:t>Click to edit Master title style</a:t>
-            </a:r>
-            <a:endParaRPr lang="en-US" dirty="0"/>
-          </a:p>
-        </p:txBody>
-      </p:sp>
-      <p:sp>
-        <p:nvSpPr>
-          <p:cNvPr id="3" name="Picture Placeholder 2"/>
-          <p:cNvSpPr>
-            <a:spLocks noGrp="1" noChangeAspect="1"/>
-          </p:cNvSpPr>
-          <p:nvPr>
-            <p:ph type="pic" idx="1"/>
-          </p:nvPr>
-        </p:nvSpPr>
-        <p:spPr>
-          <a:xfrm>
-            <a:off x="685801" y="685799"/>
-            <a:ext cx="10392513" cy="3194903"/>
-          </a:xfrm>
-          <a:ln w="57150" cmpd="thinThick">
-            <a:solidFill>
-              <a:schemeClr val="bg1">
-                <a:lumMod val="50000"/>
-              </a:schemeClr>
-            </a:solidFill>
-            <a:miter lim="800000"/>
-          </a:ln>
-        </p:spPr>
-        <p:txBody>
-          <a:bodyPr anchor="t"/>
-          <a:lstStyle>
-            <a:lvl1pPr marL="0" indent="0" algn="ctr">
-              <a:buNone/>
-              <a:defRPr sz="3200"/>
-            </a:lvl1pPr>
-            <a:lvl2pPr marL="457200" indent="0">
-              <a:buNone/>
-              <a:defRPr sz="2800"/>
-            </a:lvl2pPr>
-            <a:lvl3pPr marL="914400" indent="0">
-              <a:buNone/>
-              <a:defRPr sz="2400"/>
-            </a:lvl3pPr>
-            <a:lvl4pPr marL="1371600" indent="0">
-              <a:buNone/>
-              <a:defRPr sz="2000"/>
-            </a:lvl4pPr>
-            <a:lvl5pPr marL="1828800" indent="0">
-              <a:buNone/>
-              <a:defRPr sz="2000"/>
-            </a:lvl5pPr>
-            <a:lvl6pPr marL="2286000" indent="0">
-              <a:buNone/>
-              <a:defRPr sz="2000"/>
-            </a:lvl6pPr>
-            <a:lvl7pPr marL="2743200" indent="0">
-              <a:buNone/>
-              <a:defRPr sz="2000"/>
-            </a:lvl7pPr>
-            <a:lvl8pPr marL="3200400" indent="0">
-              <a:buNone/>
-              <a:defRPr sz="2000"/>
-            </a:lvl8pPr>
-            <a:lvl9pPr marL="3657600" indent="0">
-              <a:buNone/>
-              <a:defRPr sz="2000"/>
-            </a:lvl9pPr>
-          </a:lstStyle>
-          <a:p>
-            <a:r>
-              <a:rPr lang="en-US"/>
-              <a:t>Click icon to add picture</a:t>
-            </a:r>
-            <a:endParaRPr lang="en-US" dirty="0"/>
-          </a:p>
-        </p:txBody>
-      </p:sp>
-      <p:sp>
-        <p:nvSpPr>
-          <p:cNvPr id="4" name="Text Placeholder 3"/>
-          <p:cNvSpPr>
-            <a:spLocks noGrp="1"/>
-          </p:cNvSpPr>
-          <p:nvPr>
-            <p:ph type="body" sz="half" idx="2"/>
-          </p:nvPr>
-        </p:nvSpPr>
-        <p:spPr>
-          <a:xfrm>
-            <a:off x="685780" y="4702923"/>
-            <a:ext cx="10394728" cy="682472"/>
-          </a:xfrm>
-        </p:spPr>
-        <p:txBody>
-          <a:bodyPr anchor="t"/>
-          <a:lstStyle>
-            <a:lvl1pPr marL="0" indent="0" algn="l">
-              <a:buNone/>
-              <a:defRPr sz="1600"/>
-            </a:lvl1pPr>
-            <a:lvl2pPr marL="457200" indent="0">
-              <a:buNone/>
-              <a:defRPr sz="1400"/>
-            </a:lvl2pPr>
-            <a:lvl3pPr marL="914400" indent="0">
-              <a:buNone/>
-              <a:defRPr sz="1200"/>
-            </a:lvl3pPr>
-            <a:lvl4pPr marL="1371600" indent="0">
-              <a:buNone/>
-              <a:defRPr sz="1000"/>
-            </a:lvl4pPr>
-            <a:lvl5pPr marL="1828800" indent="0">
-              <a:buNone/>
-              <a:defRPr sz="1000"/>
-            </a:lvl5pPr>
-            <a:lvl6pPr marL="2286000" indent="0">
-              <a:buNone/>
-              <a:defRPr sz="1000"/>
-            </a:lvl6pPr>
-            <a:lvl7pPr marL="2743200" indent="0">
-              <a:buNone/>
-              <a:defRPr sz="1000"/>
-            </a:lvl7pPr>
-            <a:lvl8pPr marL="3200400" indent="0">
-              <a:buNone/>
-              <a:defRPr sz="1000"/>
-            </a:lvl8pPr>
-            <a:lvl9pPr marL="3657600" indent="0">
-              <a:buNone/>
-              <a:defRPr sz="1000"/>
-            </a:lvl9pPr>
-          </a:lstStyle>
-          <a:p>
-            <a:pPr lvl="0"/>
-            <a:r>
-              <a:rPr lang="en-US"/>
-              <a:t>Click to edit Master text styles</a:t>
-            </a:r>
-          </a:p>
-        </p:txBody>
-      </p:sp>
-      <p:sp>
-        <p:nvSpPr>
-          <p:cNvPr id="5" name="Date Placeholder 4"/>
-          <p:cNvSpPr>
-            <a:spLocks noGrp="1"/>
-          </p:cNvSpPr>
-          <p:nvPr>
-            <p:ph type="dt" sz="half" idx="10"/>
-          </p:nvPr>
-        </p:nvSpPr>
-        <p:spPr/>
-        <p:txBody>
-          <a:bodyPr/>
-          <a:lstStyle/>
-          <a:p>
-            <a:fld id="{722D6F65-1F76-419B-8503-3667BAFF543E}" type="datetimeFigureOut">
-              <a:rPr lang="en-US" smtClean="0"/>
-              <a:t>6/23/2016</a:t>
-            </a:fld>
-            <a:endParaRPr lang="en-US"/>
-          </a:p>
-        </p:txBody>
-      </p:sp>
-      <p:sp>
-        <p:nvSpPr>
-          <p:cNvPr id="6" name="Footer Placeholder 5"/>
-          <p:cNvSpPr>
-            <a:spLocks noGrp="1"/>
-          </p:cNvSpPr>
-          <p:nvPr>
-            <p:ph type="ftr" sz="quarter" idx="11"/>
-          </p:nvPr>
-        </p:nvSpPr>
-        <p:spPr/>
-        <p:txBody>
-          <a:bodyPr/>
-          <a:lstStyle/>
-          <a:p>
-            <a:endParaRPr lang="en-US"/>
-          </a:p>
-        </p:txBody>
-      </p:sp>
-      <p:sp>
-        <p:nvSpPr>
-          <p:cNvPr id="7" name="Slide Number Placeholder 6"/>
-          <p:cNvSpPr>
-            <a:spLocks noGrp="1"/>
-          </p:cNvSpPr>
-          <p:nvPr>
-            <p:ph type="sldNum" sz="quarter" idx="12"/>
-          </p:nvPr>
-        </p:nvSpPr>
-        <p:spPr/>
-        <p:txBody>
-          <a:bodyPr/>
-          <a:lstStyle/>
-          <a:p>
-            <a:fld id="{75BD8137-563A-47AD-B5AA-C55206C03043}" type="slidenum">
-              <a:rPr lang="en-US" smtClean="0"/>
-              <a:t>‹#›</a:t>
-            </a:fld>
-            <a:endParaRPr lang="en-US"/>
-          </a:p>
-        </p:txBody>
-      </p:sp>
-    </p:spTree>
-    <p:extLst>
-      <p:ext uri="{BB962C8B-B14F-4D97-AF65-F5344CB8AC3E}">
-        <p14:creationId xmlns:p14="http://schemas.microsoft.com/office/powerpoint/2010/main" val="3752147213"/>
-      </p:ext>
-    </p:extLst>
-  </p:cSld>
-  <p:clrMapOvr>
-    <a:masterClrMapping/>
-  </p:clrMapOvr>
-</p:sldLayout>
-</file>
-
-<file path=ppt/slideLayouts/slideLayout11.xml><?xml version="1.0" encoding="utf-8"?>
 <p:sldLayout xmlns:a="http://schemas.openxmlformats.org/drawingml/2006/main" xmlns:r="http://schemas.openxmlformats.org/officeDocument/2006/relationships" xmlns:p="http://schemas.openxmlformats.org/presentationml/2006/main" preserve="1">
   <p:cSld name="Title and Caption">
     <p:spTree>
@@ -993,8 +935,8 @@
         </p:nvSpPr>
         <p:spPr>
           <a:xfrm>
-            <a:off x="685801" y="685800"/>
-            <a:ext cx="10396902" cy="3194903"/>
+            <a:off x="677335" y="609600"/>
+            <a:ext cx="8596668" cy="3403600"/>
           </a:xfrm>
         </p:spPr>
         <p:txBody>
@@ -1002,8 +944,8 @@
             <a:normAutofit/>
           </a:bodyPr>
           <a:lstStyle>
-            <a:lvl1pPr algn="ctr">
-              <a:defRPr sz="4800"/>
+            <a:lvl1pPr algn="l">
+              <a:defRPr sz="4400" b="0" cap="none"/>
             </a:lvl1pPr>
           </a:lstStyle>
           <a:p>
@@ -1017,18 +959,18 @@
       </p:sp>
       <p:sp>
         <p:nvSpPr>
-          <p:cNvPr id="4" name="Text Placeholder 3"/>
-          <p:cNvSpPr>
-            <a:spLocks noGrp="1"/>
-          </p:cNvSpPr>
-          <p:nvPr>
-            <p:ph type="body" sz="half" idx="2"/>
+          <p:cNvPr id="3" name="Text Placeholder 2"/>
+          <p:cNvSpPr>
+            <a:spLocks noGrp="1"/>
+          </p:cNvSpPr>
+          <p:nvPr>
+            <p:ph type="body" idx="1"/>
           </p:nvPr>
         </p:nvSpPr>
         <p:spPr>
           <a:xfrm>
-            <a:off x="685779" y="4106333"/>
-            <a:ext cx="10394729" cy="1273606"/>
+            <a:off x="677335" y="4470400"/>
+            <a:ext cx="8596668" cy="1570962"/>
           </a:xfrm>
         </p:spPr>
         <p:txBody>
@@ -1036,55 +978,110 @@
             <a:normAutofit/>
           </a:bodyPr>
           <a:lstStyle>
-            <a:lvl1pPr marL="0" indent="0" algn="ctr">
-              <a:buNone/>
-              <a:defRPr sz="1800"/>
+            <a:lvl1pPr marL="0" indent="0" algn="l">
+              <a:buNone/>
+              <a:defRPr sz="1800">
+                <a:solidFill>
+                  <a:schemeClr val="tx1">
+                    <a:lumMod val="75000"/>
+                    <a:lumOff val="25000"/>
+                  </a:schemeClr>
+                </a:solidFill>
+              </a:defRPr>
             </a:lvl1pPr>
             <a:lvl2pPr marL="457200" indent="0">
               <a:buNone/>
-              <a:defRPr sz="1400"/>
+              <a:defRPr sz="1800">
+                <a:solidFill>
+                  <a:schemeClr val="tx1">
+                    <a:tint val="75000"/>
+                  </a:schemeClr>
+                </a:solidFill>
+              </a:defRPr>
             </a:lvl2pPr>
             <a:lvl3pPr marL="914400" indent="0">
               <a:buNone/>
-              <a:defRPr sz="1200"/>
+              <a:defRPr sz="1600">
+                <a:solidFill>
+                  <a:schemeClr val="tx1">
+                    <a:tint val="75000"/>
+                  </a:schemeClr>
+                </a:solidFill>
+              </a:defRPr>
             </a:lvl3pPr>
             <a:lvl4pPr marL="1371600" indent="0">
               <a:buNone/>
-              <a:defRPr sz="1000"/>
+              <a:defRPr sz="1400">
+                <a:solidFill>
+                  <a:schemeClr val="tx1">
+                    <a:tint val="75000"/>
+                  </a:schemeClr>
+                </a:solidFill>
+              </a:defRPr>
             </a:lvl4pPr>
             <a:lvl5pPr marL="1828800" indent="0">
               <a:buNone/>
-              <a:defRPr sz="1000"/>
+              <a:defRPr sz="1400">
+                <a:solidFill>
+                  <a:schemeClr val="tx1">
+                    <a:tint val="75000"/>
+                  </a:schemeClr>
+                </a:solidFill>
+              </a:defRPr>
             </a:lvl5pPr>
             <a:lvl6pPr marL="2286000" indent="0">
               <a:buNone/>
-              <a:defRPr sz="1000"/>
+              <a:defRPr sz="1400">
+                <a:solidFill>
+                  <a:schemeClr val="tx1">
+                    <a:tint val="75000"/>
+                  </a:schemeClr>
+                </a:solidFill>
+              </a:defRPr>
             </a:lvl6pPr>
             <a:lvl7pPr marL="2743200" indent="0">
               <a:buNone/>
-              <a:defRPr sz="1000"/>
+              <a:defRPr sz="1400">
+                <a:solidFill>
+                  <a:schemeClr val="tx1">
+                    <a:tint val="75000"/>
+                  </a:schemeClr>
+                </a:solidFill>
+              </a:defRPr>
             </a:lvl7pPr>
             <a:lvl8pPr marL="3200400" indent="0">
               <a:buNone/>
-              <a:defRPr sz="1000"/>
+              <a:defRPr sz="1400">
+                <a:solidFill>
+                  <a:schemeClr val="tx1">
+                    <a:tint val="75000"/>
+                  </a:schemeClr>
+                </a:solidFill>
+              </a:defRPr>
             </a:lvl8pPr>
             <a:lvl9pPr marL="3657600" indent="0">
               <a:buNone/>
-              <a:defRPr sz="1000"/>
+              <a:defRPr sz="1400">
+                <a:solidFill>
+                  <a:schemeClr val="tx1">
+                    <a:tint val="75000"/>
+                  </a:schemeClr>
+                </a:solidFill>
+              </a:defRPr>
             </a:lvl9pPr>
           </a:lstStyle>
           <a:p>
             <a:pPr lvl="0"/>
             <a:r>
               <a:rPr lang="en-US"/>
-              <a:t>Click to edit Master text styles</a:t>
-            </a:r>
-          </a:p>
-        </p:txBody>
-      </p:sp>
-      <p:sp>
-        <p:nvSpPr>
-          <p:cNvPr id="5" name="Date Placeholder 4"/>
+              <a:t>Edit Master text styles</a:t>
+            </a:r>
+          </a:p>
+        </p:txBody>
+      </p:sp>
+      <p:sp>
+        <p:nvSpPr>
+          <p:cNvPr id="4" name="Date Placeholder 3"/>
           <p:cNvSpPr>
             <a:spLocks noGrp="1"/>
           </p:cNvSpPr>
@@ -1099,7 +1096,7 @@
           <a:p>
             <a:fld id="{722D6F65-1F76-419B-8503-3667BAFF543E}" type="datetimeFigureOut">
               <a:rPr lang="en-US" smtClean="0"/>
-              <a:t>6/23/2016</a:t>
+              <a:t>6/24/2016</a:t>
             </a:fld>
             <a:endParaRPr lang="en-US"/>
           </a:p>
@@ -1107,7 +1104,7 @@
       </p:sp>
       <p:sp>
         <p:nvSpPr>
-          <p:cNvPr id="6" name="Footer Placeholder 5"/>
+          <p:cNvPr id="5" name="Footer Placeholder 4"/>
           <p:cNvSpPr>
             <a:spLocks noGrp="1"/>
           </p:cNvSpPr>
@@ -1126,7 +1123,7 @@
       </p:sp>
       <p:sp>
         <p:nvSpPr>
-          <p:cNvPr id="7" name="Slide Number Placeholder 6"/>
+          <p:cNvPr id="6" name="Slide Number Placeholder 5"/>
           <p:cNvSpPr>
             <a:spLocks noGrp="1"/>
           </p:cNvSpPr>
@@ -1150,7 +1147,7 @@
     </p:spTree>
     <p:extLst>
       <p:ext uri="{BB962C8B-B14F-4D97-AF65-F5344CB8AC3E}">
-        <p14:creationId xmlns:p14="http://schemas.microsoft.com/office/powerpoint/2010/main" val="4206014986"/>
+        <p14:creationId xmlns:p14="http://schemas.microsoft.com/office/powerpoint/2010/main" val="876367872"/>
       </p:ext>
     </p:extLst>
   </p:cSld>
@@ -1160,7 +1157,7 @@
 </p:sldLayout>
 </file>
 
-<file path=ppt/slideLayouts/slideLayout12.xml><?xml version="1.0" encoding="utf-8"?>
+<file path=ppt/slideLayouts/slideLayout11.xml><?xml version="1.0" encoding="utf-8"?>
 <p:sldLayout xmlns:a="http://schemas.openxmlformats.org/drawingml/2006/main" xmlns:r="http://schemas.openxmlformats.org/officeDocument/2006/relationships" xmlns:p="http://schemas.openxmlformats.org/presentationml/2006/main" preserve="1">
   <p:cSld name="Quote with Caption">
     <p:spTree>
@@ -1189,8 +1186,8 @@
         </p:nvSpPr>
         <p:spPr>
           <a:xfrm>
-            <a:off x="1121732" y="685800"/>
-            <a:ext cx="9525020" cy="2916704"/>
+            <a:off x="931334" y="609600"/>
+            <a:ext cx="8094134" cy="3022600"/>
           </a:xfrm>
         </p:spPr>
         <p:txBody>
@@ -1198,8 +1195,8 @@
             <a:normAutofit/>
           </a:bodyPr>
           <a:lstStyle>
-            <a:lvl1pPr algn="ctr">
-              <a:defRPr sz="4800"/>
+            <a:lvl1pPr algn="l">
+              <a:defRPr sz="4400" b="0" cap="none"/>
             </a:lvl1pPr>
           </a:lstStyle>
           <a:p>
@@ -1213,28 +1210,29 @@
       </p:sp>
       <p:sp>
         <p:nvSpPr>
-          <p:cNvPr id="12" name="Text Placeholder 3"/>
-          <p:cNvSpPr>
-            <a:spLocks noGrp="1"/>
-          </p:cNvSpPr>
-          <p:nvPr>
-            <p:ph type="body" sz="half" idx="13"/>
+          <p:cNvPr id="23" name="Text Placeholder 9"/>
+          <p:cNvSpPr>
+            <a:spLocks noGrp="1"/>
+          </p:cNvSpPr>
+          <p:nvPr>
+            <p:ph type="body" sz="quarter" idx="13"/>
           </p:nvPr>
         </p:nvSpPr>
         <p:spPr>
           <a:xfrm>
-            <a:off x="1550264" y="3610032"/>
-            <a:ext cx="8667956" cy="377768"/>
+            <a:off x="1366139" y="3632200"/>
+            <a:ext cx="7224524" cy="381000"/>
           </a:xfrm>
         </p:spPr>
         <p:txBody>
-          <a:bodyPr anchor="t">
-            <a:normAutofit/>
+          <a:bodyPr anchor="ctr">
+            <a:noAutofit/>
           </a:bodyPr>
           <a:lstStyle>
-            <a:lvl1pPr marL="0" indent="0" algn="r">
-              <a:buNone/>
-              <a:defRPr sz="1400">
+            <a:lvl1pPr marL="0" indent="0">
+              <a:buFontTx/>
+              <a:buNone/>
+              <a:defRPr sz="1600">
                 <a:solidFill>
                   <a:schemeClr val="tx1">
                     <a:lumMod val="50000"/>
@@ -1244,61 +1242,49 @@
               </a:defRPr>
             </a:lvl1pPr>
             <a:lvl2pPr marL="457200" indent="0">
-              <a:buNone/>
-              <a:defRPr sz="1400"/>
+              <a:buFontTx/>
+              <a:buNone/>
+              <a:defRPr/>
             </a:lvl2pPr>
             <a:lvl3pPr marL="914400" indent="0">
-              <a:buNone/>
-              <a:defRPr sz="1200"/>
+              <a:buFontTx/>
+              <a:buNone/>
+              <a:defRPr/>
             </a:lvl3pPr>
             <a:lvl4pPr marL="1371600" indent="0">
-              <a:buNone/>
-              <a:defRPr sz="1000"/>
+              <a:buFontTx/>
+              <a:buNone/>
+              <a:defRPr/>
             </a:lvl4pPr>
             <a:lvl5pPr marL="1828800" indent="0">
-              <a:buNone/>
-              <a:defRPr sz="1000"/>
+              <a:buFontTx/>
+              <a:buNone/>
+              <a:defRPr/>
             </a:lvl5pPr>
-            <a:lvl6pPr marL="2286000" indent="0">
-              <a:buNone/>
-              <a:defRPr sz="1000"/>
-            </a:lvl6pPr>
-            <a:lvl7pPr marL="2743200" indent="0">
-              <a:buNone/>
-              <a:defRPr sz="1000"/>
-            </a:lvl7pPr>
-            <a:lvl8pPr marL="3200400" indent="0">
-              <a:buNone/>
-              <a:defRPr sz="1000"/>
-            </a:lvl8pPr>
-            <a:lvl9pPr marL="3657600" indent="0">
-              <a:buNone/>
-              <a:defRPr sz="1000"/>
-            </a:lvl9pPr>
           </a:lstStyle>
           <a:p>
             <a:pPr lvl="0"/>
             <a:r>
               <a:rPr lang="en-US"/>
-              <a:t>Click to edit Master text styles</a:t>
-            </a:r>
-          </a:p>
-        </p:txBody>
-      </p:sp>
-      <p:sp>
-        <p:nvSpPr>
-          <p:cNvPr id="4" name="Text Placeholder 3"/>
-          <p:cNvSpPr>
-            <a:spLocks noGrp="1"/>
-          </p:cNvSpPr>
-          <p:nvPr>
-            <p:ph type="body" sz="half" idx="2"/>
+              <a:t>Edit Master text styles</a:t>
+            </a:r>
+          </a:p>
+        </p:txBody>
+      </p:sp>
+      <p:sp>
+        <p:nvSpPr>
+          <p:cNvPr id="3" name="Text Placeholder 2"/>
+          <p:cNvSpPr>
+            <a:spLocks noGrp="1"/>
+          </p:cNvSpPr>
+          <p:nvPr>
+            <p:ph type="body" idx="1"/>
           </p:nvPr>
         </p:nvSpPr>
         <p:spPr>
           <a:xfrm>
-            <a:off x="685801" y="4106334"/>
-            <a:ext cx="10396882" cy="1268252"/>
+            <a:off x="677335" y="4470400"/>
+            <a:ext cx="8596668" cy="1570962"/>
           </a:xfrm>
         </p:spPr>
         <p:txBody>
@@ -1306,55 +1292,110 @@
             <a:normAutofit/>
           </a:bodyPr>
           <a:lstStyle>
-            <a:lvl1pPr marL="0" indent="0" algn="ctr">
-              <a:buNone/>
-              <a:defRPr sz="1800"/>
+            <a:lvl1pPr marL="0" indent="0" algn="l">
+              <a:buNone/>
+              <a:defRPr sz="1800">
+                <a:solidFill>
+                  <a:schemeClr val="tx1">
+                    <a:lumMod val="75000"/>
+                    <a:lumOff val="25000"/>
+                  </a:schemeClr>
+                </a:solidFill>
+              </a:defRPr>
             </a:lvl1pPr>
             <a:lvl2pPr marL="457200" indent="0">
               <a:buNone/>
-              <a:defRPr sz="1400"/>
+              <a:defRPr sz="1800">
+                <a:solidFill>
+                  <a:schemeClr val="tx1">
+                    <a:tint val="75000"/>
+                  </a:schemeClr>
+                </a:solidFill>
+              </a:defRPr>
             </a:lvl2pPr>
             <a:lvl3pPr marL="914400" indent="0">
               <a:buNone/>
-              <a:defRPr sz="1200"/>
+              <a:defRPr sz="1600">
+                <a:solidFill>
+                  <a:schemeClr val="tx1">
+                    <a:tint val="75000"/>
+                  </a:schemeClr>
+                </a:solidFill>
+              </a:defRPr>
             </a:lvl3pPr>
             <a:lvl4pPr marL="1371600" indent="0">
               <a:buNone/>
-              <a:defRPr sz="1000"/>
+              <a:defRPr sz="1400">
+                <a:solidFill>
+                  <a:schemeClr val="tx1">
+                    <a:tint val="75000"/>
+                  </a:schemeClr>
+                </a:solidFill>
+              </a:defRPr>
             </a:lvl4pPr>
             <a:lvl5pPr marL="1828800" indent="0">
               <a:buNone/>
-              <a:defRPr sz="1000"/>
+              <a:defRPr sz="1400">
+                <a:solidFill>
+                  <a:schemeClr val="tx1">
+                    <a:tint val="75000"/>
+                  </a:schemeClr>
+                </a:solidFill>
+              </a:defRPr>
             </a:lvl5pPr>
             <a:lvl6pPr marL="2286000" indent="0">
               <a:buNone/>
-              <a:defRPr sz="1000"/>
+              <a:defRPr sz="1400">
+                <a:solidFill>
+                  <a:schemeClr val="tx1">
+                    <a:tint val="75000"/>
+                  </a:schemeClr>
+                </a:solidFill>
+              </a:defRPr>
             </a:lvl6pPr>
             <a:lvl7pPr marL="2743200" indent="0">
               <a:buNone/>
-              <a:defRPr sz="1000"/>
+              <a:defRPr sz="1400">
+                <a:solidFill>
+                  <a:schemeClr val="tx1">
+                    <a:tint val="75000"/>
+                  </a:schemeClr>
+                </a:solidFill>
+              </a:defRPr>
             </a:lvl7pPr>
             <a:lvl8pPr marL="3200400" indent="0">
               <a:buNone/>
-              <a:defRPr sz="1000"/>
+              <a:defRPr sz="1400">
+                <a:solidFill>
+                  <a:schemeClr val="tx1">
+                    <a:tint val="75000"/>
+                  </a:schemeClr>
+                </a:solidFill>
+              </a:defRPr>
             </a:lvl8pPr>
             <a:lvl9pPr marL="3657600" indent="0">
               <a:buNone/>
-              <a:defRPr sz="1000"/>
+              <a:defRPr sz="1400">
+                <a:solidFill>
+                  <a:schemeClr val="tx1">
+                    <a:tint val="75000"/>
+                  </a:schemeClr>
+                </a:solidFill>
+              </a:defRPr>
             </a:lvl9pPr>
           </a:lstStyle>
           <a:p>
             <a:pPr lvl="0"/>
             <a:r>
               <a:rPr lang="en-US"/>
-              <a:t>Click to edit Master text styles</a:t>
-            </a:r>
-          </a:p>
-        </p:txBody>
-      </p:sp>
-      <p:sp>
-        <p:nvSpPr>
-          <p:cNvPr id="5" name="Date Placeholder 4"/>
+              <a:t>Edit Master text styles</a:t>
+            </a:r>
+          </a:p>
+        </p:txBody>
+      </p:sp>
+      <p:sp>
+        <p:nvSpPr>
+          <p:cNvPr id="4" name="Date Placeholder 3"/>
           <p:cNvSpPr>
             <a:spLocks noGrp="1"/>
           </p:cNvSpPr>
@@ -1369,7 +1410,7 @@
           <a:p>
             <a:fld id="{722D6F65-1F76-419B-8503-3667BAFF543E}" type="datetimeFigureOut">
               <a:rPr lang="en-US" smtClean="0"/>
-              <a:t>6/23/2016</a:t>
+              <a:t>6/24/2016</a:t>
             </a:fld>
             <a:endParaRPr lang="en-US"/>
           </a:p>
@@ -1377,7 +1418,7 @@
       </p:sp>
       <p:sp>
         <p:nvSpPr>
-          <p:cNvPr id="6" name="Footer Placeholder 5"/>
+          <p:cNvPr id="5" name="Footer Placeholder 4"/>
           <p:cNvSpPr>
             <a:spLocks noGrp="1"/>
           </p:cNvSpPr>
@@ -1396,7 +1437,7 @@
       </p:sp>
       <p:sp>
         <p:nvSpPr>
-          <p:cNvPr id="7" name="Slide Number Placeholder 6"/>
+          <p:cNvPr id="6" name="Slide Number Placeholder 5"/>
           <p:cNvSpPr>
             <a:spLocks noGrp="1"/>
           </p:cNvSpPr>
@@ -1419,13 +1460,13 @@
       </p:sp>
       <p:sp>
         <p:nvSpPr>
-          <p:cNvPr id="13" name="TextBox 12"/>
+          <p:cNvPr id="20" name="TextBox 19"/>
           <p:cNvSpPr txBox="1"/>
           <p:nvPr/>
         </p:nvSpPr>
         <p:spPr>
           <a:xfrm>
-            <a:off x="685801" y="892628"/>
+            <a:off x="541870" y="790378"/>
             <a:ext cx="609600" cy="584776"/>
           </a:xfrm>
           <a:prstGeom prst="rect">
@@ -1436,97 +1477,22 @@
           <a:bodyPr vert="horz" lIns="91440" tIns="45720" rIns="91440" bIns="45720" rtlCol="0" anchor="ctr">
             <a:noAutofit/>
           </a:bodyPr>
-          <a:lstStyle>
-            <a:lvl1pPr>
-              <a:spcBef>
-                <a:spcPct val="0"/>
-              </a:spcBef>
-              <a:buNone/>
-              <a:defRPr sz="3200" b="0" cap="all">
+          <a:lstStyle/>
+          <a:p>
+            <a:pPr lvl="0"/>
+            <a:r>
+              <a:rPr lang="en-US" sz="8000" baseline="0" dirty="0">
                 <a:ln w="3175" cmpd="sng">
                   <a:noFill/>
                 </a:ln>
-                <a:effectLst>
-                  <a:glow rad="38100">
-                    <a:schemeClr val="bg1">
-                      <a:lumMod val="65000"/>
-                      <a:lumOff val="35000"/>
-                      <a:alpha val="40000"/>
-                    </a:schemeClr>
-                  </a:glow>
-                  <a:outerShdw blurRad="28575" dist="38100" dir="14040000" algn="tl" rotWithShape="0">
-                    <a:srgbClr val="000000">
-                      <a:alpha val="25000"/>
-                    </a:srgbClr>
-                  </a:outerShdw>
-                </a:effectLst>
-              </a:defRPr>
-            </a:lvl1pPr>
-            <a:lvl2pPr>
-              <a:defRPr>
                 <a:solidFill>
-                  <a:schemeClr val="tx2"/>
-                </a:solidFill>
-              </a:defRPr>
-            </a:lvl2pPr>
-            <a:lvl3pPr>
-              <a:defRPr>
-                <a:solidFill>
-                  <a:schemeClr val="tx2"/>
-                </a:solidFill>
-              </a:defRPr>
-            </a:lvl3pPr>
-            <a:lvl4pPr>
-              <a:defRPr>
-                <a:solidFill>
-                  <a:schemeClr val="tx2"/>
-                </a:solidFill>
-              </a:defRPr>
-            </a:lvl4pPr>
-            <a:lvl5pPr>
-              <a:defRPr>
-                <a:solidFill>
-                  <a:schemeClr val="tx2"/>
-                </a:solidFill>
-              </a:defRPr>
-            </a:lvl5pPr>
-            <a:lvl6pPr>
-              <a:defRPr>
-                <a:solidFill>
-                  <a:schemeClr val="tx2"/>
-                </a:solidFill>
-              </a:defRPr>
-            </a:lvl6pPr>
-            <a:lvl7pPr>
-              <a:defRPr>
-                <a:solidFill>
-                  <a:schemeClr val="tx2"/>
-                </a:solidFill>
-              </a:defRPr>
-            </a:lvl7pPr>
-            <a:lvl8pPr>
-              <a:defRPr>
-                <a:solidFill>
-                  <a:schemeClr val="tx2"/>
-                </a:solidFill>
-              </a:defRPr>
-            </a:lvl8pPr>
-            <a:lvl9pPr>
-              <a:defRPr>
-                <a:solidFill>
-                  <a:schemeClr val="tx2"/>
-                </a:solidFill>
-              </a:defRPr>
-            </a:lvl9pPr>
-          </a:lstStyle>
-          <a:p>
-            <a:pPr lvl="0"/>
-            <a:r>
-              <a:rPr lang="en-US" sz="8000" dirty="0">
-                <a:solidFill>
-                  <a:schemeClr val="tx1"/>
+                  <a:schemeClr val="accent1">
+                    <a:lumMod val="60000"/>
+                    <a:lumOff val="40000"/>
+                  </a:schemeClr>
                 </a:solidFill>
                 <a:effectLst/>
+                <a:latin typeface="Arial"/>
               </a:rPr>
               <a:t>“</a:t>
             </a:r>
@@ -1535,13 +1501,13 @@
       </p:sp>
       <p:sp>
         <p:nvSpPr>
-          <p:cNvPr id="14" name="TextBox 13"/>
+          <p:cNvPr id="22" name="TextBox 21"/>
           <p:cNvSpPr txBox="1"/>
           <p:nvPr/>
         </p:nvSpPr>
         <p:spPr>
           <a:xfrm>
-            <a:off x="10473083" y="2922827"/>
+            <a:off x="8893011" y="2886556"/>
             <a:ext cx="609600" cy="584776"/>
           </a:xfrm>
           <a:prstGeom prst="rect">
@@ -1552,107 +1518,40 @@
           <a:bodyPr vert="horz" lIns="91440" tIns="45720" rIns="91440" bIns="45720" rtlCol="0" anchor="ctr">
             <a:noAutofit/>
           </a:bodyPr>
-          <a:lstStyle>
-            <a:lvl1pPr>
-              <a:spcBef>
-                <a:spcPct val="0"/>
-              </a:spcBef>
-              <a:buNone/>
-              <a:defRPr sz="3200" b="0" cap="all">
+          <a:lstStyle/>
+          <a:p>
+            <a:pPr lvl="0"/>
+            <a:r>
+              <a:rPr lang="en-US" sz="8000" baseline="0" dirty="0">
                 <a:ln w="3175" cmpd="sng">
                   <a:noFill/>
                 </a:ln>
-                <a:effectLst>
-                  <a:glow rad="38100">
-                    <a:schemeClr val="bg1">
-                      <a:lumMod val="65000"/>
-                      <a:lumOff val="35000"/>
-                      <a:alpha val="40000"/>
-                    </a:schemeClr>
-                  </a:glow>
-                  <a:outerShdw blurRad="28575" dist="38100" dir="14040000" algn="tl" rotWithShape="0">
-                    <a:srgbClr val="000000">
-                      <a:alpha val="25000"/>
-                    </a:srgbClr>
-                  </a:outerShdw>
-                </a:effectLst>
-              </a:defRPr>
-            </a:lvl1pPr>
-            <a:lvl2pPr>
-              <a:defRPr>
                 <a:solidFill>
-                  <a:schemeClr val="tx2"/>
+                  <a:schemeClr val="accent1">
+                    <a:lumMod val="60000"/>
+                    <a:lumOff val="40000"/>
+                  </a:schemeClr>
                 </a:solidFill>
-              </a:defRPr>
-            </a:lvl2pPr>
-            <a:lvl3pPr>
-              <a:defRPr>
-                <a:solidFill>
-                  <a:schemeClr val="tx2"/>
-                </a:solidFill>
-              </a:defRPr>
-            </a:lvl3pPr>
-            <a:lvl4pPr>
-              <a:defRPr>
-                <a:solidFill>
-                  <a:schemeClr val="tx2"/>
-                </a:solidFill>
-              </a:defRPr>
-            </a:lvl4pPr>
-            <a:lvl5pPr>
-              <a:defRPr>
-                <a:solidFill>
-                  <a:schemeClr val="tx2"/>
-                </a:solidFill>
-              </a:defRPr>
-            </a:lvl5pPr>
-            <a:lvl6pPr>
-              <a:defRPr>
-                <a:solidFill>
-                  <a:schemeClr val="tx2"/>
-                </a:solidFill>
-              </a:defRPr>
-            </a:lvl6pPr>
-            <a:lvl7pPr>
-              <a:defRPr>
-                <a:solidFill>
-                  <a:schemeClr val="tx2"/>
-                </a:solidFill>
-              </a:defRPr>
-            </a:lvl7pPr>
-            <a:lvl8pPr>
-              <a:defRPr>
-                <a:solidFill>
-                  <a:schemeClr val="tx2"/>
-                </a:solidFill>
-              </a:defRPr>
-            </a:lvl8pPr>
-            <a:lvl9pPr>
-              <a:defRPr>
-                <a:solidFill>
-                  <a:schemeClr val="tx2"/>
-                </a:solidFill>
-              </a:defRPr>
-            </a:lvl9pPr>
-          </a:lstStyle>
-          <a:p>
-            <a:pPr lvl="0" algn="r"/>
-            <a:r>
-              <a:rPr lang="en-US" sz="8000" dirty="0">
-                <a:solidFill>
-                  <a:schemeClr val="tx1"/>
-                </a:solidFill>
-                <a:effectLst/>
+                <a:latin typeface="Arial"/>
               </a:rPr>
               <a:t>”</a:t>
             </a:r>
+            <a:endParaRPr lang="en-US" dirty="0">
+              <a:solidFill>
+                <a:schemeClr val="accent1">
+                  <a:lumMod val="60000"/>
+                  <a:lumOff val="40000"/>
+                </a:schemeClr>
+              </a:solidFill>
+              <a:latin typeface="Arial"/>
+            </a:endParaRPr>
           </a:p>
         </p:txBody>
       </p:sp>
     </p:spTree>
     <p:extLst>
       <p:ext uri="{BB962C8B-B14F-4D97-AF65-F5344CB8AC3E}">
-        <p14:creationId xmlns:p14="http://schemas.microsoft.com/office/powerpoint/2010/main" val="49329324"/>
+        <p14:creationId xmlns:p14="http://schemas.microsoft.com/office/powerpoint/2010/main" val="3691006197"/>
       </p:ext>
     </p:extLst>
   </p:cSld>
@@ -1662,7 +1561,7 @@
 </p:sldLayout>
 </file>
 
-<file path=ppt/slideLayouts/slideLayout13.xml><?xml version="1.0" encoding="utf-8"?>
+<file path=ppt/slideLayouts/slideLayout12.xml><?xml version="1.0" encoding="utf-8"?>
 <p:sldLayout xmlns:a="http://schemas.openxmlformats.org/drawingml/2006/main" xmlns:r="http://schemas.openxmlformats.org/officeDocument/2006/relationships" xmlns:p="http://schemas.openxmlformats.org/presentationml/2006/main" preserve="1">
   <p:cSld name="Name Card">
     <p:spTree>
@@ -1691,8 +1590,8 @@
         </p:nvSpPr>
         <p:spPr>
           <a:xfrm>
-            <a:off x="685800" y="1723854"/>
-            <a:ext cx="10394707" cy="2511835"/>
+            <a:off x="677335" y="1931988"/>
+            <a:ext cx="8596668" cy="2595460"/>
           </a:xfrm>
         </p:spPr>
         <p:txBody>
@@ -1701,7 +1600,7 @@
           </a:bodyPr>
           <a:lstStyle>
             <a:lvl1pPr algn="l">
-              <a:defRPr sz="4800"/>
+              <a:defRPr sz="4400" b="0" cap="none"/>
             </a:lvl1pPr>
           </a:lstStyle>
           <a:p>
@@ -1715,18 +1614,18 @@
       </p:sp>
       <p:sp>
         <p:nvSpPr>
-          <p:cNvPr id="4" name="Text Placeholder 3"/>
-          <p:cNvSpPr>
-            <a:spLocks noGrp="1"/>
-          </p:cNvSpPr>
-          <p:nvPr>
-            <p:ph type="body" sz="half" idx="2"/>
+          <p:cNvPr id="3" name="Text Placeholder 2"/>
+          <p:cNvSpPr>
+            <a:spLocks noGrp="1"/>
+          </p:cNvSpPr>
+          <p:nvPr>
+            <p:ph type="body" idx="1"/>
           </p:nvPr>
         </p:nvSpPr>
         <p:spPr>
           <a:xfrm>
-            <a:off x="685800" y="4247468"/>
-            <a:ext cx="10394707" cy="1140644"/>
+            <a:off x="677335" y="4527448"/>
+            <a:ext cx="8596668" cy="1513914"/>
           </a:xfrm>
         </p:spPr>
         <p:txBody>
@@ -1736,53 +1635,108 @@
           <a:lstStyle>
             <a:lvl1pPr marL="0" indent="0" algn="l">
               <a:buNone/>
-              <a:defRPr sz="1800"/>
+              <a:defRPr sz="1800">
+                <a:solidFill>
+                  <a:schemeClr val="tx1">
+                    <a:lumMod val="75000"/>
+                    <a:lumOff val="25000"/>
+                  </a:schemeClr>
+                </a:solidFill>
+              </a:defRPr>
             </a:lvl1pPr>
             <a:lvl2pPr marL="457200" indent="0">
               <a:buNone/>
-              <a:defRPr sz="1400"/>
+              <a:defRPr sz="1800">
+                <a:solidFill>
+                  <a:schemeClr val="tx1">
+                    <a:tint val="75000"/>
+                  </a:schemeClr>
+                </a:solidFill>
+              </a:defRPr>
             </a:lvl2pPr>
             <a:lvl3pPr marL="914400" indent="0">
               <a:buNone/>
-              <a:defRPr sz="1200"/>
+              <a:defRPr sz="1600">
+                <a:solidFill>
+                  <a:schemeClr val="tx1">
+                    <a:tint val="75000"/>
+                  </a:schemeClr>
+                </a:solidFill>
+              </a:defRPr>
             </a:lvl3pPr>
             <a:lvl4pPr marL="1371600" indent="0">
               <a:buNone/>
-              <a:defRPr sz="1000"/>
+              <a:defRPr sz="1400">
+                <a:solidFill>
+                  <a:schemeClr val="tx1">
+                    <a:tint val="75000"/>
+                  </a:schemeClr>
+                </a:solidFill>
+              </a:defRPr>
             </a:lvl4pPr>
             <a:lvl5pPr marL="1828800" indent="0">
               <a:buNone/>
-              <a:defRPr sz="1000"/>
+              <a:defRPr sz="1400">
+                <a:solidFill>
+                  <a:schemeClr val="tx1">
+                    <a:tint val="75000"/>
+                  </a:schemeClr>
+                </a:solidFill>
+              </a:defRPr>
             </a:lvl5pPr>
             <a:lvl6pPr marL="2286000" indent="0">
               <a:buNone/>
-              <a:defRPr sz="1000"/>
+              <a:defRPr sz="1400">
+                <a:solidFill>
+                  <a:schemeClr val="tx1">
+                    <a:tint val="75000"/>
+                  </a:schemeClr>
+                </a:solidFill>
+              </a:defRPr>
             </a:lvl6pPr>
             <a:lvl7pPr marL="2743200" indent="0">
               <a:buNone/>
-              <a:defRPr sz="1000"/>
+              <a:defRPr sz="1400">
+                <a:solidFill>
+                  <a:schemeClr val="tx1">
+                    <a:tint val="75000"/>
+                  </a:schemeClr>
+                </a:solidFill>
+              </a:defRPr>
             </a:lvl7pPr>
             <a:lvl8pPr marL="3200400" indent="0">
               <a:buNone/>
-              <a:defRPr sz="1000"/>
+              <a:defRPr sz="1400">
+                <a:solidFill>
+                  <a:schemeClr val="tx1">
+                    <a:tint val="75000"/>
+                  </a:schemeClr>
+                </a:solidFill>
+              </a:defRPr>
             </a:lvl8pPr>
             <a:lvl9pPr marL="3657600" indent="0">
               <a:buNone/>
-              <a:defRPr sz="1000"/>
+              <a:defRPr sz="1400">
+                <a:solidFill>
+                  <a:schemeClr val="tx1">
+                    <a:tint val="75000"/>
+                  </a:schemeClr>
+                </a:solidFill>
+              </a:defRPr>
             </a:lvl9pPr>
           </a:lstStyle>
           <a:p>
             <a:pPr lvl="0"/>
             <a:r>
               <a:rPr lang="en-US"/>
-              <a:t>Click to edit Master text styles</a:t>
-            </a:r>
-          </a:p>
-        </p:txBody>
-      </p:sp>
-      <p:sp>
-        <p:nvSpPr>
-          <p:cNvPr id="5" name="Date Placeholder 4"/>
+              <a:t>Edit Master text styles</a:t>
+            </a:r>
+          </a:p>
+        </p:txBody>
+      </p:sp>
+      <p:sp>
+        <p:nvSpPr>
+          <p:cNvPr id="4" name="Date Placeholder 3"/>
           <p:cNvSpPr>
             <a:spLocks noGrp="1"/>
           </p:cNvSpPr>
@@ -1797,7 +1751,7 @@
           <a:p>
             <a:fld id="{722D6F65-1F76-419B-8503-3667BAFF543E}" type="datetimeFigureOut">
               <a:rPr lang="en-US" smtClean="0"/>
-              <a:t>6/23/2016</a:t>
+              <a:t>6/24/2016</a:t>
             </a:fld>
             <a:endParaRPr lang="en-US"/>
           </a:p>
@@ -1805,7 +1759,7 @@
       </p:sp>
       <p:sp>
         <p:nvSpPr>
-          <p:cNvPr id="6" name="Footer Placeholder 5"/>
+          <p:cNvPr id="5" name="Footer Placeholder 4"/>
           <p:cNvSpPr>
             <a:spLocks noGrp="1"/>
           </p:cNvSpPr>
@@ -1824,7 +1778,7 @@
       </p:sp>
       <p:sp>
         <p:nvSpPr>
-          <p:cNvPr id="7" name="Slide Number Placeholder 6"/>
+          <p:cNvPr id="6" name="Slide Number Placeholder 5"/>
           <p:cNvSpPr>
             <a:spLocks noGrp="1"/>
           </p:cNvSpPr>
@@ -1848,7 +1802,7 @@
     </p:spTree>
     <p:extLst>
       <p:ext uri="{BB962C8B-B14F-4D97-AF65-F5344CB8AC3E}">
-        <p14:creationId xmlns:p14="http://schemas.microsoft.com/office/powerpoint/2010/main" val="3953242664"/>
+        <p14:creationId xmlns:p14="http://schemas.microsoft.com/office/powerpoint/2010/main" val="3663282169"/>
       </p:ext>
     </p:extLst>
   </p:cSld>
@@ -1858,9 +1812,9 @@
 </p:sldLayout>
 </file>
 
-<file path=ppt/slideLayouts/slideLayout14.xml><?xml version="1.0" encoding="utf-8"?>
+<file path=ppt/slideLayouts/slideLayout13.xml><?xml version="1.0" encoding="utf-8"?>
 <p:sldLayout xmlns:a="http://schemas.openxmlformats.org/drawingml/2006/main" xmlns:r="http://schemas.openxmlformats.org/officeDocument/2006/relationships" xmlns:p="http://schemas.openxmlformats.org/presentationml/2006/main" preserve="1">
-  <p:cSld name="3 Column">
+  <p:cSld name="Quote Name Card">
     <p:spTree>
       <p:nvGrpSpPr>
         <p:cNvPr id="1" name=""/>
@@ -1877,7 +1831,7 @@
       </p:grpSpPr>
       <p:sp>
         <p:nvSpPr>
-          <p:cNvPr id="15" name="Title 1"/>
+          <p:cNvPr id="2" name="Title 1"/>
           <p:cNvSpPr>
             <a:spLocks noGrp="1"/>
           </p:cNvSpPr>
@@ -1887,15 +1841,17 @@
         </p:nvSpPr>
         <p:spPr>
           <a:xfrm>
-            <a:off x="685802" y="685800"/>
-            <a:ext cx="10394706" cy="1151965"/>
+            <a:off x="931334" y="609600"/>
+            <a:ext cx="8094134" cy="3022600"/>
           </a:xfrm>
         </p:spPr>
         <p:txBody>
-          <a:bodyPr/>
+          <a:bodyPr anchor="ctr">
+            <a:normAutofit/>
+          </a:bodyPr>
           <a:lstStyle>
-            <a:lvl1pPr algn="ctr">
-              <a:defRPr/>
+            <a:lvl1pPr algn="l">
+              <a:defRPr sz="4400" b="0" cap="none"/>
             </a:lvl1pPr>
           </a:lstStyle>
           <a:p>
@@ -1909,18 +1865,18 @@
       </p:sp>
       <p:sp>
         <p:nvSpPr>
-          <p:cNvPr id="7" name="Text Placeholder 2"/>
-          <p:cNvSpPr>
-            <a:spLocks noGrp="1"/>
-          </p:cNvSpPr>
-          <p:nvPr>
-            <p:ph type="body" idx="1"/>
+          <p:cNvPr id="23" name="Text Placeholder 9"/>
+          <p:cNvSpPr>
+            <a:spLocks noGrp="1"/>
+          </p:cNvSpPr>
+          <p:nvPr>
+            <p:ph type="body" sz="quarter" idx="13"/>
           </p:nvPr>
         </p:nvSpPr>
         <p:spPr>
           <a:xfrm>
-            <a:off x="685802" y="2063395"/>
-            <a:ext cx="3310128" cy="576262"/>
+            <a:off x="677332" y="4013200"/>
+            <a:ext cx="8596669" cy="514248"/>
           </a:xfrm>
         </p:spPr>
         <p:txBody>
@@ -1928,73 +1884,62 @@
             <a:noAutofit/>
           </a:bodyPr>
           <a:lstStyle>
-            <a:lvl1pPr marL="0" indent="0" algn="ctr">
-              <a:lnSpc>
-                <a:spcPct val="90000"/>
-              </a:lnSpc>
-              <a:buNone/>
-              <a:defRPr sz="2400" b="0">
+            <a:lvl1pPr marL="0" indent="0">
+              <a:buFontTx/>
+              <a:buNone/>
+              <a:defRPr sz="2400">
                 <a:solidFill>
-                  <a:schemeClr val="accent1"/>
+                  <a:schemeClr val="tx1">
+                    <a:lumMod val="75000"/>
+                    <a:lumOff val="25000"/>
+                  </a:schemeClr>
                 </a:solidFill>
               </a:defRPr>
             </a:lvl1pPr>
             <a:lvl2pPr marL="457200" indent="0">
-              <a:buNone/>
-              <a:defRPr sz="2000" b="1"/>
+              <a:buFontTx/>
+              <a:buNone/>
+              <a:defRPr/>
             </a:lvl2pPr>
             <a:lvl3pPr marL="914400" indent="0">
-              <a:buNone/>
-              <a:defRPr sz="1800" b="1"/>
+              <a:buFontTx/>
+              <a:buNone/>
+              <a:defRPr/>
             </a:lvl3pPr>
             <a:lvl4pPr marL="1371600" indent="0">
-              <a:buNone/>
-              <a:defRPr sz="1600" b="1"/>
+              <a:buFontTx/>
+              <a:buNone/>
+              <a:defRPr/>
             </a:lvl4pPr>
             <a:lvl5pPr marL="1828800" indent="0">
-              <a:buNone/>
-              <a:defRPr sz="1600" b="1"/>
+              <a:buFontTx/>
+              <a:buNone/>
+              <a:defRPr/>
             </a:lvl5pPr>
-            <a:lvl6pPr marL="2286000" indent="0">
-              <a:buNone/>
-              <a:defRPr sz="1600" b="1"/>
-            </a:lvl6pPr>
-            <a:lvl7pPr marL="2743200" indent="0">
-              <a:buNone/>
-              <a:defRPr sz="1600" b="1"/>
-            </a:lvl7pPr>
-            <a:lvl8pPr marL="3200400" indent="0">
-              <a:buNone/>
-              <a:defRPr sz="1600" b="1"/>
-            </a:lvl8pPr>
-            <a:lvl9pPr marL="3657600" indent="0">
-              <a:buNone/>
-              <a:defRPr sz="1600" b="1"/>
-            </a:lvl9pPr>
           </a:lstStyle>
           <a:p>
             <a:pPr lvl="0"/>
             <a:r>
               <a:rPr lang="en-US"/>
-              <a:t>Click to edit Master text styles</a:t>
-            </a:r>
-          </a:p>
-        </p:txBody>
-      </p:sp>
-      <p:sp>
-        <p:nvSpPr>
-          <p:cNvPr id="8" name="Text Placeholder 3"/>
-          <p:cNvSpPr>
-            <a:spLocks noGrp="1"/>
-          </p:cNvSpPr>
-          <p:nvPr>
-            <p:ph type="body" sz="half" idx="15"/>
+              <a:t>Edit Master text styles</a:t>
+            </a:r>
+          </a:p>
+        </p:txBody>
+      </p:sp>
+      <p:sp>
+        <p:nvSpPr>
+          <p:cNvPr id="3" name="Text Placeholder 2"/>
+          <p:cNvSpPr>
+            <a:spLocks noGrp="1"/>
+          </p:cNvSpPr>
+          <p:nvPr>
+            <p:ph type="body" idx="1"/>
           </p:nvPr>
         </p:nvSpPr>
         <p:spPr>
           <a:xfrm>
-            <a:off x="685802" y="2639658"/>
-            <a:ext cx="3310128" cy="2734928"/>
+            <a:off x="677335" y="4527448"/>
+            <a:ext cx="8596668" cy="1513914"/>
           </a:xfrm>
         </p:spPr>
         <p:txBody>
@@ -2002,337 +1947,110 @@
             <a:normAutofit/>
           </a:bodyPr>
           <a:lstStyle>
-            <a:lvl1pPr marL="0" indent="0" algn="ctr">
-              <a:buNone/>
-              <a:defRPr sz="1400"/>
-            </a:lvl1pPr>
-            <a:lvl2pPr marL="457200" indent="0">
-              <a:buNone/>
-              <a:defRPr sz="1200"/>
-            </a:lvl2pPr>
-            <a:lvl3pPr marL="914400" indent="0">
-              <a:buNone/>
-              <a:defRPr sz="1000"/>
-            </a:lvl3pPr>
-            <a:lvl4pPr marL="1371600" indent="0">
-              <a:buNone/>
-              <a:defRPr sz="900"/>
-            </a:lvl4pPr>
-            <a:lvl5pPr marL="1828800" indent="0">
-              <a:buNone/>
-              <a:defRPr sz="900"/>
-            </a:lvl5pPr>
-            <a:lvl6pPr marL="2286000" indent="0">
-              <a:buNone/>
-              <a:defRPr sz="900"/>
-            </a:lvl6pPr>
-            <a:lvl7pPr marL="2743200" indent="0">
-              <a:buNone/>
-              <a:defRPr sz="900"/>
-            </a:lvl7pPr>
-            <a:lvl8pPr marL="3200400" indent="0">
-              <a:buNone/>
-              <a:defRPr sz="900"/>
-            </a:lvl8pPr>
-            <a:lvl9pPr marL="3657600" indent="0">
-              <a:buNone/>
-              <a:defRPr sz="900"/>
-            </a:lvl9pPr>
-          </a:lstStyle>
-          <a:p>
-            <a:pPr lvl="0"/>
-            <a:r>
-              <a:rPr lang="en-US"/>
-              <a:t>Click to edit Master text styles</a:t>
-            </a:r>
-          </a:p>
-        </p:txBody>
-      </p:sp>
-      <p:sp>
-        <p:nvSpPr>
-          <p:cNvPr id="9" name="Text Placeholder 4"/>
-          <p:cNvSpPr>
-            <a:spLocks noGrp="1"/>
-          </p:cNvSpPr>
-          <p:nvPr>
-            <p:ph type="body" sz="quarter" idx="3"/>
-          </p:nvPr>
-        </p:nvSpPr>
-        <p:spPr>
-          <a:xfrm>
-            <a:off x="4234622" y="2063395"/>
-            <a:ext cx="3310128" cy="576262"/>
-          </a:xfrm>
-        </p:spPr>
-        <p:txBody>
-          <a:bodyPr anchor="b">
-            <a:noAutofit/>
-          </a:bodyPr>
-          <a:lstStyle>
-            <a:lvl1pPr marL="0" indent="0" algn="ctr">
-              <a:lnSpc>
-                <a:spcPct val="90000"/>
-              </a:lnSpc>
-              <a:buNone/>
-              <a:defRPr sz="2400" b="0">
+            <a:lvl1pPr marL="0" indent="0" algn="l">
+              <a:buNone/>
+              <a:defRPr sz="1800">
                 <a:solidFill>
-                  <a:schemeClr val="accent1"/>
+                  <a:schemeClr val="tx1">
+                    <a:lumMod val="50000"/>
+                    <a:lumOff val="50000"/>
+                  </a:schemeClr>
                 </a:solidFill>
               </a:defRPr>
             </a:lvl1pPr>
             <a:lvl2pPr marL="457200" indent="0">
               <a:buNone/>
-              <a:defRPr sz="2000" b="1"/>
+              <a:defRPr sz="1800">
+                <a:solidFill>
+                  <a:schemeClr val="tx1">
+                    <a:tint val="75000"/>
+                  </a:schemeClr>
+                </a:solidFill>
+              </a:defRPr>
             </a:lvl2pPr>
             <a:lvl3pPr marL="914400" indent="0">
               <a:buNone/>
-              <a:defRPr sz="1800" b="1"/>
+              <a:defRPr sz="1600">
+                <a:solidFill>
+                  <a:schemeClr val="tx1">
+                    <a:tint val="75000"/>
+                  </a:schemeClr>
+                </a:solidFill>
+              </a:defRPr>
             </a:lvl3pPr>
             <a:lvl4pPr marL="1371600" indent="0">
               <a:buNone/>
-              <a:defRPr sz="1600" b="1"/>
+              <a:defRPr sz="1400">
+                <a:solidFill>
+                  <a:schemeClr val="tx1">
+                    <a:tint val="75000"/>
+                  </a:schemeClr>
+                </a:solidFill>
+              </a:defRPr>
             </a:lvl4pPr>
             <a:lvl5pPr marL="1828800" indent="0">
               <a:buNone/>
-              <a:defRPr sz="1600" b="1"/>
+              <a:defRPr sz="1400">
+                <a:solidFill>
+                  <a:schemeClr val="tx1">
+                    <a:tint val="75000"/>
+                  </a:schemeClr>
+                </a:solidFill>
+              </a:defRPr>
             </a:lvl5pPr>
             <a:lvl6pPr marL="2286000" indent="0">
               <a:buNone/>
-              <a:defRPr sz="1600" b="1"/>
+              <a:defRPr sz="1400">
+                <a:solidFill>
+                  <a:schemeClr val="tx1">
+                    <a:tint val="75000"/>
+                  </a:schemeClr>
+                </a:solidFill>
+              </a:defRPr>
             </a:lvl6pPr>
             <a:lvl7pPr marL="2743200" indent="0">
               <a:buNone/>
-              <a:defRPr sz="1600" b="1"/>
+              <a:defRPr sz="1400">
+                <a:solidFill>
+                  <a:schemeClr val="tx1">
+                    <a:tint val="75000"/>
+                  </a:schemeClr>
+                </a:solidFill>
+              </a:defRPr>
             </a:lvl7pPr>
             <a:lvl8pPr marL="3200400" indent="0">
               <a:buNone/>
-              <a:defRPr sz="1600" b="1"/>
+              <a:defRPr sz="1400">
+                <a:solidFill>
+                  <a:schemeClr val="tx1">
+                    <a:tint val="75000"/>
+                  </a:schemeClr>
+                </a:solidFill>
+              </a:defRPr>
             </a:lvl8pPr>
             <a:lvl9pPr marL="3657600" indent="0">
               <a:buNone/>
-              <a:defRPr sz="1600" b="1"/>
+              <a:defRPr sz="1400">
+                <a:solidFill>
+                  <a:schemeClr val="tx1">
+                    <a:tint val="75000"/>
+                  </a:schemeClr>
+                </a:solidFill>
+              </a:defRPr>
             </a:lvl9pPr>
           </a:lstStyle>
           <a:p>
             <a:pPr lvl="0"/>
             <a:r>
               <a:rPr lang="en-US"/>
-              <a:t>Click to edit Master text styles</a:t>
-            </a:r>
-          </a:p>
-        </p:txBody>
-      </p:sp>
-      <p:sp>
-        <p:nvSpPr>
-          <p:cNvPr id="10" name="Text Placeholder 3"/>
-          <p:cNvSpPr>
-            <a:spLocks noGrp="1"/>
-          </p:cNvSpPr>
-          <p:nvPr>
-            <p:ph type="body" sz="half" idx="16"/>
-          </p:nvPr>
-        </p:nvSpPr>
-        <p:spPr>
-          <a:xfrm>
-            <a:off x="4234621" y="2639658"/>
-            <a:ext cx="3310128" cy="2734928"/>
-          </a:xfrm>
-        </p:spPr>
-        <p:txBody>
-          <a:bodyPr anchor="t">
-            <a:normAutofit/>
-          </a:bodyPr>
-          <a:lstStyle>
-            <a:lvl1pPr marL="0" indent="0" algn="ctr">
-              <a:buNone/>
-              <a:defRPr sz="1400"/>
-            </a:lvl1pPr>
-            <a:lvl2pPr marL="457200" indent="0">
-              <a:buNone/>
-              <a:defRPr sz="1200"/>
-            </a:lvl2pPr>
-            <a:lvl3pPr marL="914400" indent="0">
-              <a:buNone/>
-              <a:defRPr sz="1000"/>
-            </a:lvl3pPr>
-            <a:lvl4pPr marL="1371600" indent="0">
-              <a:buNone/>
-              <a:defRPr sz="900"/>
-            </a:lvl4pPr>
-            <a:lvl5pPr marL="1828800" indent="0">
-              <a:buNone/>
-              <a:defRPr sz="900"/>
-            </a:lvl5pPr>
-            <a:lvl6pPr marL="2286000" indent="0">
-              <a:buNone/>
-              <a:defRPr sz="900"/>
-            </a:lvl6pPr>
-            <a:lvl7pPr marL="2743200" indent="0">
-              <a:buNone/>
-              <a:defRPr sz="900"/>
-            </a:lvl7pPr>
-            <a:lvl8pPr marL="3200400" indent="0">
-              <a:buNone/>
-              <a:defRPr sz="900"/>
-            </a:lvl8pPr>
-            <a:lvl9pPr marL="3657600" indent="0">
-              <a:buNone/>
-              <a:defRPr sz="900"/>
-            </a:lvl9pPr>
-          </a:lstStyle>
-          <a:p>
-            <a:pPr lvl="0"/>
-            <a:r>
-              <a:rPr lang="en-US"/>
-              <a:t>Click to edit Master text styles</a:t>
-            </a:r>
-          </a:p>
-        </p:txBody>
-      </p:sp>
-      <p:sp>
-        <p:nvSpPr>
-          <p:cNvPr id="11" name="Text Placeholder 4"/>
-          <p:cNvSpPr>
-            <a:spLocks noGrp="1"/>
-          </p:cNvSpPr>
-          <p:nvPr>
-            <p:ph type="body" sz="quarter" idx="13"/>
-          </p:nvPr>
-        </p:nvSpPr>
-        <p:spPr>
-          <a:xfrm>
-            <a:off x="7770380" y="2063395"/>
-            <a:ext cx="3310128" cy="576262"/>
-          </a:xfrm>
-        </p:spPr>
-        <p:txBody>
-          <a:bodyPr anchor="b">
-            <a:noAutofit/>
-          </a:bodyPr>
-          <a:lstStyle>
-            <a:lvl1pPr marL="0" indent="0" algn="ctr">
-              <a:lnSpc>
-                <a:spcPct val="90000"/>
-              </a:lnSpc>
-              <a:buNone/>
-              <a:defRPr sz="2400" b="0">
-                <a:solidFill>
-                  <a:schemeClr val="accent1"/>
-                </a:solidFill>
-              </a:defRPr>
-            </a:lvl1pPr>
-            <a:lvl2pPr marL="457200" indent="0">
-              <a:buNone/>
-              <a:defRPr sz="2000" b="1"/>
-            </a:lvl2pPr>
-            <a:lvl3pPr marL="914400" indent="0">
-              <a:buNone/>
-              <a:defRPr sz="1800" b="1"/>
-            </a:lvl3pPr>
-            <a:lvl4pPr marL="1371600" indent="0">
-              <a:buNone/>
-              <a:defRPr sz="1600" b="1"/>
-            </a:lvl4pPr>
-            <a:lvl5pPr marL="1828800" indent="0">
-              <a:buNone/>
-              <a:defRPr sz="1600" b="1"/>
-            </a:lvl5pPr>
-            <a:lvl6pPr marL="2286000" indent="0">
-              <a:buNone/>
-              <a:defRPr sz="1600" b="1"/>
-            </a:lvl6pPr>
-            <a:lvl7pPr marL="2743200" indent="0">
-              <a:buNone/>
-              <a:defRPr sz="1600" b="1"/>
-            </a:lvl7pPr>
-            <a:lvl8pPr marL="3200400" indent="0">
-              <a:buNone/>
-              <a:defRPr sz="1600" b="1"/>
-            </a:lvl8pPr>
-            <a:lvl9pPr marL="3657600" indent="0">
-              <a:buNone/>
-              <a:defRPr sz="1600" b="1"/>
-            </a:lvl9pPr>
-          </a:lstStyle>
-          <a:p>
-            <a:pPr lvl="0"/>
-            <a:r>
-              <a:rPr lang="en-US"/>
-              <a:t>Click to edit Master text styles</a:t>
-            </a:r>
-          </a:p>
-        </p:txBody>
-      </p:sp>
-      <p:sp>
-        <p:nvSpPr>
-          <p:cNvPr id="12" name="Text Placeholder 3"/>
-          <p:cNvSpPr>
-            <a:spLocks noGrp="1"/>
-          </p:cNvSpPr>
-          <p:nvPr>
-            <p:ph type="body" sz="half" idx="17"/>
-          </p:nvPr>
-        </p:nvSpPr>
-        <p:spPr>
-          <a:xfrm>
-            <a:off x="7770380" y="2639658"/>
-            <a:ext cx="3310128" cy="2734928"/>
-          </a:xfrm>
-        </p:spPr>
-        <p:txBody>
-          <a:bodyPr anchor="t">
-            <a:normAutofit/>
-          </a:bodyPr>
-          <a:lstStyle>
-            <a:lvl1pPr marL="0" indent="0" algn="ctr">
-              <a:buNone/>
-              <a:defRPr sz="1400"/>
-            </a:lvl1pPr>
-            <a:lvl2pPr marL="457200" indent="0">
-              <a:buNone/>
-              <a:defRPr sz="1200"/>
-            </a:lvl2pPr>
-            <a:lvl3pPr marL="914400" indent="0">
-              <a:buNone/>
-              <a:defRPr sz="1000"/>
-            </a:lvl3pPr>
-            <a:lvl4pPr marL="1371600" indent="0">
-              <a:buNone/>
-              <a:defRPr sz="900"/>
-            </a:lvl4pPr>
-            <a:lvl5pPr marL="1828800" indent="0">
-              <a:buNone/>
-              <a:defRPr sz="900"/>
-            </a:lvl5pPr>
-            <a:lvl6pPr marL="2286000" indent="0">
-              <a:buNone/>
-              <a:defRPr sz="900"/>
-            </a:lvl6pPr>
-            <a:lvl7pPr marL="2743200" indent="0">
-              <a:buNone/>
-              <a:defRPr sz="900"/>
-            </a:lvl7pPr>
-            <a:lvl8pPr marL="3200400" indent="0">
-              <a:buNone/>
-              <a:defRPr sz="900"/>
-            </a:lvl8pPr>
-            <a:lvl9pPr marL="3657600" indent="0">
-              <a:buNone/>
-              <a:defRPr sz="900"/>
-            </a:lvl9pPr>
-          </a:lstStyle>
-          <a:p>
-            <a:pPr lvl="0"/>
-            <a:r>
-              <a:rPr lang="en-US"/>
-              <a:t>Click to edit Master text styles</a:t>
-            </a:r>
-          </a:p>
-        </p:txBody>
-      </p:sp>
-      <p:sp>
-        <p:nvSpPr>
-          <p:cNvPr id="3" name="Date Placeholder 2"/>
+              <a:t>Edit Master text styles</a:t>
+            </a:r>
+          </a:p>
+        </p:txBody>
+      </p:sp>
+      <p:sp>
+        <p:nvSpPr>
+          <p:cNvPr id="4" name="Date Placeholder 3"/>
           <p:cNvSpPr>
             <a:spLocks noGrp="1"/>
           </p:cNvSpPr>
@@ -2347,7 +2065,7 @@
           <a:p>
             <a:fld id="{722D6F65-1F76-419B-8503-3667BAFF543E}" type="datetimeFigureOut">
               <a:rPr lang="en-US" smtClean="0"/>
-              <a:t>6/23/2016</a:t>
+              <a:t>6/24/2016</a:t>
             </a:fld>
             <a:endParaRPr lang="en-US"/>
           </a:p>
@@ -2355,7 +2073,7 @@
       </p:sp>
       <p:sp>
         <p:nvSpPr>
-          <p:cNvPr id="4" name="Footer Placeholder 3"/>
+          <p:cNvPr id="5" name="Footer Placeholder 4"/>
           <p:cNvSpPr>
             <a:spLocks noGrp="1"/>
           </p:cNvSpPr>
@@ -2374,7 +2092,7 @@
       </p:sp>
       <p:sp>
         <p:nvSpPr>
-          <p:cNvPr id="5" name="Slide Number Placeholder 4"/>
+          <p:cNvPr id="6" name="Slide Number Placeholder 5"/>
           <p:cNvSpPr>
             <a:spLocks noGrp="1"/>
           </p:cNvSpPr>
@@ -2395,10 +2113,92 @@
           </a:p>
         </p:txBody>
       </p:sp>
+      <p:sp>
+        <p:nvSpPr>
+          <p:cNvPr id="24" name="TextBox 23"/>
+          <p:cNvSpPr txBox="1"/>
+          <p:nvPr/>
+        </p:nvSpPr>
+        <p:spPr>
+          <a:xfrm>
+            <a:off x="541870" y="790378"/>
+            <a:ext cx="609600" cy="584776"/>
+          </a:xfrm>
+          <a:prstGeom prst="rect">
+            <a:avLst/>
+          </a:prstGeom>
+        </p:spPr>
+        <p:txBody>
+          <a:bodyPr vert="horz" lIns="91440" tIns="45720" rIns="91440" bIns="45720" rtlCol="0" anchor="ctr">
+            <a:noAutofit/>
+          </a:bodyPr>
+          <a:lstStyle/>
+          <a:p>
+            <a:pPr lvl="0"/>
+            <a:r>
+              <a:rPr lang="en-US" sz="8000" baseline="0" dirty="0">
+                <a:ln w="3175" cmpd="sng">
+                  <a:noFill/>
+                </a:ln>
+                <a:solidFill>
+                  <a:schemeClr val="accent1">
+                    <a:lumMod val="60000"/>
+                    <a:lumOff val="40000"/>
+                  </a:schemeClr>
+                </a:solidFill>
+                <a:effectLst/>
+                <a:latin typeface="Arial"/>
+              </a:rPr>
+              <a:t>“</a:t>
+            </a:r>
+          </a:p>
+        </p:txBody>
+      </p:sp>
+      <p:sp>
+        <p:nvSpPr>
+          <p:cNvPr id="25" name="TextBox 24"/>
+          <p:cNvSpPr txBox="1"/>
+          <p:nvPr/>
+        </p:nvSpPr>
+        <p:spPr>
+          <a:xfrm>
+            <a:off x="8893011" y="2886556"/>
+            <a:ext cx="609600" cy="584776"/>
+          </a:xfrm>
+          <a:prstGeom prst="rect">
+            <a:avLst/>
+          </a:prstGeom>
+        </p:spPr>
+        <p:txBody>
+          <a:bodyPr vert="horz" lIns="91440" tIns="45720" rIns="91440" bIns="45720" rtlCol="0" anchor="ctr">
+            <a:noAutofit/>
+          </a:bodyPr>
+          <a:lstStyle/>
+          <a:p>
+            <a:pPr lvl="0"/>
+            <a:r>
+              <a:rPr lang="en-US" sz="8000" baseline="0" dirty="0">
+                <a:ln w="3175" cmpd="sng">
+                  <a:noFill/>
+                </a:ln>
+                <a:solidFill>
+                  <a:schemeClr val="accent1">
+                    <a:lumMod val="60000"/>
+                    <a:lumOff val="40000"/>
+                  </a:schemeClr>
+                </a:solidFill>
+                <a:effectLst/>
+                <a:latin typeface="Arial"/>
+              </a:rPr>
+              <a:t>”</a:t>
+            </a:r>
+          </a:p>
+        </p:txBody>
+      </p:sp>
     </p:spTree>
     <p:extLst>
       <p:ext uri="{BB962C8B-B14F-4D97-AF65-F5344CB8AC3E}">
-        <p14:creationId xmlns:p14="http://schemas.microsoft.com/office/powerpoint/2010/main" val="1871881889"/>
+        <p14:creationId xmlns:p14="http://schemas.microsoft.com/office/powerpoint/2010/main" val="1791674077"/>
       </p:ext>
     </p:extLst>
   </p:cSld>
@@ -2408,9 +2208,9 @@
 </p:sldLayout>
 </file>
 
-<file path=ppt/slideLayouts/slideLayout15.xml><?xml version="1.0" encoding="utf-8"?>
+<file path=ppt/slideLayouts/slideLayout14.xml><?xml version="1.0" encoding="utf-8"?>
 <p:sldLayout xmlns:a="http://schemas.openxmlformats.org/drawingml/2006/main" xmlns:r="http://schemas.openxmlformats.org/officeDocument/2006/relationships" xmlns:p="http://schemas.openxmlformats.org/presentationml/2006/main" preserve="1">
-  <p:cSld name="3 Picture Column">
+  <p:cSld name="True or False">
     <p:spTree>
       <p:nvGrpSpPr>
         <p:cNvPr id="1" name=""/>
@@ -2427,7 +2227,7 @@
       </p:grpSpPr>
       <p:sp>
         <p:nvSpPr>
-          <p:cNvPr id="30" name="Title 1"/>
+          <p:cNvPr id="2" name="Title 1"/>
           <p:cNvSpPr>
             <a:spLocks noGrp="1"/>
           </p:cNvSpPr>
@@ -2437,15 +2237,17 @@
         </p:nvSpPr>
         <p:spPr>
           <a:xfrm>
-            <a:off x="685801" y="685800"/>
-            <a:ext cx="10396882" cy="1151965"/>
+            <a:off x="685799" y="609600"/>
+            <a:ext cx="8588203" cy="3022600"/>
           </a:xfrm>
         </p:spPr>
         <p:txBody>
-          <a:bodyPr/>
+          <a:bodyPr anchor="ctr">
+            <a:normAutofit/>
+          </a:bodyPr>
           <a:lstStyle>
-            <a:lvl1pPr algn="ctr">
-              <a:defRPr/>
+            <a:lvl1pPr algn="l">
+              <a:defRPr sz="4400" b="0" cap="none"/>
             </a:lvl1pPr>
           </a:lstStyle>
           <a:p>
@@ -2459,18 +2261,18 @@
       </p:sp>
       <p:sp>
         <p:nvSpPr>
-          <p:cNvPr id="19" name="Text Placeholder 2"/>
-          <p:cNvSpPr>
-            <a:spLocks noGrp="1"/>
-          </p:cNvSpPr>
-          <p:nvPr>
-            <p:ph type="body" idx="1"/>
+          <p:cNvPr id="23" name="Text Placeholder 9"/>
+          <p:cNvSpPr>
+            <a:spLocks noGrp="1"/>
+          </p:cNvSpPr>
+          <p:nvPr>
+            <p:ph type="body" sz="quarter" idx="13"/>
           </p:nvPr>
         </p:nvSpPr>
         <p:spPr>
           <a:xfrm>
-            <a:off x="691840" y="3813025"/>
-            <a:ext cx="3310128" cy="576262"/>
+            <a:off x="677332" y="4013200"/>
+            <a:ext cx="8596669" cy="514248"/>
           </a:xfrm>
         </p:spPr>
         <p:txBody>
@@ -2478,651 +2280,170 @@
             <a:noAutofit/>
           </a:bodyPr>
           <a:lstStyle>
-            <a:lvl1pPr marL="0" indent="0" algn="ctr">
-              <a:lnSpc>
-                <a:spcPct val="90000"/>
-              </a:lnSpc>
-              <a:buNone/>
-              <a:defRPr sz="2200" b="0">
+            <a:lvl1pPr marL="0" indent="0">
+              <a:buFontTx/>
+              <a:buNone/>
+              <a:defRPr sz="2400">
                 <a:solidFill>
                   <a:schemeClr val="accent1"/>
                 </a:solidFill>
               </a:defRPr>
             </a:lvl1pPr>
             <a:lvl2pPr marL="457200" indent="0">
-              <a:buNone/>
-              <a:defRPr sz="2000" b="1"/>
+              <a:buFontTx/>
+              <a:buNone/>
+              <a:defRPr/>
             </a:lvl2pPr>
             <a:lvl3pPr marL="914400" indent="0">
-              <a:buNone/>
-              <a:defRPr sz="1800" b="1"/>
+              <a:buFontTx/>
+              <a:buNone/>
+              <a:defRPr/>
             </a:lvl3pPr>
             <a:lvl4pPr marL="1371600" indent="0">
-              <a:buNone/>
-              <a:defRPr sz="1600" b="1"/>
+              <a:buFontTx/>
+              <a:buNone/>
+              <a:defRPr/>
             </a:lvl4pPr>
             <a:lvl5pPr marL="1828800" indent="0">
-              <a:buNone/>
-              <a:defRPr sz="1600" b="1"/>
+              <a:buFontTx/>
+              <a:buNone/>
+              <a:defRPr/>
             </a:lvl5pPr>
-            <a:lvl6pPr marL="2286000" indent="0">
-              <a:buNone/>
-              <a:defRPr sz="1600" b="1"/>
-            </a:lvl6pPr>
-            <a:lvl7pPr marL="2743200" indent="0">
-              <a:buNone/>
-              <a:defRPr sz="1600" b="1"/>
-            </a:lvl7pPr>
-            <a:lvl8pPr marL="3200400" indent="0">
-              <a:buNone/>
-              <a:defRPr sz="1600" b="1"/>
-            </a:lvl8pPr>
-            <a:lvl9pPr marL="3657600" indent="0">
-              <a:buNone/>
-              <a:defRPr sz="1600" b="1"/>
-            </a:lvl9pPr>
           </a:lstStyle>
           <a:p>
             <a:pPr lvl="0"/>
             <a:r>
               <a:rPr lang="en-US"/>
-              <a:t>Click to edit Master text styles</a:t>
-            </a:r>
-          </a:p>
-        </p:txBody>
-      </p:sp>
-      <p:sp>
-        <p:nvSpPr>
-          <p:cNvPr id="20" name="Picture Placeholder 2"/>
-          <p:cNvSpPr>
-            <a:spLocks noGrp="1" noChangeAspect="1"/>
-          </p:cNvSpPr>
-          <p:nvPr>
-            <p:ph type="pic" idx="15"/>
+              <a:t>Edit Master text styles</a:t>
+            </a:r>
+          </a:p>
+        </p:txBody>
+      </p:sp>
+      <p:sp>
+        <p:nvSpPr>
+          <p:cNvPr id="3" name="Text Placeholder 2"/>
+          <p:cNvSpPr>
+            <a:spLocks noGrp="1"/>
+          </p:cNvSpPr>
+          <p:nvPr>
+            <p:ph type="body" idx="1"/>
           </p:nvPr>
         </p:nvSpPr>
         <p:spPr>
           <a:xfrm>
-            <a:off x="685780" y="2063395"/>
-            <a:ext cx="3310128" cy="1536725"/>
+            <a:off x="677335" y="4527448"/>
+            <a:ext cx="8596668" cy="1513914"/>
           </a:xfrm>
-          <a:prstGeom prst="roundRect">
-            <a:avLst>
-              <a:gd name="adj" fmla="val 0"/>
-            </a:avLst>
-          </a:prstGeom>
-          <a:ln w="57150" cmpd="thinThick">
-            <a:solidFill>
-              <a:schemeClr val="bg1">
-                <a:lumMod val="50000"/>
-              </a:schemeClr>
-            </a:solidFill>
-            <a:miter lim="800000"/>
-          </a:ln>
         </p:spPr>
         <p:txBody>
           <a:bodyPr anchor="t">
             <a:normAutofit/>
           </a:bodyPr>
           <a:lstStyle>
-            <a:lvl1pPr marL="0" indent="0" algn="ctr">
-              <a:buNone/>
-              <a:defRPr sz="1600"/>
-            </a:lvl1pPr>
-            <a:lvl2pPr marL="457200" indent="0">
-              <a:buNone/>
-              <a:defRPr sz="1600"/>
-            </a:lvl2pPr>
-            <a:lvl3pPr marL="914400" indent="0">
-              <a:buNone/>
-              <a:defRPr sz="1600"/>
-            </a:lvl3pPr>
-            <a:lvl4pPr marL="1371600" indent="0">
-              <a:buNone/>
-              <a:defRPr sz="1600"/>
-            </a:lvl4pPr>
-            <a:lvl5pPr marL="1828800" indent="0">
-              <a:buNone/>
-              <a:defRPr sz="1600"/>
-            </a:lvl5pPr>
-            <a:lvl6pPr marL="2286000" indent="0">
-              <a:buNone/>
-              <a:defRPr sz="1600"/>
-            </a:lvl6pPr>
-            <a:lvl7pPr marL="2743200" indent="0">
-              <a:buNone/>
-              <a:defRPr sz="1600"/>
-            </a:lvl7pPr>
-            <a:lvl8pPr marL="3200400" indent="0">
-              <a:buNone/>
-              <a:defRPr sz="1600"/>
-            </a:lvl8pPr>
-            <a:lvl9pPr marL="3657600" indent="0">
-              <a:buNone/>
-              <a:defRPr sz="1600"/>
-            </a:lvl9pPr>
-          </a:lstStyle>
-          <a:p>
-            <a:r>
-              <a:rPr lang="en-US"/>
-              <a:t>Click icon to add picture</a:t>
-            </a:r>
-            <a:endParaRPr lang="en-US" dirty="0"/>
-          </a:p>
-        </p:txBody>
-      </p:sp>
-      <p:sp>
-        <p:nvSpPr>
-          <p:cNvPr id="21" name="Text Placeholder 3"/>
-          <p:cNvSpPr>
-            <a:spLocks noGrp="1"/>
-          </p:cNvSpPr>
-          <p:nvPr>
-            <p:ph type="body" sz="half" idx="18"/>
-          </p:nvPr>
-        </p:nvSpPr>
-        <p:spPr>
-          <a:xfrm>
-            <a:off x="691840" y="4389287"/>
-            <a:ext cx="3310128" cy="985299"/>
-          </a:xfrm>
-        </p:spPr>
-        <p:txBody>
-          <a:bodyPr anchor="t">
-            <a:normAutofit/>
-          </a:bodyPr>
-          <a:lstStyle>
-            <a:lvl1pPr marL="0" indent="0" algn="ctr">
-              <a:buNone/>
-              <a:defRPr sz="1400"/>
-            </a:lvl1pPr>
-            <a:lvl2pPr marL="457200" indent="0">
-              <a:buNone/>
-              <a:defRPr sz="1200"/>
-            </a:lvl2pPr>
-            <a:lvl3pPr marL="914400" indent="0">
-              <a:buNone/>
-              <a:defRPr sz="1000"/>
-            </a:lvl3pPr>
-            <a:lvl4pPr marL="1371600" indent="0">
-              <a:buNone/>
-              <a:defRPr sz="900"/>
-            </a:lvl4pPr>
-            <a:lvl5pPr marL="1828800" indent="0">
-              <a:buNone/>
-              <a:defRPr sz="900"/>
-            </a:lvl5pPr>
-            <a:lvl6pPr marL="2286000" indent="0">
-              <a:buNone/>
-              <a:defRPr sz="900"/>
-            </a:lvl6pPr>
-            <a:lvl7pPr marL="2743200" indent="0">
-              <a:buNone/>
-              <a:defRPr sz="900"/>
-            </a:lvl7pPr>
-            <a:lvl8pPr marL="3200400" indent="0">
-              <a:buNone/>
-              <a:defRPr sz="900"/>
-            </a:lvl8pPr>
-            <a:lvl9pPr marL="3657600" indent="0">
-              <a:buNone/>
-              <a:defRPr sz="900"/>
-            </a:lvl9pPr>
-          </a:lstStyle>
-          <a:p>
-            <a:pPr lvl="0"/>
-            <a:r>
-              <a:rPr lang="en-US"/>
-              <a:t>Click to edit Master text styles</a:t>
-            </a:r>
-          </a:p>
-        </p:txBody>
-      </p:sp>
-      <p:sp>
-        <p:nvSpPr>
-          <p:cNvPr id="22" name="Text Placeholder 4"/>
-          <p:cNvSpPr>
-            <a:spLocks noGrp="1"/>
-          </p:cNvSpPr>
-          <p:nvPr>
-            <p:ph type="body" sz="quarter" idx="3"/>
-          </p:nvPr>
-        </p:nvSpPr>
-        <p:spPr>
-          <a:xfrm>
-            <a:off x="4237410" y="3813025"/>
-            <a:ext cx="3310128" cy="576262"/>
-          </a:xfrm>
-        </p:spPr>
-        <p:txBody>
-          <a:bodyPr anchor="b">
-            <a:noAutofit/>
-          </a:bodyPr>
-          <a:lstStyle>
-            <a:lvl1pPr marL="0" indent="0" algn="ctr">
-              <a:lnSpc>
-                <a:spcPct val="90000"/>
-              </a:lnSpc>
-              <a:buNone/>
-              <a:defRPr sz="2200" b="0">
+            <a:lvl1pPr marL="0" indent="0" algn="l">
+              <a:buNone/>
+              <a:defRPr sz="1800">
                 <a:solidFill>
-                  <a:schemeClr val="accent1"/>
+                  <a:schemeClr val="tx1">
+                    <a:lumMod val="50000"/>
+                    <a:lumOff val="50000"/>
+                  </a:schemeClr>
                 </a:solidFill>
               </a:defRPr>
             </a:lvl1pPr>
             <a:lvl2pPr marL="457200" indent="0">
               <a:buNone/>
-              <a:defRPr sz="2000" b="1"/>
+              <a:defRPr sz="1800">
+                <a:solidFill>
+                  <a:schemeClr val="tx1">
+                    <a:tint val="75000"/>
+                  </a:schemeClr>
+                </a:solidFill>
+              </a:defRPr>
             </a:lvl2pPr>
             <a:lvl3pPr marL="914400" indent="0">
               <a:buNone/>
-              <a:defRPr sz="1800" b="1"/>
+              <a:defRPr sz="1600">
+                <a:solidFill>
+                  <a:schemeClr val="tx1">
+                    <a:tint val="75000"/>
+                  </a:schemeClr>
+                </a:solidFill>
+              </a:defRPr>
             </a:lvl3pPr>
             <a:lvl4pPr marL="1371600" indent="0">
               <a:buNone/>
-              <a:defRPr sz="1600" b="1"/>
+              <a:defRPr sz="1400">
+                <a:solidFill>
+                  <a:schemeClr val="tx1">
+                    <a:tint val="75000"/>
+                  </a:schemeClr>
+                </a:solidFill>
+              </a:defRPr>
             </a:lvl4pPr>
             <a:lvl5pPr marL="1828800" indent="0">
               <a:buNone/>
-              <a:defRPr sz="1600" b="1"/>
+              <a:defRPr sz="1400">
+                <a:solidFill>
+                  <a:schemeClr val="tx1">
+                    <a:tint val="75000"/>
+                  </a:schemeClr>
+                </a:solidFill>
+              </a:defRPr>
             </a:lvl5pPr>
             <a:lvl6pPr marL="2286000" indent="0">
               <a:buNone/>
-              <a:defRPr sz="1600" b="1"/>
+              <a:defRPr sz="1400">
+                <a:solidFill>
+                  <a:schemeClr val="tx1">
+                    <a:tint val="75000"/>
+                  </a:schemeClr>
+                </a:solidFill>
+              </a:defRPr>
             </a:lvl6pPr>
             <a:lvl7pPr marL="2743200" indent="0">
               <a:buNone/>
-              <a:defRPr sz="1600" b="1"/>
+              <a:defRPr sz="1400">
+                <a:solidFill>
+                  <a:schemeClr val="tx1">
+                    <a:tint val="75000"/>
+                  </a:schemeClr>
+                </a:solidFill>
+              </a:defRPr>
             </a:lvl7pPr>
             <a:lvl8pPr marL="3200400" indent="0">
               <a:buNone/>
-              <a:defRPr sz="1600" b="1"/>
+              <a:defRPr sz="1400">
+                <a:solidFill>
+                  <a:schemeClr val="tx1">
+                    <a:tint val="75000"/>
+                  </a:schemeClr>
+                </a:solidFill>
+              </a:defRPr>
             </a:lvl8pPr>
             <a:lvl9pPr marL="3657600" indent="0">
               <a:buNone/>
-              <a:defRPr sz="1600" b="1"/>
+              <a:defRPr sz="1400">
+                <a:solidFill>
+                  <a:schemeClr val="tx1">
+                    <a:tint val="75000"/>
+                  </a:schemeClr>
+                </a:solidFill>
+              </a:defRPr>
             </a:lvl9pPr>
           </a:lstStyle>
           <a:p>
             <a:pPr lvl="0"/>
             <a:r>
               <a:rPr lang="en-US"/>
-              <a:t>Click to edit Master text styles</a:t>
-            </a:r>
-          </a:p>
-        </p:txBody>
-      </p:sp>
-      <p:sp>
-        <p:nvSpPr>
-          <p:cNvPr id="23" name="Picture Placeholder 2"/>
-          <p:cNvSpPr>
-            <a:spLocks noGrp="1" noChangeAspect="1"/>
-          </p:cNvSpPr>
-          <p:nvPr>
-            <p:ph type="pic" idx="21"/>
-          </p:nvPr>
-        </p:nvSpPr>
-        <p:spPr>
-          <a:xfrm>
-            <a:off x="4235999" y="2063395"/>
-            <a:ext cx="3310128" cy="1535237"/>
-          </a:xfrm>
-          <a:prstGeom prst="roundRect">
-            <a:avLst>
-              <a:gd name="adj" fmla="val 0"/>
-            </a:avLst>
-          </a:prstGeom>
-          <a:ln w="57150" cmpd="thinThick">
-            <a:solidFill>
-              <a:schemeClr val="bg1">
-                <a:lumMod val="50000"/>
-              </a:schemeClr>
-            </a:solidFill>
-            <a:miter lim="800000"/>
-          </a:ln>
-        </p:spPr>
-        <p:txBody>
-          <a:bodyPr anchor="t">
-            <a:normAutofit/>
-          </a:bodyPr>
-          <a:lstStyle>
-            <a:lvl1pPr marL="0" indent="0" algn="ctr">
-              <a:buNone/>
-              <a:defRPr sz="1600"/>
-            </a:lvl1pPr>
-            <a:lvl2pPr marL="457200" indent="0">
-              <a:buNone/>
-              <a:defRPr sz="1600"/>
-            </a:lvl2pPr>
-            <a:lvl3pPr marL="914400" indent="0">
-              <a:buNone/>
-              <a:defRPr sz="1600"/>
-            </a:lvl3pPr>
-            <a:lvl4pPr marL="1371600" indent="0">
-              <a:buNone/>
-              <a:defRPr sz="1600"/>
-            </a:lvl4pPr>
-            <a:lvl5pPr marL="1828800" indent="0">
-              <a:buNone/>
-              <a:defRPr sz="1600"/>
-            </a:lvl5pPr>
-            <a:lvl6pPr marL="2286000" indent="0">
-              <a:buNone/>
-              <a:defRPr sz="1600"/>
-            </a:lvl6pPr>
-            <a:lvl7pPr marL="2743200" indent="0">
-              <a:buNone/>
-              <a:defRPr sz="1600"/>
-            </a:lvl7pPr>
-            <a:lvl8pPr marL="3200400" indent="0">
-              <a:buNone/>
-              <a:defRPr sz="1600"/>
-            </a:lvl8pPr>
-            <a:lvl9pPr marL="3657600" indent="0">
-              <a:buNone/>
-              <a:defRPr sz="1600"/>
-            </a:lvl9pPr>
-          </a:lstStyle>
-          <a:p>
-            <a:r>
-              <a:rPr lang="en-US"/>
-              <a:t>Click icon to add picture</a:t>
-            </a:r>
-            <a:endParaRPr lang="en-US" dirty="0"/>
-          </a:p>
-        </p:txBody>
-      </p:sp>
-      <p:sp>
-        <p:nvSpPr>
-          <p:cNvPr id="24" name="Text Placeholder 3"/>
-          <p:cNvSpPr>
-            <a:spLocks noGrp="1"/>
-          </p:cNvSpPr>
-          <p:nvPr>
-            <p:ph type="body" sz="half" idx="19"/>
-          </p:nvPr>
-        </p:nvSpPr>
-        <p:spPr>
-          <a:xfrm>
-            <a:off x="4235999" y="4389286"/>
-            <a:ext cx="3310128" cy="985300"/>
-          </a:xfrm>
-        </p:spPr>
-        <p:txBody>
-          <a:bodyPr anchor="t">
-            <a:normAutofit/>
-          </a:bodyPr>
-          <a:lstStyle>
-            <a:lvl1pPr marL="0" indent="0" algn="ctr">
-              <a:buNone/>
-              <a:defRPr sz="1400"/>
-            </a:lvl1pPr>
-            <a:lvl2pPr marL="457200" indent="0">
-              <a:buNone/>
-              <a:defRPr sz="1200"/>
-            </a:lvl2pPr>
-            <a:lvl3pPr marL="914400" indent="0">
-              <a:buNone/>
-              <a:defRPr sz="1000"/>
-            </a:lvl3pPr>
-            <a:lvl4pPr marL="1371600" indent="0">
-              <a:buNone/>
-              <a:defRPr sz="900"/>
-            </a:lvl4pPr>
-            <a:lvl5pPr marL="1828800" indent="0">
-              <a:buNone/>
-              <a:defRPr sz="900"/>
-            </a:lvl5pPr>
-            <a:lvl6pPr marL="2286000" indent="0">
-              <a:buNone/>
-              <a:defRPr sz="900"/>
-            </a:lvl6pPr>
-            <a:lvl7pPr marL="2743200" indent="0">
-              <a:buNone/>
-              <a:defRPr sz="900"/>
-            </a:lvl7pPr>
-            <a:lvl8pPr marL="3200400" indent="0">
-              <a:buNone/>
-              <a:defRPr sz="900"/>
-            </a:lvl8pPr>
-            <a:lvl9pPr marL="3657600" indent="0">
-              <a:buNone/>
-              <a:defRPr sz="900"/>
-            </a:lvl9pPr>
-          </a:lstStyle>
-          <a:p>
-            <a:pPr lvl="0"/>
-            <a:r>
-              <a:rPr lang="en-US"/>
-              <a:t>Click to edit Master text styles</a:t>
-            </a:r>
-          </a:p>
-        </p:txBody>
-      </p:sp>
-      <p:sp>
-        <p:nvSpPr>
-          <p:cNvPr id="25" name="Text Placeholder 4"/>
-          <p:cNvSpPr>
-            <a:spLocks noGrp="1"/>
-          </p:cNvSpPr>
-          <p:nvPr>
-            <p:ph type="body" sz="quarter" idx="13"/>
-          </p:nvPr>
-        </p:nvSpPr>
-        <p:spPr>
-          <a:xfrm>
-            <a:off x="7768944" y="3813025"/>
-            <a:ext cx="3310128" cy="576262"/>
-          </a:xfrm>
-        </p:spPr>
-        <p:txBody>
-          <a:bodyPr anchor="b">
-            <a:noAutofit/>
-          </a:bodyPr>
-          <a:lstStyle>
-            <a:lvl1pPr marL="0" indent="0" algn="ctr">
-              <a:lnSpc>
-                <a:spcPct val="90000"/>
-              </a:lnSpc>
-              <a:buNone/>
-              <a:defRPr sz="2200" b="0">
-                <a:solidFill>
-                  <a:schemeClr val="accent1"/>
-                </a:solidFill>
-              </a:defRPr>
-            </a:lvl1pPr>
-            <a:lvl2pPr marL="457200" indent="0">
-              <a:buNone/>
-              <a:defRPr sz="2000" b="1"/>
-            </a:lvl2pPr>
-            <a:lvl3pPr marL="914400" indent="0">
-              <a:buNone/>
-              <a:defRPr sz="1800" b="1"/>
-            </a:lvl3pPr>
-            <a:lvl4pPr marL="1371600" indent="0">
-              <a:buNone/>
-              <a:defRPr sz="1600" b="1"/>
-            </a:lvl4pPr>
-            <a:lvl5pPr marL="1828800" indent="0">
-              <a:buNone/>
-              <a:defRPr sz="1600" b="1"/>
-            </a:lvl5pPr>
-            <a:lvl6pPr marL="2286000" indent="0">
-              <a:buNone/>
-              <a:defRPr sz="1600" b="1"/>
-            </a:lvl6pPr>
-            <a:lvl7pPr marL="2743200" indent="0">
-              <a:buNone/>
-              <a:defRPr sz="1600" b="1"/>
-            </a:lvl7pPr>
-            <a:lvl8pPr marL="3200400" indent="0">
-              <a:buNone/>
-              <a:defRPr sz="1600" b="1"/>
-            </a:lvl8pPr>
-            <a:lvl9pPr marL="3657600" indent="0">
-              <a:buNone/>
-              <a:defRPr sz="1600" b="1"/>
-            </a:lvl9pPr>
-          </a:lstStyle>
-          <a:p>
-            <a:pPr lvl="0"/>
-            <a:r>
-              <a:rPr lang="en-US"/>
-              <a:t>Click to edit Master text styles</a:t>
-            </a:r>
-          </a:p>
-        </p:txBody>
-      </p:sp>
-      <p:sp>
-        <p:nvSpPr>
-          <p:cNvPr id="26" name="Picture Placeholder 2"/>
-          <p:cNvSpPr>
-            <a:spLocks noGrp="1" noChangeAspect="1"/>
-          </p:cNvSpPr>
-          <p:nvPr>
-            <p:ph type="pic" idx="22"/>
-          </p:nvPr>
-        </p:nvSpPr>
-        <p:spPr>
-          <a:xfrm>
-            <a:off x="7768819" y="2063394"/>
-            <a:ext cx="3310128" cy="1537196"/>
-          </a:xfrm>
-          <a:prstGeom prst="roundRect">
-            <a:avLst>
-              <a:gd name="adj" fmla="val 0"/>
-            </a:avLst>
-          </a:prstGeom>
-          <a:ln w="57150" cmpd="thinThick">
-            <a:solidFill>
-              <a:schemeClr val="bg1">
-                <a:lumMod val="50000"/>
-              </a:schemeClr>
-            </a:solidFill>
-            <a:miter lim="800000"/>
-          </a:ln>
-        </p:spPr>
-        <p:txBody>
-          <a:bodyPr anchor="t">
-            <a:normAutofit/>
-          </a:bodyPr>
-          <a:lstStyle>
-            <a:lvl1pPr marL="0" indent="0" algn="ctr">
-              <a:buNone/>
-              <a:defRPr sz="1600"/>
-            </a:lvl1pPr>
-            <a:lvl2pPr marL="457200" indent="0">
-              <a:buNone/>
-              <a:defRPr sz="1600"/>
-            </a:lvl2pPr>
-            <a:lvl3pPr marL="914400" indent="0">
-              <a:buNone/>
-              <a:defRPr sz="1600"/>
-            </a:lvl3pPr>
-            <a:lvl4pPr marL="1371600" indent="0">
-              <a:buNone/>
-              <a:defRPr sz="1600"/>
-            </a:lvl4pPr>
-            <a:lvl5pPr marL="1828800" indent="0">
-              <a:buNone/>
-              <a:defRPr sz="1600"/>
-            </a:lvl5pPr>
-            <a:lvl6pPr marL="2286000" indent="0">
-              <a:buNone/>
-              <a:defRPr sz="1600"/>
-            </a:lvl6pPr>
-            <a:lvl7pPr marL="2743200" indent="0">
-              <a:buNone/>
-              <a:defRPr sz="1600"/>
-            </a:lvl7pPr>
-            <a:lvl8pPr marL="3200400" indent="0">
-              <a:buNone/>
-              <a:defRPr sz="1600"/>
-            </a:lvl8pPr>
-            <a:lvl9pPr marL="3657600" indent="0">
-              <a:buNone/>
-              <a:defRPr sz="1600"/>
-            </a:lvl9pPr>
-          </a:lstStyle>
-          <a:p>
-            <a:r>
-              <a:rPr lang="en-US"/>
-              <a:t>Click icon to add picture</a:t>
-            </a:r>
-            <a:endParaRPr lang="en-US" dirty="0"/>
-          </a:p>
-        </p:txBody>
-      </p:sp>
-      <p:sp>
-        <p:nvSpPr>
-          <p:cNvPr id="27" name="Text Placeholder 3"/>
-          <p:cNvSpPr>
-            <a:spLocks noGrp="1"/>
-          </p:cNvSpPr>
-          <p:nvPr>
-            <p:ph type="body" sz="half" idx="20"/>
-          </p:nvPr>
-        </p:nvSpPr>
-        <p:spPr>
-          <a:xfrm>
-            <a:off x="7768819" y="4389284"/>
-            <a:ext cx="3310128" cy="985302"/>
-          </a:xfrm>
-        </p:spPr>
-        <p:txBody>
-          <a:bodyPr anchor="t">
-            <a:normAutofit/>
-          </a:bodyPr>
-          <a:lstStyle>
-            <a:lvl1pPr marL="0" indent="0" algn="ctr">
-              <a:buNone/>
-              <a:defRPr sz="1400"/>
-            </a:lvl1pPr>
-            <a:lvl2pPr marL="457200" indent="0">
-              <a:buNone/>
-              <a:defRPr sz="1200"/>
-            </a:lvl2pPr>
-            <a:lvl3pPr marL="914400" indent="0">
-              <a:buNone/>
-              <a:defRPr sz="1000"/>
-            </a:lvl3pPr>
-            <a:lvl4pPr marL="1371600" indent="0">
-              <a:buNone/>
-              <a:defRPr sz="900"/>
-            </a:lvl4pPr>
-            <a:lvl5pPr marL="1828800" indent="0">
-              <a:buNone/>
-              <a:defRPr sz="900"/>
-            </a:lvl5pPr>
-            <a:lvl6pPr marL="2286000" indent="0">
-              <a:buNone/>
-              <a:defRPr sz="900"/>
-            </a:lvl6pPr>
-            <a:lvl7pPr marL="2743200" indent="0">
-              <a:buNone/>
-              <a:defRPr sz="900"/>
-            </a:lvl7pPr>
-            <a:lvl8pPr marL="3200400" indent="0">
-              <a:buNone/>
-              <a:defRPr sz="900"/>
-            </a:lvl8pPr>
-            <a:lvl9pPr marL="3657600" indent="0">
-              <a:buNone/>
-              <a:defRPr sz="900"/>
-            </a:lvl9pPr>
-          </a:lstStyle>
-          <a:p>
-            <a:pPr lvl="0"/>
-            <a:r>
-              <a:rPr lang="en-US"/>
-              <a:t>Click to edit Master text styles</a:t>
-            </a:r>
-          </a:p>
-        </p:txBody>
-      </p:sp>
-      <p:sp>
-        <p:nvSpPr>
-          <p:cNvPr id="3" name="Date Placeholder 2"/>
+              <a:t>Edit Master text styles</a:t>
+            </a:r>
+          </a:p>
+        </p:txBody>
+      </p:sp>
+      <p:sp>
+        <p:nvSpPr>
+          <p:cNvPr id="4" name="Date Placeholder 3"/>
           <p:cNvSpPr>
             <a:spLocks noGrp="1"/>
           </p:cNvSpPr>
@@ -3137,7 +2458,7 @@
           <a:p>
             <a:fld id="{722D6F65-1F76-419B-8503-3667BAFF543E}" type="datetimeFigureOut">
               <a:rPr lang="en-US" smtClean="0"/>
-              <a:t>6/23/2016</a:t>
+              <a:t>6/24/2016</a:t>
             </a:fld>
             <a:endParaRPr lang="en-US"/>
           </a:p>
@@ -3145,7 +2466,7 @@
       </p:sp>
       <p:sp>
         <p:nvSpPr>
-          <p:cNvPr id="4" name="Footer Placeholder 3"/>
+          <p:cNvPr id="5" name="Footer Placeholder 4"/>
           <p:cNvSpPr>
             <a:spLocks noGrp="1"/>
           </p:cNvSpPr>
@@ -3164,7 +2485,7 @@
       </p:sp>
       <p:sp>
         <p:nvSpPr>
-          <p:cNvPr id="5" name="Slide Number Placeholder 4"/>
+          <p:cNvPr id="6" name="Slide Number Placeholder 5"/>
           <p:cNvSpPr>
             <a:spLocks noGrp="1"/>
           </p:cNvSpPr>
@@ -3188,7 +2509,7 @@
     </p:spTree>
     <p:extLst>
       <p:ext uri="{BB962C8B-B14F-4D97-AF65-F5344CB8AC3E}">
-        <p14:creationId xmlns:p14="http://schemas.microsoft.com/office/powerpoint/2010/main" val="3314049364"/>
+        <p14:creationId xmlns:p14="http://schemas.microsoft.com/office/powerpoint/2010/main" val="2061993985"/>
       </p:ext>
     </p:extLst>
   </p:cSld>
@@ -3198,7 +2519,7 @@
 </p:sldLayout>
 </file>
 
-<file path=ppt/slideLayouts/slideLayout16.xml><?xml version="1.0" encoding="utf-8"?>
+<file path=ppt/slideLayouts/slideLayout15.xml><?xml version="1.0" encoding="utf-8"?>
 <p:sldLayout xmlns:a="http://schemas.openxmlformats.org/drawingml/2006/main" xmlns:r="http://schemas.openxmlformats.org/officeDocument/2006/relationships" xmlns:p="http://schemas.openxmlformats.org/presentationml/2006/main" type="vertTx" preserve="1">
   <p:cSld name="Title and Vertical Text">
     <p:spTree>
@@ -3228,11 +2549,7 @@
         <p:spPr/>
         <p:txBody>
           <a:bodyPr/>
-          <a:lstStyle>
-            <a:lvl1pPr algn="r">
-              <a:defRPr/>
-            </a:lvl1pPr>
-          </a:lstStyle>
+          <a:lstStyle/>
           <a:p>
             <a:r>
               <a:rPr lang="en-US"/>
@@ -3244,28 +2561,23 @@
       </p:sp>
       <p:sp>
         <p:nvSpPr>
-          <p:cNvPr id="11" name="Vertical Text Placeholder 2"/>
-          <p:cNvSpPr>
-            <a:spLocks noGrp="1"/>
-          </p:cNvSpPr>
-          <p:nvPr>
-            <p:ph type="body" orient="vert" sz="quarter" idx="13"/>
-          </p:nvPr>
-        </p:nvSpPr>
-        <p:spPr>
-          <a:xfrm>
-            <a:off x="685800" y="2063396"/>
-            <a:ext cx="10394707" cy="3311190"/>
-          </a:xfrm>
-        </p:spPr>
-        <p:txBody>
-          <a:bodyPr vert="eaVert" anchor="t"/>
+          <p:cNvPr id="3" name="Vertical Text Placeholder 2"/>
+          <p:cNvSpPr>
+            <a:spLocks noGrp="1"/>
+          </p:cNvSpPr>
+          <p:nvPr>
+            <p:ph type="body" orient="vert" idx="1"/>
+          </p:nvPr>
+        </p:nvSpPr>
+        <p:spPr/>
+        <p:txBody>
+          <a:bodyPr vert="eaVert"/>
           <a:lstStyle/>
           <a:p>
             <a:pPr lvl="0"/>
             <a:r>
               <a:rPr lang="en-US"/>
-              <a:t>Click to edit Master text styles</a:t>
+              <a:t>Edit Master text styles</a:t>
             </a:r>
           </a:p>
           <a:p>
@@ -3316,7 +2628,7 @@
           <a:p>
             <a:fld id="{722D6F65-1F76-419B-8503-3667BAFF543E}" type="datetimeFigureOut">
               <a:rPr lang="en-US" smtClean="0"/>
-              <a:t>6/23/2016</a:t>
+              <a:t>6/24/2016</a:t>
             </a:fld>
             <a:endParaRPr lang="en-US"/>
           </a:p>
@@ -3367,7 +2679,7 @@
     </p:spTree>
     <p:extLst>
       <p:ext uri="{BB962C8B-B14F-4D97-AF65-F5344CB8AC3E}">
-        <p14:creationId xmlns:p14="http://schemas.microsoft.com/office/powerpoint/2010/main" val="1105884243"/>
+        <p14:creationId xmlns:p14="http://schemas.microsoft.com/office/powerpoint/2010/main" val="897334940"/>
       </p:ext>
     </p:extLst>
   </p:cSld>
@@ -3377,7 +2689,7 @@
 </p:sldLayout>
 </file>
 
-<file path=ppt/slideLayouts/slideLayout17.xml><?xml version="1.0" encoding="utf-8"?>
+<file path=ppt/slideLayouts/slideLayout16.xml><?xml version="1.0" encoding="utf-8"?>
 <p:sldLayout xmlns:a="http://schemas.openxmlformats.org/drawingml/2006/main" xmlns:r="http://schemas.openxmlformats.org/officeDocument/2006/relationships" xmlns:p="http://schemas.openxmlformats.org/presentationml/2006/main" type="vertTitleAndTx" preserve="1">
   <p:cSld name="Vertical Title and Text">
     <p:spTree>
@@ -3406,17 +2718,13 @@
         </p:nvSpPr>
         <p:spPr>
           <a:xfrm>
-            <a:off x="8815862" y="685800"/>
-            <a:ext cx="2264646" cy="4688785"/>
+            <a:off x="7967673" y="609599"/>
+            <a:ext cx="1304743" cy="5251451"/>
           </a:xfrm>
         </p:spPr>
         <p:txBody>
-          <a:bodyPr vert="eaVert"/>
-          <a:lstStyle>
-            <a:lvl1pPr algn="l">
-              <a:defRPr/>
-            </a:lvl1pPr>
-          </a:lstStyle>
+          <a:bodyPr vert="eaVert" anchor="ctr"/>
+          <a:lstStyle/>
           <a:p>
             <a:r>
               <a:rPr lang="en-US"/>
@@ -3428,28 +2736,28 @@
       </p:sp>
       <p:sp>
         <p:nvSpPr>
-          <p:cNvPr id="8" name="Vertical Text Placeholder 2"/>
-          <p:cNvSpPr>
-            <a:spLocks noGrp="1"/>
-          </p:cNvSpPr>
-          <p:nvPr>
-            <p:ph type="body" orient="vert" sz="quarter" idx="13"/>
+          <p:cNvPr id="3" name="Vertical Text Placeholder 2"/>
+          <p:cNvSpPr>
+            <a:spLocks noGrp="1"/>
+          </p:cNvSpPr>
+          <p:nvPr>
+            <p:ph type="body" orient="vert" idx="1"/>
           </p:nvPr>
         </p:nvSpPr>
         <p:spPr>
           <a:xfrm>
-            <a:off x="685800" y="685800"/>
-            <a:ext cx="7904431" cy="4688785"/>
+            <a:off x="677335" y="609600"/>
+            <a:ext cx="7060150" cy="5251450"/>
           </a:xfrm>
         </p:spPr>
         <p:txBody>
-          <a:bodyPr vert="eaVert" anchor="t"/>
+          <a:bodyPr vert="eaVert"/>
           <a:lstStyle/>
           <a:p>
             <a:pPr lvl="0"/>
             <a:r>
               <a:rPr lang="en-US"/>
-              <a:t>Click to edit Master text styles</a:t>
+              <a:t>Edit Master text styles</a:t>
             </a:r>
           </a:p>
           <a:p>
@@ -3500,7 +2808,7 @@
           <a:p>
             <a:fld id="{722D6F65-1F76-419B-8503-3667BAFF543E}" type="datetimeFigureOut">
               <a:rPr lang="en-US" smtClean="0"/>
-              <a:t>6/23/2016</a:t>
+              <a:t>6/24/2016</a:t>
             </a:fld>
             <a:endParaRPr lang="en-US"/>
           </a:p>
@@ -3551,7 +2859,7 @@
     </p:spTree>
     <p:extLst>
       <p:ext uri="{BB962C8B-B14F-4D97-AF65-F5344CB8AC3E}">
-        <p14:creationId xmlns:p14="http://schemas.microsoft.com/office/powerpoint/2010/main" val="2860025182"/>
+        <p14:creationId xmlns:p14="http://schemas.microsoft.com/office/powerpoint/2010/main" val="1522457599"/>
       </p:ext>
     </p:extLst>
   </p:cSld>
@@ -3590,12 +2898,70 @@
         </p:nvSpPr>
         <p:spPr/>
         <p:txBody>
+          <a:bodyPr>
+            <a:normAutofit/>
+          </a:bodyPr>
+          <a:lstStyle>
+            <a:lvl1pPr>
+              <a:defRPr sz="3600"/>
+            </a:lvl1pPr>
+          </a:lstStyle>
+          <a:p>
+            <a:r>
+              <a:rPr lang="en-US"/>
+              <a:t>Click to edit Master title style</a:t>
+            </a:r>
+            <a:endParaRPr lang="en-US" dirty="0"/>
+          </a:p>
+        </p:txBody>
+      </p:sp>
+      <p:sp>
+        <p:nvSpPr>
+          <p:cNvPr id="3" name="Content Placeholder 2"/>
+          <p:cNvSpPr>
+            <a:spLocks noGrp="1"/>
+          </p:cNvSpPr>
+          <p:nvPr>
+            <p:ph idx="1"/>
+          </p:nvPr>
+        </p:nvSpPr>
+        <p:spPr/>
+        <p:txBody>
           <a:bodyPr/>
           <a:lstStyle/>
           <a:p>
+            <a:pPr lvl="0"/>
             <a:r>
               <a:rPr lang="en-US"/>
-              <a:t>Click to edit Master title style</a:t>
+              <a:t>Edit Master text styles</a:t>
+            </a:r>
+          </a:p>
+          <a:p>
+            <a:pPr lvl="1"/>
+            <a:r>
+              <a:rPr lang="en-US"/>
+              <a:t>Second level</a:t>
+            </a:r>
+          </a:p>
+          <a:p>
+            <a:pPr lvl="2"/>
+            <a:r>
+              <a:rPr lang="en-US"/>
+              <a:t>Third level</a:t>
+            </a:r>
+          </a:p>
+          <a:p>
+            <a:pPr lvl="3"/>
+            <a:r>
+              <a:rPr lang="en-US"/>
+              <a:t>Fourth level</a:t>
+            </a:r>
+          </a:p>
+          <a:p>
+            <a:pPr lvl="4"/>
+            <a:r>
+              <a:rPr lang="en-US"/>
+              <a:t>Fifth level</a:t>
             </a:r>
             <a:endParaRPr lang="en-US" dirty="0"/>
           </a:p>
@@ -3603,79 +2969,22 @@
       </p:sp>
       <p:sp>
         <p:nvSpPr>
-          <p:cNvPr id="12" name="Content Placeholder 2"/>
-          <p:cNvSpPr>
-            <a:spLocks noGrp="1"/>
-          </p:cNvSpPr>
-          <p:nvPr>
-            <p:ph sz="quarter" idx="13"/>
-          </p:nvPr>
-        </p:nvSpPr>
-        <p:spPr>
-          <a:xfrm>
-            <a:off x="685800" y="2063396"/>
-            <a:ext cx="10394707" cy="3311189"/>
-          </a:xfrm>
-        </p:spPr>
+          <p:cNvPr id="4" name="Date Placeholder 3"/>
+          <p:cNvSpPr>
+            <a:spLocks noGrp="1"/>
+          </p:cNvSpPr>
+          <p:nvPr>
+            <p:ph type="dt" sz="half" idx="10"/>
+          </p:nvPr>
+        </p:nvSpPr>
+        <p:spPr/>
         <p:txBody>
           <a:bodyPr/>
           <a:lstStyle/>
           <a:p>
-            <a:pPr lvl="0"/>
-            <a:r>
-              <a:rPr lang="en-US"/>
-              <a:t>Click to edit Master text styles</a:t>
-            </a:r>
-          </a:p>
-          <a:p>
-            <a:pPr lvl="1"/>
-            <a:r>
-              <a:rPr lang="en-US"/>
-              <a:t>Second level</a:t>
-            </a:r>
-          </a:p>
-          <a:p>
-            <a:pPr lvl="2"/>
-            <a:r>
-              <a:rPr lang="en-US"/>
-              <a:t>Third level</a:t>
-            </a:r>
-          </a:p>
-          <a:p>
-            <a:pPr lvl="3"/>
-            <a:r>
-              <a:rPr lang="en-US"/>
-              <a:t>Fourth level</a:t>
-            </a:r>
-          </a:p>
-          <a:p>
-            <a:pPr lvl="4"/>
-            <a:r>
-              <a:rPr lang="en-US"/>
-              <a:t>Fifth level</a:t>
-            </a:r>
-            <a:endParaRPr lang="en-US" dirty="0"/>
-          </a:p>
-        </p:txBody>
-      </p:sp>
-      <p:sp>
-        <p:nvSpPr>
-          <p:cNvPr id="4" name="Date Placeholder 3"/>
-          <p:cNvSpPr>
-            <a:spLocks noGrp="1"/>
-          </p:cNvSpPr>
-          <p:nvPr>
-            <p:ph type="dt" sz="half" idx="10"/>
-          </p:nvPr>
-        </p:nvSpPr>
-        <p:spPr/>
-        <p:txBody>
-          <a:bodyPr/>
-          <a:lstStyle/>
-          <a:p>
             <a:fld id="{722D6F65-1F76-419B-8503-3667BAFF543E}" type="datetimeFigureOut">
               <a:rPr lang="en-US" smtClean="0"/>
-              <a:t>6/23/2016</a:t>
+              <a:t>6/24/2016</a:t>
             </a:fld>
             <a:endParaRPr lang="en-US"/>
           </a:p>
@@ -3726,7 +3035,7 @@
     </p:spTree>
     <p:extLst>
       <p:ext uri="{BB962C8B-B14F-4D97-AF65-F5344CB8AC3E}">
-        <p14:creationId xmlns:p14="http://schemas.microsoft.com/office/powerpoint/2010/main" val="3519954887"/>
+        <p14:creationId xmlns:p14="http://schemas.microsoft.com/office/powerpoint/2010/main" val="336144631"/>
       </p:ext>
     </p:extLst>
   </p:cSld>
@@ -3765,17 +3074,15 @@
         </p:nvSpPr>
         <p:spPr>
           <a:xfrm>
-            <a:off x="685801" y="685800"/>
-            <a:ext cx="10394707" cy="3193487"/>
+            <a:off x="677335" y="2700867"/>
+            <a:ext cx="8596668" cy="1826581"/>
           </a:xfrm>
         </p:spPr>
         <p:txBody>
-          <a:bodyPr anchor="b">
-            <a:normAutofit/>
-          </a:bodyPr>
+          <a:bodyPr anchor="b"/>
           <a:lstStyle>
             <a:lvl1pPr algn="l">
-              <a:defRPr sz="5400"/>
+              <a:defRPr sz="4000" b="0" cap="none"/>
             </a:lvl1pPr>
           </a:lstStyle>
           <a:p>
@@ -3799,28 +3106,27 @@
         </p:nvSpPr>
         <p:spPr>
           <a:xfrm>
-            <a:off x="685801" y="3742267"/>
-            <a:ext cx="10394707" cy="1639614"/>
+            <a:off x="677335" y="4527448"/>
+            <a:ext cx="8596668" cy="860400"/>
           </a:xfrm>
         </p:spPr>
         <p:txBody>
-          <a:bodyPr anchor="t">
-            <a:normAutofit/>
-          </a:bodyPr>
+          <a:bodyPr anchor="t"/>
           <a:lstStyle>
             <a:lvl1pPr marL="0" indent="0" algn="l">
               <a:buNone/>
               <a:defRPr sz="2000">
                 <a:solidFill>
-                  <a:schemeClr val="bg1">
+                  <a:schemeClr val="tx1">
                     <a:lumMod val="50000"/>
+                    <a:lumOff val="50000"/>
                   </a:schemeClr>
                 </a:solidFill>
               </a:defRPr>
             </a:lvl1pPr>
             <a:lvl2pPr marL="457200" indent="0">
               <a:buNone/>
-              <a:defRPr sz="2000">
+              <a:defRPr sz="1800">
                 <a:solidFill>
                   <a:schemeClr val="tx1">
                     <a:tint val="75000"/>
@@ -3830,7 +3136,7 @@
             </a:lvl2pPr>
             <a:lvl3pPr marL="914400" indent="0">
               <a:buNone/>
-              <a:defRPr sz="1800">
+              <a:defRPr sz="1600">
                 <a:solidFill>
                   <a:schemeClr val="tx1">
                     <a:tint val="75000"/>
@@ -3840,7 +3146,7 @@
             </a:lvl3pPr>
             <a:lvl4pPr marL="1371600" indent="0">
               <a:buNone/>
-              <a:defRPr sz="1600">
+              <a:defRPr sz="1400">
                 <a:solidFill>
                   <a:schemeClr val="tx1">
                     <a:tint val="75000"/>
@@ -3850,7 +3156,7 @@
             </a:lvl4pPr>
             <a:lvl5pPr marL="1828800" indent="0">
               <a:buNone/>
-              <a:defRPr sz="1600">
+              <a:defRPr sz="1400">
                 <a:solidFill>
                   <a:schemeClr val="tx1">
                     <a:tint val="75000"/>
@@ -3860,7 +3166,7 @@
             </a:lvl5pPr>
             <a:lvl6pPr marL="2286000" indent="0">
               <a:buNone/>
-              <a:defRPr sz="1600">
+              <a:defRPr sz="1400">
                 <a:solidFill>
                   <a:schemeClr val="tx1">
                     <a:tint val="75000"/>
@@ -3870,7 +3176,7 @@
             </a:lvl6pPr>
             <a:lvl7pPr marL="2743200" indent="0">
               <a:buNone/>
-              <a:defRPr sz="1600">
+              <a:defRPr sz="1400">
                 <a:solidFill>
                   <a:schemeClr val="tx1">
                     <a:tint val="75000"/>
@@ -3880,7 +3186,7 @@
             </a:lvl7pPr>
             <a:lvl8pPr marL="3200400" indent="0">
               <a:buNone/>
-              <a:defRPr sz="1600">
+              <a:defRPr sz="1400">
                 <a:solidFill>
                   <a:schemeClr val="tx1">
                     <a:tint val="75000"/>
@@ -3890,7 +3196,7 @@
             </a:lvl8pPr>
             <a:lvl9pPr marL="3657600" indent="0">
               <a:buNone/>
-              <a:defRPr sz="1600">
+              <a:defRPr sz="1400">
                 <a:solidFill>
                   <a:schemeClr val="tx1">
                     <a:tint val="75000"/>
@@ -3903,7 +3209,7 @@
             <a:pPr lvl="0"/>
             <a:r>
               <a:rPr lang="en-US"/>
-              <a:t>Click to edit Master text styles</a:t>
+              <a:t>Edit Master text styles</a:t>
             </a:r>
           </a:p>
         </p:txBody>
@@ -3925,7 +3231,7 @@
           <a:p>
             <a:fld id="{722D6F65-1F76-419B-8503-3667BAFF543E}" type="datetimeFigureOut">
               <a:rPr lang="en-US" smtClean="0"/>
-              <a:t>6/23/2016</a:t>
+              <a:t>6/24/2016</a:t>
             </a:fld>
             <a:endParaRPr lang="en-US"/>
           </a:p>
@@ -3976,7 +3282,7 @@
     </p:spTree>
     <p:extLst>
       <p:ext uri="{BB962C8B-B14F-4D97-AF65-F5344CB8AC3E}">
-        <p14:creationId xmlns:p14="http://schemas.microsoft.com/office/powerpoint/2010/main" val="1300337353"/>
+        <p14:creationId xmlns:p14="http://schemas.microsoft.com/office/powerpoint/2010/main" val="1678326336"/>
       </p:ext>
     </p:extLst>
   </p:cSld>
@@ -4005,27 +3311,79 @@
       </p:grpSpPr>
       <p:sp>
         <p:nvSpPr>
-          <p:cNvPr id="14" name="Title 1"/>
+          <p:cNvPr id="2" name="Title 1"/>
           <p:cNvSpPr>
             <a:spLocks noGrp="1"/>
           </p:cNvSpPr>
           <p:nvPr>
             <p:ph type="title"/>
+          </p:nvPr>
+        </p:nvSpPr>
+        <p:spPr/>
+        <p:txBody>
+          <a:bodyPr/>
+          <a:lstStyle/>
+          <a:p>
+            <a:r>
+              <a:rPr lang="en-US"/>
+              <a:t>Click to edit Master title style</a:t>
+            </a:r>
+            <a:endParaRPr lang="en-US" dirty="0"/>
+          </a:p>
+        </p:txBody>
+      </p:sp>
+      <p:sp>
+        <p:nvSpPr>
+          <p:cNvPr id="3" name="Content Placeholder 2"/>
+          <p:cNvSpPr>
+            <a:spLocks noGrp="1"/>
+          </p:cNvSpPr>
+          <p:nvPr>
+            <p:ph sz="half" idx="1"/>
           </p:nvPr>
         </p:nvSpPr>
         <p:spPr>
           <a:xfrm>
-            <a:off x="685801" y="685800"/>
-            <a:ext cx="10396882" cy="1158140"/>
+            <a:off x="677334" y="2160589"/>
+            <a:ext cx="4184035" cy="3880772"/>
           </a:xfrm>
         </p:spPr>
         <p:txBody>
           <a:bodyPr/>
           <a:lstStyle/>
           <a:p>
+            <a:pPr lvl="0"/>
             <a:r>
               <a:rPr lang="en-US"/>
-              <a:t>Click to edit Master title style</a:t>
+              <a:t>Edit Master text styles</a:t>
+            </a:r>
+          </a:p>
+          <a:p>
+            <a:pPr lvl="1"/>
+            <a:r>
+              <a:rPr lang="en-US"/>
+              <a:t>Second level</a:t>
+            </a:r>
+          </a:p>
+          <a:p>
+            <a:pPr lvl="2"/>
+            <a:r>
+              <a:rPr lang="en-US"/>
+              <a:t>Third level</a:t>
+            </a:r>
+          </a:p>
+          <a:p>
+            <a:pPr lvl="3"/>
+            <a:r>
+              <a:rPr lang="en-US"/>
+              <a:t>Fourth level</a:t>
+            </a:r>
+          </a:p>
+          <a:p>
+            <a:pPr lvl="4"/>
+            <a:r>
+              <a:rPr lang="en-US"/>
+              <a:t>Fifth level</a:t>
             </a:r>
             <a:endParaRPr lang="en-US" dirty="0"/>
           </a:p>
@@ -4033,28 +3391,28 @@
       </p:sp>
       <p:sp>
         <p:nvSpPr>
-          <p:cNvPr id="12" name="Content Placeholder 2"/>
-          <p:cNvSpPr>
-            <a:spLocks noGrp="1"/>
-          </p:cNvSpPr>
-          <p:nvPr>
-            <p:ph sz="quarter" idx="13"/>
+          <p:cNvPr id="4" name="Content Placeholder 3"/>
+          <p:cNvSpPr>
+            <a:spLocks noGrp="1"/>
+          </p:cNvSpPr>
+          <p:nvPr>
+            <p:ph sz="half" idx="2"/>
           </p:nvPr>
         </p:nvSpPr>
         <p:spPr>
           <a:xfrm>
-            <a:off x="685800" y="2063396"/>
-            <a:ext cx="5088714" cy="3311189"/>
+            <a:off x="5089970" y="2160589"/>
+            <a:ext cx="4184034" cy="3880773"/>
           </a:xfrm>
         </p:spPr>
         <p:txBody>
-          <a:bodyPr anchor="t"/>
+          <a:bodyPr/>
           <a:lstStyle/>
           <a:p>
             <a:pPr lvl="0"/>
             <a:r>
               <a:rPr lang="en-US"/>
-              <a:t>Click to edit Master text styles</a:t>
+              <a:t>Edit Master text styles</a:t>
             </a:r>
           </a:p>
           <a:p>
@@ -4090,63 +3448,6 @@
       </p:sp>
       <p:sp>
         <p:nvSpPr>
-          <p:cNvPr id="13" name="Content Placeholder 3"/>
-          <p:cNvSpPr>
-            <a:spLocks noGrp="1"/>
-          </p:cNvSpPr>
-          <p:nvPr>
-            <p:ph sz="quarter" idx="14"/>
-          </p:nvPr>
-        </p:nvSpPr>
-        <p:spPr>
-          <a:xfrm>
-            <a:off x="5993971" y="2063396"/>
-            <a:ext cx="5086538" cy="3311189"/>
-          </a:xfrm>
-        </p:spPr>
-        <p:txBody>
-          <a:bodyPr anchor="t"/>
-          <a:lstStyle/>
-          <a:p>
-            <a:pPr lvl="0"/>
-            <a:r>
-              <a:rPr lang="en-US"/>
-              <a:t>Click to edit Master text styles</a:t>
-            </a:r>
-          </a:p>
-          <a:p>
-            <a:pPr lvl="1"/>
-            <a:r>
-              <a:rPr lang="en-US"/>
-              <a:t>Second level</a:t>
-            </a:r>
-          </a:p>
-          <a:p>
-            <a:pPr lvl="2"/>
-            <a:r>
-              <a:rPr lang="en-US"/>
-              <a:t>Third level</a:t>
-            </a:r>
-          </a:p>
-          <a:p>
-            <a:pPr lvl="3"/>
-            <a:r>
-              <a:rPr lang="en-US"/>
-              <a:t>Fourth level</a:t>
-            </a:r>
-          </a:p>
-          <a:p>
-            <a:pPr lvl="4"/>
-            <a:r>
-              <a:rPr lang="en-US"/>
-              <a:t>Fifth level</a:t>
-            </a:r>
-            <a:endParaRPr lang="en-US" dirty="0"/>
-          </a:p>
-        </p:txBody>
-      </p:sp>
-      <p:sp>
-        <p:nvSpPr>
           <p:cNvPr id="5" name="Date Placeholder 4"/>
           <p:cNvSpPr>
             <a:spLocks noGrp="1"/>
@@ -4162,7 +3463,7 @@
           <a:p>
             <a:fld id="{722D6F65-1F76-419B-8503-3667BAFF543E}" type="datetimeFigureOut">
               <a:rPr lang="en-US" smtClean="0"/>
-              <a:t>6/23/2016</a:t>
+              <a:t>6/24/2016</a:t>
             </a:fld>
             <a:endParaRPr lang="en-US"/>
           </a:p>
@@ -4213,7 +3514,7 @@
     </p:spTree>
     <p:extLst>
       <p:ext uri="{BB962C8B-B14F-4D97-AF65-F5344CB8AC3E}">
-        <p14:creationId xmlns:p14="http://schemas.microsoft.com/office/powerpoint/2010/main" val="1631917479"/>
+        <p14:creationId xmlns:p14="http://schemas.microsoft.com/office/powerpoint/2010/main" val="2137147346"/>
       </p:ext>
     </p:extLst>
   </p:cSld>
@@ -4242,46 +3543,45 @@
       </p:grpSpPr>
       <p:sp>
         <p:nvSpPr>
-          <p:cNvPr id="14" name="Title 1"/>
+          <p:cNvPr id="2" name="Title 1"/>
           <p:cNvSpPr>
             <a:spLocks noGrp="1"/>
           </p:cNvSpPr>
           <p:nvPr>
             <p:ph type="title"/>
+          </p:nvPr>
+        </p:nvSpPr>
+        <p:spPr/>
+        <p:txBody>
+          <a:bodyPr/>
+          <a:lstStyle>
+            <a:lvl1pPr>
+              <a:defRPr/>
+            </a:lvl1pPr>
+          </a:lstStyle>
+          <a:p>
+            <a:r>
+              <a:rPr lang="en-US"/>
+              <a:t>Click to edit Master title style</a:t>
+            </a:r>
+            <a:endParaRPr lang="en-US" dirty="0"/>
+          </a:p>
+        </p:txBody>
+      </p:sp>
+      <p:sp>
+        <p:nvSpPr>
+          <p:cNvPr id="3" name="Text Placeholder 2"/>
+          <p:cNvSpPr>
+            <a:spLocks noGrp="1"/>
+          </p:cNvSpPr>
+          <p:nvPr>
+            <p:ph type="body" idx="1"/>
           </p:nvPr>
         </p:nvSpPr>
         <p:spPr>
           <a:xfrm>
-            <a:off x="685801" y="685800"/>
-            <a:ext cx="10394707" cy="1158140"/>
-          </a:xfrm>
-        </p:spPr>
-        <p:txBody>
-          <a:bodyPr/>
-          <a:lstStyle/>
-          <a:p>
-            <a:r>
-              <a:rPr lang="en-US"/>
-              <a:t>Click to edit Master title style</a:t>
-            </a:r>
-            <a:endParaRPr lang="en-US" dirty="0"/>
-          </a:p>
-        </p:txBody>
-      </p:sp>
-      <p:sp>
-        <p:nvSpPr>
-          <p:cNvPr id="3" name="Text Placeholder 2"/>
-          <p:cNvSpPr>
-            <a:spLocks noGrp="1"/>
-          </p:cNvSpPr>
-          <p:nvPr>
-            <p:ph type="body" idx="1"/>
-          </p:nvPr>
-        </p:nvSpPr>
-        <p:spPr>
-          <a:xfrm>
-            <a:off x="918356" y="2063396"/>
-            <a:ext cx="4856158" cy="679994"/>
+            <a:off x="675745" y="2160983"/>
+            <a:ext cx="4185623" cy="576262"/>
           </a:xfrm>
         </p:spPr>
         <p:txBody>
@@ -4290,15 +3590,8 @@
           </a:bodyPr>
           <a:lstStyle>
             <a:lvl1pPr marL="0" indent="0">
-              <a:lnSpc>
-                <a:spcPct val="90000"/>
-              </a:lnSpc>
-              <a:buNone/>
-              <a:defRPr sz="2600" b="0">
-                <a:solidFill>
-                  <a:schemeClr val="accent1"/>
-                </a:solidFill>
-              </a:defRPr>
+              <a:buNone/>
+              <a:defRPr sz="2400" b="0"/>
             </a:lvl1pPr>
             <a:lvl2pPr marL="457200" indent="0">
               <a:buNone/>
@@ -4337,35 +3630,37 @@
             <a:pPr lvl="0"/>
             <a:r>
               <a:rPr lang="en-US"/>
-              <a:t>Click to edit Master text styles</a:t>
-            </a:r>
-          </a:p>
-        </p:txBody>
-      </p:sp>
-      <p:sp>
-        <p:nvSpPr>
-          <p:cNvPr id="12" name="Content Placeholder 3"/>
-          <p:cNvSpPr>
-            <a:spLocks noGrp="1"/>
-          </p:cNvSpPr>
-          <p:nvPr>
-            <p:ph sz="quarter" idx="13"/>
+              <a:t>Edit Master text styles</a:t>
+            </a:r>
+          </a:p>
+        </p:txBody>
+      </p:sp>
+      <p:sp>
+        <p:nvSpPr>
+          <p:cNvPr id="4" name="Content Placeholder 3"/>
+          <p:cNvSpPr>
+            <a:spLocks noGrp="1"/>
+          </p:cNvSpPr>
+          <p:nvPr>
+            <p:ph sz="half" idx="2"/>
           </p:nvPr>
         </p:nvSpPr>
         <p:spPr>
           <a:xfrm>
-            <a:off x="685802" y="2861733"/>
-            <a:ext cx="5088712" cy="2512852"/>
+            <a:off x="675745" y="2737245"/>
+            <a:ext cx="4185623" cy="3304117"/>
           </a:xfrm>
         </p:spPr>
         <p:txBody>
-          <a:bodyPr anchor="t"/>
+          <a:bodyPr>
+            <a:normAutofit/>
+          </a:bodyPr>
           <a:lstStyle/>
           <a:p>
             <a:pPr lvl="0"/>
             <a:r>
               <a:rPr lang="en-US"/>
-              <a:t>Click to edit Master text styles</a:t>
+              <a:t>Edit Master text styles</a:t>
             </a:r>
           </a:p>
           <a:p>
@@ -4411,8 +3706,8 @@
         </p:nvSpPr>
         <p:spPr>
           <a:xfrm>
-            <a:off x="6218191" y="2063396"/>
-            <a:ext cx="4864491" cy="679994"/>
+            <a:off x="5088383" y="2160983"/>
+            <a:ext cx="4185618" cy="576262"/>
           </a:xfrm>
         </p:spPr>
         <p:txBody>
@@ -4421,15 +3716,8 @@
           </a:bodyPr>
           <a:lstStyle>
             <a:lvl1pPr marL="0" indent="0">
-              <a:lnSpc>
-                <a:spcPct val="90000"/>
-              </a:lnSpc>
-              <a:buNone/>
-              <a:defRPr sz="2600" b="0">
-                <a:solidFill>
-                  <a:schemeClr val="accent1"/>
-                </a:solidFill>
-              </a:defRPr>
+              <a:buNone/>
+              <a:defRPr sz="2400" b="0"/>
             </a:lvl1pPr>
             <a:lvl2pPr marL="457200" indent="0">
               <a:buNone/>
@@ -4468,35 +3756,37 @@
             <a:pPr lvl="0"/>
             <a:r>
               <a:rPr lang="en-US"/>
-              <a:t>Click to edit Master text styles</a:t>
-            </a:r>
-          </a:p>
-        </p:txBody>
-      </p:sp>
-      <p:sp>
-        <p:nvSpPr>
-          <p:cNvPr id="13" name="Content Placeholder 5"/>
-          <p:cNvSpPr>
-            <a:spLocks noGrp="1"/>
-          </p:cNvSpPr>
-          <p:nvPr>
-            <p:ph sz="quarter" idx="14"/>
+              <a:t>Edit Master text styles</a:t>
+            </a:r>
+          </a:p>
+        </p:txBody>
+      </p:sp>
+      <p:sp>
+        <p:nvSpPr>
+          <p:cNvPr id="6" name="Content Placeholder 5"/>
+          <p:cNvSpPr>
+            <a:spLocks noGrp="1"/>
+          </p:cNvSpPr>
+          <p:nvPr>
+            <p:ph sz="quarter" idx="4"/>
           </p:nvPr>
         </p:nvSpPr>
         <p:spPr>
           <a:xfrm>
-            <a:off x="5993969" y="2861733"/>
-            <a:ext cx="5088713" cy="2512852"/>
+            <a:off x="5088384" y="2737245"/>
+            <a:ext cx="4185617" cy="3304117"/>
           </a:xfrm>
         </p:spPr>
         <p:txBody>
-          <a:bodyPr anchor="t"/>
+          <a:bodyPr>
+            <a:normAutofit/>
+          </a:bodyPr>
           <a:lstStyle/>
           <a:p>
             <a:pPr lvl="0"/>
             <a:r>
               <a:rPr lang="en-US"/>
-              <a:t>Click to edit Master text styles</a:t>
+              <a:t>Edit Master text styles</a:t>
             </a:r>
           </a:p>
           <a:p>
@@ -4547,7 +3837,7 @@
           <a:p>
             <a:fld id="{722D6F65-1F76-419B-8503-3667BAFF543E}" type="datetimeFigureOut">
               <a:rPr lang="en-US" smtClean="0"/>
-              <a:t>6/23/2016</a:t>
+              <a:t>6/24/2016</a:t>
             </a:fld>
             <a:endParaRPr lang="en-US"/>
           </a:p>
@@ -4598,7 +3888,7 @@
     </p:spTree>
     <p:extLst>
       <p:ext uri="{BB962C8B-B14F-4D97-AF65-F5344CB8AC3E}">
-        <p14:creationId xmlns:p14="http://schemas.microsoft.com/office/powerpoint/2010/main" val="1590907171"/>
+        <p14:creationId xmlns:p14="http://schemas.microsoft.com/office/powerpoint/2010/main" val="3033932464"/>
       </p:ext>
     </p:extLst>
   </p:cSld>
@@ -4635,7 +3925,12 @@
             <p:ph type="title"/>
           </p:nvPr>
         </p:nvSpPr>
-        <p:spPr/>
+        <p:spPr>
+          <a:xfrm>
+            <a:off x="677334" y="609600"/>
+            <a:ext cx="8596668" cy="1320800"/>
+          </a:xfrm>
+        </p:spPr>
         <p:txBody>
           <a:bodyPr/>
           <a:lstStyle/>
@@ -4665,7 +3960,7 @@
           <a:p>
             <a:fld id="{722D6F65-1F76-419B-8503-3667BAFF543E}" type="datetimeFigureOut">
               <a:rPr lang="en-US" smtClean="0"/>
-              <a:t>6/23/2016</a:t>
+              <a:t>6/24/2016</a:t>
             </a:fld>
             <a:endParaRPr lang="en-US"/>
           </a:p>
@@ -4716,7 +4011,7 @@
     </p:spTree>
     <p:extLst>
       <p:ext uri="{BB962C8B-B14F-4D97-AF65-F5344CB8AC3E}">
-        <p14:creationId xmlns:p14="http://schemas.microsoft.com/office/powerpoint/2010/main" val="1257960193"/>
+        <p14:creationId xmlns:p14="http://schemas.microsoft.com/office/powerpoint/2010/main" val="2580709701"/>
       </p:ext>
     </p:extLst>
   </p:cSld>
@@ -4760,7 +4055,7 @@
           <a:p>
             <a:fld id="{722D6F65-1F76-419B-8503-3667BAFF543E}" type="datetimeFigureOut">
               <a:rPr lang="en-US" smtClean="0"/>
-              <a:t>6/23/2016</a:t>
+              <a:t>6/24/2016</a:t>
             </a:fld>
             <a:endParaRPr lang="en-US"/>
           </a:p>
@@ -4811,7 +4106,7 @@
     </p:spTree>
     <p:extLst>
       <p:ext uri="{BB962C8B-B14F-4D97-AF65-F5344CB8AC3E}">
-        <p14:creationId xmlns:p14="http://schemas.microsoft.com/office/powerpoint/2010/main" val="3820695099"/>
+        <p14:creationId xmlns:p14="http://schemas.microsoft.com/office/powerpoint/2010/main" val="960183233"/>
       </p:ext>
     </p:extLst>
   </p:cSld>
@@ -4850,8 +4145,8 @@
         </p:nvSpPr>
         <p:spPr>
           <a:xfrm>
-            <a:off x="693643" y="685800"/>
-            <a:ext cx="4126860" cy="2023252"/>
+            <a:off x="677334" y="1498604"/>
+            <a:ext cx="3854528" cy="1278466"/>
           </a:xfrm>
         </p:spPr>
         <p:txBody>
@@ -4859,8 +4154,8 @@
             <a:normAutofit/>
           </a:bodyPr>
           <a:lstStyle>
-            <a:lvl1pPr algn="ctr">
-              <a:defRPr sz="3600"/>
+            <a:lvl1pPr>
+              <a:defRPr sz="2000"/>
             </a:lvl1pPr>
           </a:lstStyle>
           <a:p>
@@ -4874,28 +4169,30 @@
       </p:sp>
       <p:sp>
         <p:nvSpPr>
-          <p:cNvPr id="10" name="Content Placeholder 2"/>
-          <p:cNvSpPr>
-            <a:spLocks noGrp="1"/>
-          </p:cNvSpPr>
-          <p:nvPr>
-            <p:ph sz="quarter" idx="13"/>
+          <p:cNvPr id="3" name="Content Placeholder 2"/>
+          <p:cNvSpPr>
+            <a:spLocks noGrp="1"/>
+          </p:cNvSpPr>
+          <p:nvPr>
+            <p:ph idx="1"/>
           </p:nvPr>
         </p:nvSpPr>
         <p:spPr>
           <a:xfrm>
-            <a:off x="5046132" y="685800"/>
-            <a:ext cx="6034375" cy="4688785"/>
+            <a:off x="4760461" y="514924"/>
+            <a:ext cx="4513541" cy="5526437"/>
           </a:xfrm>
         </p:spPr>
         <p:txBody>
-          <a:bodyPr/>
+          <a:bodyPr>
+            <a:normAutofit/>
+          </a:bodyPr>
           <a:lstStyle/>
           <a:p>
             <a:pPr lvl="0"/>
             <a:r>
               <a:rPr lang="en-US"/>
-              <a:t>Click to edit Master text styles</a:t>
+              <a:t>Edit Master text styles</a:t>
             </a:r>
           </a:p>
           <a:p>
@@ -4941,48 +4238,48 @@
         </p:nvSpPr>
         <p:spPr>
           <a:xfrm>
-            <a:off x="693642" y="2709052"/>
-            <a:ext cx="4126861" cy="2665533"/>
+            <a:off x="677334" y="2777069"/>
+            <a:ext cx="3854528" cy="2584449"/>
           </a:xfrm>
         </p:spPr>
         <p:txBody>
-          <a:bodyPr anchor="t">
+          <a:bodyPr>
             <a:normAutofit/>
           </a:bodyPr>
           <a:lstStyle>
-            <a:lvl1pPr marL="0" indent="0" algn="ctr">
-              <a:buNone/>
-              <a:defRPr sz="1800"/>
+            <a:lvl1pPr marL="0" indent="0">
+              <a:buNone/>
+              <a:defRPr sz="1400"/>
             </a:lvl1pPr>
-            <a:lvl2pPr marL="457200" indent="0">
+            <a:lvl2pPr marL="457063" indent="0">
               <a:buNone/>
               <a:defRPr sz="1400"/>
             </a:lvl2pPr>
-            <a:lvl3pPr marL="914400" indent="0">
+            <a:lvl3pPr marL="914126" indent="0">
               <a:buNone/>
               <a:defRPr sz="1200"/>
             </a:lvl3pPr>
-            <a:lvl4pPr marL="1371600" indent="0">
+            <a:lvl4pPr marL="1371189" indent="0">
               <a:buNone/>
               <a:defRPr sz="1000"/>
             </a:lvl4pPr>
-            <a:lvl5pPr marL="1828800" indent="0">
+            <a:lvl5pPr marL="1828251" indent="0">
               <a:buNone/>
               <a:defRPr sz="1000"/>
             </a:lvl5pPr>
-            <a:lvl6pPr marL="2286000" indent="0">
+            <a:lvl6pPr marL="2285314" indent="0">
               <a:buNone/>
               <a:defRPr sz="1000"/>
             </a:lvl6pPr>
-            <a:lvl7pPr marL="2743200" indent="0">
+            <a:lvl7pPr marL="2742377" indent="0">
               <a:buNone/>
               <a:defRPr sz="1000"/>
             </a:lvl7pPr>
-            <a:lvl8pPr marL="3200400" indent="0">
+            <a:lvl8pPr marL="3199440" indent="0">
               <a:buNone/>
               <a:defRPr sz="1000"/>
             </a:lvl8pPr>
-            <a:lvl9pPr marL="3657600" indent="0">
+            <a:lvl9pPr marL="3656503" indent="0">
               <a:buNone/>
               <a:defRPr sz="1000"/>
             </a:lvl9pPr>
@@ -4991,7 +4288,7 @@
             <a:pPr lvl="0"/>
             <a:r>
               <a:rPr lang="en-US"/>
-              <a:t>Click to edit Master text styles</a:t>
+              <a:t>Edit Master text styles</a:t>
             </a:r>
           </a:p>
         </p:txBody>
@@ -5013,7 +4310,7 @@
           <a:p>
             <a:fld id="{722D6F65-1F76-419B-8503-3667BAFF543E}" type="datetimeFigureOut">
               <a:rPr lang="en-US" smtClean="0"/>
-              <a:t>6/23/2016</a:t>
+              <a:t>6/24/2016</a:t>
             </a:fld>
             <a:endParaRPr lang="en-US"/>
           </a:p>
@@ -5064,7 +4361,7 @@
     </p:spTree>
     <p:extLst>
       <p:ext uri="{BB962C8B-B14F-4D97-AF65-F5344CB8AC3E}">
-        <p14:creationId xmlns:p14="http://schemas.microsoft.com/office/powerpoint/2010/main" val="3085091412"/>
+        <p14:creationId xmlns:p14="http://schemas.microsoft.com/office/powerpoint/2010/main" val="364946050"/>
       </p:ext>
     </p:extLst>
   </p:cSld>
@@ -5103,8 +4400,8 @@
         </p:nvSpPr>
         <p:spPr>
           <a:xfrm>
-            <a:off x="685800" y="685800"/>
-            <a:ext cx="6345302" cy="2023252"/>
+            <a:off x="677334" y="4800600"/>
+            <a:ext cx="8596667" cy="566738"/>
           </a:xfrm>
         </p:spPr>
         <p:txBody>
@@ -5112,8 +4409,8 @@
             <a:normAutofit/>
           </a:bodyPr>
           <a:lstStyle>
-            <a:lvl1pPr algn="ctr">
-              <a:defRPr sz="3600"/>
+            <a:lvl1pPr algn="l">
+              <a:defRPr sz="2400" b="0"/>
             </a:lvl1pPr>
           </a:lstStyle>
           <a:p>
@@ -5137,81 +4434,8 @@
         </p:nvSpPr>
         <p:spPr>
           <a:xfrm>
-            <a:off x="7482362" y="0"/>
-            <a:ext cx="3598146" cy="5071533"/>
-          </a:xfrm>
-          <a:ln w="57150" cmpd="thinThick">
-            <a:solidFill>
-              <a:schemeClr val="bg1">
-                <a:lumMod val="50000"/>
-              </a:schemeClr>
-            </a:solidFill>
-            <a:miter lim="800000"/>
-          </a:ln>
-        </p:spPr>
-        <p:txBody>
-          <a:bodyPr anchor="t"/>
-          <a:lstStyle>
-            <a:lvl1pPr marL="0" indent="0" algn="ctr">
-              <a:buNone/>
-              <a:defRPr sz="3200"/>
-            </a:lvl1pPr>
-            <a:lvl2pPr marL="457200" indent="0">
-              <a:buNone/>
-              <a:defRPr sz="2800"/>
-            </a:lvl2pPr>
-            <a:lvl3pPr marL="914400" indent="0">
-              <a:buNone/>
-              <a:defRPr sz="2400"/>
-            </a:lvl3pPr>
-            <a:lvl4pPr marL="1371600" indent="0">
-              <a:buNone/>
-              <a:defRPr sz="2000"/>
-            </a:lvl4pPr>
-            <a:lvl5pPr marL="1828800" indent="0">
-              <a:buNone/>
-              <a:defRPr sz="2000"/>
-            </a:lvl5pPr>
-            <a:lvl6pPr marL="2286000" indent="0">
-              <a:buNone/>
-              <a:defRPr sz="2000"/>
-            </a:lvl6pPr>
-            <a:lvl7pPr marL="2743200" indent="0">
-              <a:buNone/>
-              <a:defRPr sz="2000"/>
-            </a:lvl7pPr>
-            <a:lvl8pPr marL="3200400" indent="0">
-              <a:buNone/>
-              <a:defRPr sz="2000"/>
-            </a:lvl8pPr>
-            <a:lvl9pPr marL="3657600" indent="0">
-              <a:buNone/>
-              <a:defRPr sz="2000"/>
-            </a:lvl9pPr>
-          </a:lstStyle>
-          <a:p>
-            <a:r>
-              <a:rPr lang="en-US"/>
-              <a:t>Click icon to add picture</a:t>
-            </a:r>
-            <a:endParaRPr lang="en-US" dirty="0"/>
-          </a:p>
-        </p:txBody>
-      </p:sp>
-      <p:sp>
-        <p:nvSpPr>
-          <p:cNvPr id="4" name="Text Placeholder 3"/>
-          <p:cNvSpPr>
-            <a:spLocks noGrp="1"/>
-          </p:cNvSpPr>
-          <p:nvPr>
-            <p:ph type="body" sz="half" idx="2"/>
-          </p:nvPr>
-        </p:nvSpPr>
-        <p:spPr>
-          <a:xfrm>
-            <a:off x="685801" y="2709052"/>
-            <a:ext cx="6345301" cy="2362481"/>
+            <a:off x="677334" y="609600"/>
+            <a:ext cx="8596668" cy="3845718"/>
           </a:xfrm>
         </p:spPr>
         <p:txBody>
@@ -5221,46 +4445,113 @@
           <a:lstStyle>
             <a:lvl1pPr marL="0" indent="0" algn="ctr">
               <a:buNone/>
-              <a:defRPr sz="1800"/>
+              <a:defRPr sz="1600"/>
             </a:lvl1pPr>
             <a:lvl2pPr marL="457200" indent="0">
               <a:buNone/>
-              <a:defRPr sz="1400"/>
+              <a:defRPr sz="1600"/>
             </a:lvl2pPr>
             <a:lvl3pPr marL="914400" indent="0">
               <a:buNone/>
-              <a:defRPr sz="1200"/>
+              <a:defRPr sz="1600"/>
             </a:lvl3pPr>
             <a:lvl4pPr marL="1371600" indent="0">
               <a:buNone/>
-              <a:defRPr sz="1000"/>
+              <a:defRPr sz="1600"/>
             </a:lvl4pPr>
             <a:lvl5pPr marL="1828800" indent="0">
               <a:buNone/>
-              <a:defRPr sz="1000"/>
+              <a:defRPr sz="1600"/>
             </a:lvl5pPr>
             <a:lvl6pPr marL="2286000" indent="0">
               <a:buNone/>
-              <a:defRPr sz="1000"/>
+              <a:defRPr sz="1600"/>
             </a:lvl6pPr>
             <a:lvl7pPr marL="2743200" indent="0">
               <a:buNone/>
-              <a:defRPr sz="1000"/>
+              <a:defRPr sz="1600"/>
             </a:lvl7pPr>
             <a:lvl8pPr marL="3200400" indent="0">
               <a:buNone/>
-              <a:defRPr sz="1000"/>
+              <a:defRPr sz="1600"/>
             </a:lvl8pPr>
             <a:lvl9pPr marL="3657600" indent="0">
               <a:buNone/>
-              <a:defRPr sz="1000"/>
+              <a:defRPr sz="1600"/>
             </a:lvl9pPr>
           </a:lstStyle>
           <a:p>
+            <a:r>
+              <a:rPr lang="en-US"/>
+              <a:t>Click icon to add picture</a:t>
+            </a:r>
+            <a:endParaRPr lang="en-US" dirty="0"/>
+          </a:p>
+        </p:txBody>
+      </p:sp>
+      <p:sp>
+        <p:nvSpPr>
+          <p:cNvPr id="4" name="Text Placeholder 3"/>
+          <p:cNvSpPr>
+            <a:spLocks noGrp="1"/>
+          </p:cNvSpPr>
+          <p:nvPr>
+            <p:ph type="body" sz="half" idx="2"/>
+          </p:nvPr>
+        </p:nvSpPr>
+        <p:spPr>
+          <a:xfrm>
+            <a:off x="677334" y="5367338"/>
+            <a:ext cx="8596667" cy="674024"/>
+          </a:xfrm>
+        </p:spPr>
+        <p:txBody>
+          <a:bodyPr>
+            <a:normAutofit/>
+          </a:bodyPr>
+          <a:lstStyle>
+            <a:lvl1pPr marL="0" indent="0">
+              <a:buNone/>
+              <a:defRPr sz="1200"/>
+            </a:lvl1pPr>
+            <a:lvl2pPr marL="457200" indent="0">
+              <a:buNone/>
+              <a:defRPr sz="1200"/>
+            </a:lvl2pPr>
+            <a:lvl3pPr marL="914400" indent="0">
+              <a:buNone/>
+              <a:defRPr sz="1000"/>
+            </a:lvl3pPr>
+            <a:lvl4pPr marL="1371600" indent="0">
+              <a:buNone/>
+              <a:defRPr sz="900"/>
+            </a:lvl4pPr>
+            <a:lvl5pPr marL="1828800" indent="0">
+              <a:buNone/>
+              <a:defRPr sz="900"/>
+            </a:lvl5pPr>
+            <a:lvl6pPr marL="2286000" indent="0">
+              <a:buNone/>
+              <a:defRPr sz="900"/>
+            </a:lvl6pPr>
+            <a:lvl7pPr marL="2743200" indent="0">
+              <a:buNone/>
+              <a:defRPr sz="900"/>
+            </a:lvl7pPr>
+            <a:lvl8pPr marL="3200400" indent="0">
+              <a:buNone/>
+              <a:defRPr sz="900"/>
+            </a:lvl8pPr>
+            <a:lvl9pPr marL="3657600" indent="0">
+              <a:buNone/>
+              <a:defRPr sz="900"/>
+            </a:lvl9pPr>
+          </a:lstStyle>
+          <a:p>
             <a:pPr lvl="0"/>
             <a:r>
               <a:rPr lang="en-US"/>
-              <a:t>Click to edit Master text styles</a:t>
+              <a:t>Edit Master text styles</a:t>
             </a:r>
           </a:p>
         </p:txBody>
@@ -5282,7 +4573,7 @@
           <a:p>
             <a:fld id="{722D6F65-1F76-419B-8503-3667BAFF543E}" type="datetimeFigureOut">
               <a:rPr lang="en-US" smtClean="0"/>
-              <a:t>6/23/2016</a:t>
+              <a:t>6/24/2016</a:t>
             </a:fld>
             <a:endParaRPr lang="en-US"/>
           </a:p>
@@ -5333,7 +4624,7 @@
     </p:spTree>
     <p:extLst>
       <p:ext uri="{BB962C8B-B14F-4D97-AF65-F5344CB8AC3E}">
-        <p14:creationId xmlns:p14="http://schemas.microsoft.com/office/powerpoint/2010/main" val="3251725023"/>
+        <p14:creationId xmlns:p14="http://schemas.microsoft.com/office/powerpoint/2010/main" val="1927037606"/>
       </p:ext>
     </p:extLst>
   </p:cSld>
@@ -5347,7 +4638,7 @@
 <p:sldMaster xmlns:a="http://schemas.openxmlformats.org/drawingml/2006/main" xmlns:r="http://schemas.openxmlformats.org/officeDocument/2006/relationships" xmlns:p="http://schemas.openxmlformats.org/presentationml/2006/main">
   <p:cSld>
     <p:bg>
-      <p:bgRef idx="1003">
+      <p:bgRef idx="1001">
         <a:schemeClr val="bg1"/>
       </p:bgRef>
     </p:bg>
@@ -5365,74 +4656,141 @@
           <a:chExt cx="0" cy="0"/>
         </a:xfrm>
       </p:grpSpPr>
-      <p:pic>
-        <p:nvPicPr>
-          <p:cNvPr id="7" name="Picture 6" descr="Brickwork-HD-R1a.jpg"/>
-          <p:cNvPicPr>
-            <a:picLocks noChangeAspect="1"/>
-          </p:cNvPicPr>
-          <p:nvPr/>
-        </p:nvPicPr>
-        <p:blipFill>
-          <a:blip r:embed="rId19">
-            <a:extLst>
-              <a:ext uri="{28A0092B-C50C-407E-A947-70E740481C1C}">
-                <a14:useLocalDpi xmlns:a14="http://schemas.microsoft.com/office/drawing/2010/main" val="0"/>
-              </a:ext>
-            </a:extLst>
-          </a:blip>
-          <a:stretch>
-            <a:fillRect/>
-          </a:stretch>
-        </p:blipFill>
-        <p:spPr>
-          <a:xfrm>
-            <a:off x="0" y="0"/>
-            <a:ext cx="12192000" cy="6858000"/>
-          </a:xfrm>
-          <a:prstGeom prst="rect">
-            <a:avLst/>
-          </a:prstGeom>
-        </p:spPr>
-      </p:pic>
       <p:grpSp>
         <p:nvGrpSpPr>
-          <p:cNvPr id="10" name="Group 9"/>
+          <p:cNvPr id="7" name="Group 6"/>
           <p:cNvGrpSpPr/>
           <p:nvPr/>
         </p:nvGrpSpPr>
         <p:grpSpPr>
           <a:xfrm>
-            <a:off x="-25397" y="0"/>
-            <a:ext cx="12005350" cy="6644081"/>
-            <a:chOff x="-25397" y="0"/>
-            <a:chExt cx="12005350" cy="6644081"/>
+            <a:off x="0" y="-8467"/>
+            <a:ext cx="12192000" cy="6866467"/>
+            <a:chOff x="0" y="-8467"/>
+            <a:chExt cx="12192000" cy="6866467"/>
           </a:xfrm>
         </p:grpSpPr>
-        <p:sp useBgFill="1">
+        <p:cxnSp>
+          <p:nvCxnSpPr>
+            <p:cNvPr id="20" name="Straight Connector 19"/>
+            <p:cNvCxnSpPr/>
+            <p:nvPr/>
+          </p:nvCxnSpPr>
+          <p:spPr>
+            <a:xfrm>
+              <a:off x="9371012" y="0"/>
+              <a:ext cx="1219200" cy="6858000"/>
+            </a:xfrm>
+            <a:prstGeom prst="line">
+              <a:avLst/>
+            </a:prstGeom>
+            <a:ln w="9525">
+              <a:solidFill>
+                <a:schemeClr val="bg1">
+                  <a:lumMod val="75000"/>
+                </a:schemeClr>
+              </a:solidFill>
+            </a:ln>
+          </p:spPr>
+          <p:style>
+            <a:lnRef idx="2">
+              <a:schemeClr val="accent1"/>
+            </a:lnRef>
+            <a:fillRef idx="0">
+              <a:schemeClr val="accent1"/>
+            </a:fillRef>
+            <a:effectRef idx="1">
+              <a:schemeClr val="accent1"/>
+            </a:effectRef>
+            <a:fontRef idx="minor">
+              <a:schemeClr val="tx1"/>
+            </a:fontRef>
+          </p:style>
+        </p:cxnSp>
+        <p:cxnSp>
+          <p:nvCxnSpPr>
+            <p:cNvPr id="21" name="Straight Connector 20"/>
+            <p:cNvCxnSpPr/>
+            <p:nvPr/>
+          </p:nvCxnSpPr>
+          <p:spPr>
+            <a:xfrm flipH="1">
+              <a:off x="7425267" y="3681413"/>
+              <a:ext cx="4763558" cy="3176587"/>
+            </a:xfrm>
+            <a:prstGeom prst="line">
+              <a:avLst/>
+            </a:prstGeom>
+            <a:ln w="9525">
+              <a:solidFill>
+                <a:schemeClr val="bg1">
+                  <a:lumMod val="85000"/>
+                </a:schemeClr>
+              </a:solidFill>
+            </a:ln>
+          </p:spPr>
+          <p:style>
+            <a:lnRef idx="2">
+              <a:schemeClr val="accent1"/>
+            </a:lnRef>
+            <a:fillRef idx="0">
+              <a:schemeClr val="accent1"/>
+            </a:fillRef>
+            <a:effectRef idx="1">
+              <a:schemeClr val="accent1"/>
+            </a:effectRef>
+            <a:fontRef idx="minor">
+              <a:schemeClr val="tx1"/>
+            </a:fontRef>
+          </p:style>
+        </p:cxnSp>
+        <p:sp>
           <p:nvSpPr>
-            <p:cNvPr id="11" name="Rectangle 10"/>
+            <p:cNvPr id="22" name="Rectangle 23"/>
             <p:cNvSpPr/>
             <p:nvPr/>
           </p:nvSpPr>
           <p:spPr>
             <a:xfrm>
-              <a:off x="1" y="0"/>
-              <a:ext cx="11979952" cy="6644081"/>
+              <a:off x="9181476" y="-8467"/>
+              <a:ext cx="3007349" cy="6866467"/>
             </a:xfrm>
-            <a:prstGeom prst="rect">
+            <a:custGeom>
               <a:avLst/>
-            </a:prstGeom>
+              <a:gdLst/>
+              <a:ahLst/>
+              <a:cxnLst/>
+              <a:rect l="l" t="t" r="r" b="b"/>
+              <a:pathLst>
+                <a:path w="3007349" h="6866467">
+                  <a:moveTo>
+                    <a:pt x="2045532" y="0"/>
+                  </a:moveTo>
+                  <a:lnTo>
+                    <a:pt x="3007349" y="0"/>
+                  </a:lnTo>
+                  <a:lnTo>
+                    <a:pt x="3007349" y="6866467"/>
+                  </a:lnTo>
+                  <a:lnTo>
+                    <a:pt x="0" y="6866467"/>
+                  </a:lnTo>
+                  <a:lnTo>
+                    <a:pt x="2045532" y="0"/>
+                  </a:lnTo>
+                  <a:close/>
+                </a:path>
+              </a:pathLst>
+            </a:custGeom>
+            <a:solidFill>
+              <a:schemeClr val="accent1">
+                <a:alpha val="30000"/>
+              </a:schemeClr>
+            </a:solidFill>
             <a:ln>
               <a:noFill/>
             </a:ln>
-            <a:effectLst>
-              <a:outerShdw blurRad="98425" dist="76200" dir="4380000" algn="tl" rotWithShape="0">
-                <a:srgbClr val="000000">
-                  <a:alpha val="68000"/>
-                </a:srgbClr>
-              </a:outerShdw>
-            </a:effectLst>
+            <a:effectLst/>
           </p:spPr>
           <p:style>
             <a:lnRef idx="1">
@@ -5451,14 +4809,14 @@
         </p:sp>
         <p:sp>
           <p:nvSpPr>
-            <p:cNvPr id="12" name="Freeform 11"/>
+            <p:cNvPr id="23" name="Rectangle 25"/>
             <p:cNvSpPr/>
             <p:nvPr/>
           </p:nvSpPr>
           <p:spPr>
             <a:xfrm>
-              <a:off x="-25397" y="0"/>
-              <a:ext cx="11773291" cy="6419514"/>
+              <a:off x="9603442" y="-8467"/>
+              <a:ext cx="2588558" cy="6866467"/>
             </a:xfrm>
             <a:custGeom>
               <a:avLst/>
@@ -5467,77 +4825,350 @@
               <a:cxnLst/>
               <a:rect l="l" t="t" r="r" b="b"/>
               <a:pathLst>
-                <a:path w="11773291" h="6419514">
+                <a:path w="2573311" h="6866467">
                   <a:moveTo>
-                    <a:pt x="11750059" y="0"/>
+                    <a:pt x="0" y="0"/>
                   </a:moveTo>
                   <a:lnTo>
-                    <a:pt x="11773291" y="6419514"/>
+                    <a:pt x="2573311" y="0"/>
                   </a:lnTo>
                   <a:lnTo>
-                    <a:pt x="0" y="6411047"/>
+                    <a:pt x="2573311" y="6866467"/>
                   </a:lnTo>
+                  <a:lnTo>
+                    <a:pt x="1202336" y="6866467"/>
+                  </a:lnTo>
+                  <a:lnTo>
+                    <a:pt x="0" y="0"/>
+                  </a:lnTo>
+                  <a:close/>
                 </a:path>
               </a:pathLst>
             </a:custGeom>
-            <a:ln w="82550">
-              <a:solidFill>
-                <a:schemeClr val="tx1">
-                  <a:lumMod val="50000"/>
-                  <a:lumOff val="50000"/>
-                </a:schemeClr>
-              </a:solidFill>
-              <a:miter lim="800000"/>
+            <a:solidFill>
+              <a:schemeClr val="accent1">
+                <a:alpha val="20000"/>
+              </a:schemeClr>
+            </a:solidFill>
+            <a:ln>
+              <a:noFill/>
             </a:ln>
+            <a:effectLst/>
           </p:spPr>
           <p:style>
-            <a:lnRef idx="2">
+            <a:lnRef idx="1">
               <a:schemeClr val="accent1"/>
             </a:lnRef>
-            <a:fillRef idx="0">
+            <a:fillRef idx="3">
               <a:schemeClr val="accent1"/>
             </a:fillRef>
-            <a:effectRef idx="1">
+            <a:effectRef idx="2">
               <a:schemeClr val="accent1"/>
             </a:effectRef>
             <a:fontRef idx="minor">
-              <a:schemeClr val="tx1"/>
+              <a:schemeClr val="lt1"/>
             </a:fontRef>
           </p:style>
         </p:sp>
         <p:sp>
           <p:nvSpPr>
-            <p:cNvPr id="13" name="Rectangle 12"/>
+            <p:cNvPr id="24" name="Isosceles Triangle 23"/>
             <p:cNvSpPr/>
             <p:nvPr/>
           </p:nvSpPr>
           <p:spPr>
             <a:xfrm>
-              <a:off x="1" y="5600215"/>
-              <a:ext cx="11706512" cy="780581"/>
+              <a:off x="8932333" y="3048000"/>
+              <a:ext cx="3259667" cy="3810000"/>
             </a:xfrm>
-            <a:prstGeom prst="rect">
-              <a:avLst/>
+            <a:prstGeom prst="triangle">
+              <a:avLst>
+                <a:gd name="adj" fmla="val 100000"/>
+              </a:avLst>
             </a:prstGeom>
-            <a:gradFill flip="none" rotWithShape="1">
-              <a:gsLst>
-                <a:gs pos="34000">
-                  <a:schemeClr val="accent1"/>
-                </a:gs>
-                <a:gs pos="100000">
-                  <a:schemeClr val="accent1">
-                    <a:lumMod val="50000"/>
-                  </a:schemeClr>
-                </a:gs>
-              </a:gsLst>
-              <a:path path="circle">
-                <a:fillToRect l="50000" t="50000" r="50000" b="50000"/>
-              </a:path>
-              <a:tileRect/>
-            </a:gradFill>
+            <a:solidFill>
+              <a:schemeClr val="accent2">
+                <a:alpha val="72000"/>
+              </a:schemeClr>
+            </a:solidFill>
             <a:ln>
               <a:noFill/>
             </a:ln>
+            <a:effectLst/>
+          </p:spPr>
+          <p:style>
+            <a:lnRef idx="1">
+              <a:schemeClr val="accent1"/>
+            </a:lnRef>
+            <a:fillRef idx="3">
+              <a:schemeClr val="accent1"/>
+            </a:fillRef>
+            <a:effectRef idx="2">
+              <a:schemeClr val="accent1"/>
+            </a:effectRef>
+            <a:fontRef idx="minor">
+              <a:schemeClr val="lt1"/>
+            </a:fontRef>
+          </p:style>
+        </p:sp>
+        <p:sp>
+          <p:nvSpPr>
+            <p:cNvPr id="25" name="Rectangle 27"/>
+            <p:cNvSpPr/>
+            <p:nvPr/>
+          </p:nvSpPr>
+          <p:spPr>
+            <a:xfrm>
+              <a:off x="9334500" y="-8467"/>
+              <a:ext cx="2854326" cy="6866467"/>
+            </a:xfrm>
+            <a:custGeom>
+              <a:avLst/>
+              <a:gdLst/>
+              <a:ahLst/>
+              <a:cxnLst/>
+              <a:rect l="l" t="t" r="r" b="b"/>
+              <a:pathLst>
+                <a:path w="2858013" h="6866467">
+                  <a:moveTo>
+                    <a:pt x="0" y="0"/>
+                  </a:moveTo>
+                  <a:lnTo>
+                    <a:pt x="2858013" y="0"/>
+                  </a:lnTo>
+                  <a:lnTo>
+                    <a:pt x="2858013" y="6866467"/>
+                  </a:lnTo>
+                  <a:lnTo>
+                    <a:pt x="2473942" y="6866467"/>
+                  </a:lnTo>
+                  <a:lnTo>
+                    <a:pt x="0" y="0"/>
+                  </a:lnTo>
+                  <a:close/>
+                </a:path>
+              </a:pathLst>
+            </a:custGeom>
+            <a:solidFill>
+              <a:schemeClr val="accent2">
+                <a:lumMod val="75000"/>
+                <a:alpha val="70000"/>
+              </a:schemeClr>
+            </a:solidFill>
+            <a:ln>
+              <a:noFill/>
+            </a:ln>
+            <a:effectLst/>
+          </p:spPr>
+          <p:style>
+            <a:lnRef idx="1">
+              <a:schemeClr val="accent1"/>
+            </a:lnRef>
+            <a:fillRef idx="3">
+              <a:schemeClr val="accent1"/>
+            </a:fillRef>
+            <a:effectRef idx="2">
+              <a:schemeClr val="accent1"/>
+            </a:effectRef>
+            <a:fontRef idx="minor">
+              <a:schemeClr val="lt1"/>
+            </a:fontRef>
+          </p:style>
+        </p:sp>
+        <p:sp>
+          <p:nvSpPr>
+            <p:cNvPr id="26" name="Rectangle 28"/>
+            <p:cNvSpPr/>
+            <p:nvPr/>
+          </p:nvSpPr>
+          <p:spPr>
+            <a:xfrm>
+              <a:off x="10898730" y="-8467"/>
+              <a:ext cx="1290094" cy="6866467"/>
+            </a:xfrm>
+            <a:custGeom>
+              <a:avLst/>
+              <a:gdLst/>
+              <a:ahLst/>
+              <a:cxnLst/>
+              <a:rect l="l" t="t" r="r" b="b"/>
+              <a:pathLst>
+                <a:path w="1290094" h="6858000">
+                  <a:moveTo>
+                    <a:pt x="1019735" y="0"/>
+                  </a:moveTo>
+                  <a:lnTo>
+                    <a:pt x="1290094" y="0"/>
+                  </a:lnTo>
+                  <a:lnTo>
+                    <a:pt x="1290094" y="6858000"/>
+                  </a:lnTo>
+                  <a:lnTo>
+                    <a:pt x="0" y="6858000"/>
+                  </a:lnTo>
+                  <a:lnTo>
+                    <a:pt x="1019735" y="0"/>
+                  </a:lnTo>
+                  <a:close/>
+                </a:path>
+              </a:pathLst>
+            </a:custGeom>
+            <a:solidFill>
+              <a:schemeClr val="accent1">
+                <a:lumMod val="60000"/>
+                <a:lumOff val="40000"/>
+                <a:alpha val="70000"/>
+              </a:schemeClr>
+            </a:solidFill>
+            <a:ln>
+              <a:noFill/>
+            </a:ln>
+            <a:effectLst/>
+          </p:spPr>
+          <p:style>
+            <a:lnRef idx="1">
+              <a:schemeClr val="accent1"/>
+            </a:lnRef>
+            <a:fillRef idx="3">
+              <a:schemeClr val="accent1"/>
+            </a:fillRef>
+            <a:effectRef idx="2">
+              <a:schemeClr val="accent1"/>
+            </a:effectRef>
+            <a:fontRef idx="minor">
+              <a:schemeClr val="lt1"/>
+            </a:fontRef>
+          </p:style>
+        </p:sp>
+        <p:sp>
+          <p:nvSpPr>
+            <p:cNvPr id="27" name="Rectangle 29"/>
+            <p:cNvSpPr/>
+            <p:nvPr/>
+          </p:nvSpPr>
+          <p:spPr>
+            <a:xfrm>
+              <a:off x="10938999" y="-8467"/>
+              <a:ext cx="1249825" cy="6866467"/>
+            </a:xfrm>
+            <a:custGeom>
+              <a:avLst/>
+              <a:gdLst/>
+              <a:ahLst/>
+              <a:cxnLst/>
+              <a:rect l="l" t="t" r="r" b="b"/>
+              <a:pathLst>
+                <a:path w="1249825" h="6858000">
+                  <a:moveTo>
+                    <a:pt x="0" y="0"/>
+                  </a:moveTo>
+                  <a:lnTo>
+                    <a:pt x="1249825" y="0"/>
+                  </a:lnTo>
+                  <a:lnTo>
+                    <a:pt x="1249825" y="6858000"/>
+                  </a:lnTo>
+                  <a:lnTo>
+                    <a:pt x="1109382" y="6858000"/>
+                  </a:lnTo>
+                  <a:lnTo>
+                    <a:pt x="0" y="0"/>
+                  </a:lnTo>
+                  <a:close/>
+                </a:path>
+              </a:pathLst>
+            </a:custGeom>
+            <a:solidFill>
+              <a:schemeClr val="accent1">
+                <a:alpha val="65000"/>
+              </a:schemeClr>
+            </a:solidFill>
+            <a:ln>
+              <a:noFill/>
+            </a:ln>
+            <a:effectLst/>
+          </p:spPr>
+          <p:style>
+            <a:lnRef idx="1">
+              <a:schemeClr val="accent1"/>
+            </a:lnRef>
+            <a:fillRef idx="3">
+              <a:schemeClr val="accent1"/>
+            </a:fillRef>
+            <a:effectRef idx="2">
+              <a:schemeClr val="accent1"/>
+            </a:effectRef>
+            <a:fontRef idx="minor">
+              <a:schemeClr val="lt1"/>
+            </a:fontRef>
+          </p:style>
+        </p:sp>
+        <p:sp>
+          <p:nvSpPr>
+            <p:cNvPr id="28" name="Isosceles Triangle 27"/>
+            <p:cNvSpPr/>
+            <p:nvPr/>
+          </p:nvSpPr>
+          <p:spPr>
+            <a:xfrm>
+              <a:off x="10371666" y="3589867"/>
+              <a:ext cx="1817159" cy="3268133"/>
+            </a:xfrm>
+            <a:prstGeom prst="triangle">
+              <a:avLst>
+                <a:gd name="adj" fmla="val 100000"/>
+              </a:avLst>
+            </a:prstGeom>
+            <a:solidFill>
+              <a:schemeClr val="accent1">
+                <a:alpha val="80000"/>
+              </a:schemeClr>
+            </a:solidFill>
+            <a:ln>
+              <a:noFill/>
+            </a:ln>
+            <a:effectLst/>
+          </p:spPr>
+          <p:style>
+            <a:lnRef idx="1">
+              <a:schemeClr val="accent1"/>
+            </a:lnRef>
+            <a:fillRef idx="3">
+              <a:schemeClr val="accent1"/>
+            </a:fillRef>
+            <a:effectRef idx="2">
+              <a:schemeClr val="accent1"/>
+            </a:effectRef>
+            <a:fontRef idx="minor">
+              <a:schemeClr val="lt1"/>
+            </a:fontRef>
+          </p:style>
+        </p:sp>
+        <p:sp>
+          <p:nvSpPr>
+            <p:cNvPr id="29" name="Isosceles Triangle 28"/>
+            <p:cNvSpPr/>
+            <p:nvPr/>
+          </p:nvSpPr>
+          <p:spPr>
+            <a:xfrm>
+              <a:off x="0" y="4013200"/>
+              <a:ext cx="448733" cy="2844800"/>
+            </a:xfrm>
+            <a:prstGeom prst="triangle">
+              <a:avLst>
+                <a:gd name="adj" fmla="val 0"/>
+              </a:avLst>
+            </a:prstGeom>
+            <a:solidFill>
+              <a:schemeClr val="accent1">
+                <a:alpha val="85000"/>
+              </a:schemeClr>
+            </a:solidFill>
+            <a:ln>
+              <a:noFill/>
+            </a:ln>
+            <a:effectLst/>
           </p:spPr>
           <p:style>
             <a:lnRef idx="1">
@@ -5567,15 +5198,15 @@
         </p:nvSpPr>
         <p:spPr>
           <a:xfrm>
-            <a:off x="685801" y="685800"/>
-            <a:ext cx="10396882" cy="1151965"/>
+            <a:off x="677334" y="609600"/>
+            <a:ext cx="8596668" cy="1320800"/>
           </a:xfrm>
           <a:prstGeom prst="rect">
             <a:avLst/>
           </a:prstGeom>
         </p:spPr>
         <p:txBody>
-          <a:bodyPr vert="horz" lIns="91440" tIns="45720" rIns="91440" bIns="45720" rtlCol="0" anchor="ctr">
+          <a:bodyPr vert="horz" lIns="91440" tIns="45720" rIns="91440" bIns="45720" rtlCol="0" anchor="t">
             <a:normAutofit/>
           </a:bodyPr>
           <a:lstStyle/>
@@ -5600,15 +5231,15 @@
         </p:nvSpPr>
         <p:spPr>
           <a:xfrm>
-            <a:off x="685800" y="2063396"/>
-            <a:ext cx="10396883" cy="3311189"/>
+            <a:off x="677334" y="2160589"/>
+            <a:ext cx="8596668" cy="3880773"/>
           </a:xfrm>
           <a:prstGeom prst="rect">
             <a:avLst/>
           </a:prstGeom>
         </p:spPr>
         <p:txBody>
-          <a:bodyPr vert="horz" lIns="91440" tIns="45720" rIns="91440" bIns="45720" rtlCol="0" anchor="ctr">
+          <a:bodyPr vert="horz" lIns="91440" tIns="45720" rIns="91440" bIns="45720" rtlCol="0">
             <a:normAutofit/>
           </a:bodyPr>
           <a:lstStyle/>
@@ -5616,7 +5247,7 @@
             <a:pPr lvl="0"/>
             <a:r>
               <a:rPr lang="en-US"/>
-              <a:t>Click to edit Master text styles</a:t>
+              <a:t>Edit Master text styles</a:t>
             </a:r>
           </a:p>
           <a:p>
@@ -5662,8 +5293,8 @@
         </p:nvSpPr>
         <p:spPr>
           <a:xfrm>
-            <a:off x="7298083" y="5757334"/>
-            <a:ext cx="3784600" cy="498470"/>
+            <a:off x="7205133" y="6041362"/>
+            <a:ext cx="911939" cy="365125"/>
           </a:xfrm>
           <a:prstGeom prst="rect">
             <a:avLst/>
@@ -5673,10 +5304,10 @@
           <a:bodyPr vert="horz" lIns="91440" tIns="45720" rIns="91440" bIns="45720" rtlCol="0" anchor="ctr"/>
           <a:lstStyle>
             <a:lvl1pPr algn="r">
-              <a:defRPr sz="3200" cap="all" baseline="0">
+              <a:defRPr sz="900">
                 <a:solidFill>
-                  <a:schemeClr val="accent1">
-                    <a:lumMod val="50000"/>
+                  <a:schemeClr val="tx1">
+                    <a:tint val="75000"/>
                   </a:schemeClr>
                 </a:solidFill>
               </a:defRPr>
@@ -5685,7 +5316,7 @@
           <a:p>
             <a:fld id="{722D6F65-1F76-419B-8503-3667BAFF543E}" type="datetimeFigureOut">
               <a:rPr lang="en-US" smtClean="0"/>
-              <a:t>6/23/2016</a:t>
+              <a:t>6/24/2016</a:t>
             </a:fld>
             <a:endParaRPr lang="en-US"/>
           </a:p>
@@ -5703,8 +5334,8 @@
         </p:nvSpPr>
         <p:spPr>
           <a:xfrm>
-            <a:off x="685801" y="5757334"/>
-            <a:ext cx="5499719" cy="498470"/>
+            <a:off x="677334" y="6041362"/>
+            <a:ext cx="6297612" cy="365125"/>
           </a:xfrm>
           <a:prstGeom prst="rect">
             <a:avLst/>
@@ -5714,10 +5345,10 @@
           <a:bodyPr vert="horz" lIns="91440" tIns="45720" rIns="91440" bIns="45720" rtlCol="0" anchor="ctr"/>
           <a:lstStyle>
             <a:lvl1pPr algn="l">
-              <a:defRPr sz="3200" cap="all" baseline="0">
+              <a:defRPr sz="900">
                 <a:solidFill>
-                  <a:schemeClr val="accent1">
-                    <a:lumMod val="50000"/>
+                  <a:schemeClr val="tx1">
+                    <a:tint val="75000"/>
                   </a:schemeClr>
                 </a:solidFill>
               </a:defRPr>
@@ -5740,8 +5371,8 @@
         </p:nvSpPr>
         <p:spPr>
           <a:xfrm>
-            <a:off x="6287121" y="5757334"/>
-            <a:ext cx="907186" cy="498470"/>
+            <a:off x="8590663" y="6041362"/>
+            <a:ext cx="683339" cy="365125"/>
           </a:xfrm>
           <a:prstGeom prst="rect">
             <a:avLst/>
@@ -5750,12 +5381,10 @@
         <p:txBody>
           <a:bodyPr vert="horz" lIns="91440" tIns="45720" rIns="91440" bIns="45720" rtlCol="0" anchor="ctr"/>
           <a:lstStyle>
-            <a:lvl1pPr algn="ctr">
-              <a:defRPr sz="3200" cap="all" baseline="0">
+            <a:lvl1pPr algn="r">
+              <a:defRPr sz="900">
                 <a:solidFill>
-                  <a:schemeClr val="accent1">
-                    <a:lumMod val="50000"/>
-                  </a:schemeClr>
+                  <a:schemeClr val="accent1"/>
                 </a:solidFill>
               </a:defRPr>
             </a:lvl1pPr>
@@ -5772,254 +5401,323 @@
     </p:spTree>
     <p:extLst>
       <p:ext uri="{BB962C8B-B14F-4D97-AF65-F5344CB8AC3E}">
-        <p14:creationId xmlns:p14="http://schemas.microsoft.com/office/powerpoint/2010/main" val="1204059072"/>
+        <p14:creationId xmlns:p14="http://schemas.microsoft.com/office/powerpoint/2010/main" val="928161075"/>
       </p:ext>
     </p:extLst>
   </p:cSld>
   <p:clrMap bg1="lt1" tx1="dk1" bg2="lt2" tx2="dk2" accent1="accent1" accent2="accent2" accent3="accent3" accent4="accent4" accent5="accent5" accent6="accent6" hlink="hlink" folHlink="folHlink"/>
   <p:sldLayoutIdLst>
-    <p:sldLayoutId id="2147483661" r:id="rId1"/>
-    <p:sldLayoutId id="2147483662" r:id="rId2"/>
-    <p:sldLayoutId id="2147483663" r:id="rId3"/>
-    <p:sldLayoutId id="2147483664" r:id="rId4"/>
-    <p:sldLayoutId id="2147483665" r:id="rId5"/>
-    <p:sldLayoutId id="2147483666" r:id="rId6"/>
-    <p:sldLayoutId id="2147483667" r:id="rId7"/>
-    <p:sldLayoutId id="2147483668" r:id="rId8"/>
-    <p:sldLayoutId id="2147483669" r:id="rId9"/>
-    <p:sldLayoutId id="2147483670" r:id="rId10"/>
-    <p:sldLayoutId id="2147483671" r:id="rId11"/>
-    <p:sldLayoutId id="2147483672" r:id="rId12"/>
-    <p:sldLayoutId id="2147483673" r:id="rId13"/>
-    <p:sldLayoutId id="2147483674" r:id="rId14"/>
-    <p:sldLayoutId id="2147483675" r:id="rId15"/>
-    <p:sldLayoutId id="2147483676" r:id="rId16"/>
-    <p:sldLayoutId id="2147483677" r:id="rId17"/>
+    <p:sldLayoutId id="2147483679" r:id="rId1"/>
+    <p:sldLayoutId id="2147483680" r:id="rId2"/>
+    <p:sldLayoutId id="2147483681" r:id="rId3"/>
+    <p:sldLayoutId id="2147483682" r:id="rId4"/>
+    <p:sldLayoutId id="2147483683" r:id="rId5"/>
+    <p:sldLayoutId id="2147483684" r:id="rId6"/>
+    <p:sldLayoutId id="2147483685" r:id="rId7"/>
+    <p:sldLayoutId id="2147483686" r:id="rId8"/>
+    <p:sldLayoutId id="2147483687" r:id="rId9"/>
+    <p:sldLayoutId id="2147483688" r:id="rId10"/>
+    <p:sldLayoutId id="2147483689" r:id="rId11"/>
+    <p:sldLayoutId id="2147483690" r:id="rId12"/>
+    <p:sldLayoutId id="2147483691" r:id="rId13"/>
+    <p:sldLayoutId id="2147483692" r:id="rId14"/>
+    <p:sldLayoutId id="2147483693" r:id="rId15"/>
+    <p:sldLayoutId id="2147483694" r:id="rId16"/>
   </p:sldLayoutIdLst>
   <p:txStyles>
     <p:titleStyle>
-      <a:lvl1pPr algn="l" defTabSz="914400" rtl="0" eaLnBrk="1" latinLnBrk="0" hangingPunct="1">
-        <a:lnSpc>
-          <a:spcPct val="90000"/>
-        </a:lnSpc>
+      <a:lvl1pPr algn="l" defTabSz="457200" rtl="0" eaLnBrk="1" latinLnBrk="0" hangingPunct="1">
         <a:spcBef>
           <a:spcPct val="0"/>
         </a:spcBef>
         <a:buNone/>
-        <a:defRPr sz="5400" kern="1200" cap="all" baseline="0">
+        <a:defRPr sz="3600" kern="1200">
           <a:solidFill>
             <a:schemeClr val="accent1"/>
           </a:solidFill>
-          <a:effectLst/>
           <a:latin typeface="+mj-lt"/>
           <a:ea typeface="+mj-ea"/>
           <a:cs typeface="+mj-cs"/>
         </a:defRPr>
       </a:lvl1pPr>
+      <a:lvl2pPr eaLnBrk="1" hangingPunct="1">
+        <a:defRPr>
+          <a:solidFill>
+            <a:schemeClr val="tx2"/>
+          </a:solidFill>
+        </a:defRPr>
+      </a:lvl2pPr>
+      <a:lvl3pPr eaLnBrk="1" hangingPunct="1">
+        <a:defRPr>
+          <a:solidFill>
+            <a:schemeClr val="tx2"/>
+          </a:solidFill>
+        </a:defRPr>
+      </a:lvl3pPr>
+      <a:lvl4pPr eaLnBrk="1" hangingPunct="1">
+        <a:defRPr>
+          <a:solidFill>
+            <a:schemeClr val="tx2"/>
+          </a:solidFill>
+        </a:defRPr>
+      </a:lvl4pPr>
+      <a:lvl5pPr eaLnBrk="1" hangingPunct="1">
+        <a:defRPr>
+          <a:solidFill>
+            <a:schemeClr val="tx2"/>
+          </a:solidFill>
+        </a:defRPr>
+      </a:lvl5pPr>
+      <a:lvl6pPr eaLnBrk="1" hangingPunct="1">
+        <a:defRPr>
+          <a:solidFill>
+            <a:schemeClr val="tx2"/>
+          </a:solidFill>
+        </a:defRPr>
+      </a:lvl6pPr>
+      <a:lvl7pPr eaLnBrk="1" hangingPunct="1">
+        <a:defRPr>
+          <a:solidFill>
+            <a:schemeClr val="tx2"/>
+          </a:solidFill>
+        </a:defRPr>
+      </a:lvl7pPr>
+      <a:lvl8pPr eaLnBrk="1" hangingPunct="1">
+        <a:defRPr>
+          <a:solidFill>
+            <a:schemeClr val="tx2"/>
+          </a:solidFill>
+        </a:defRPr>
+      </a:lvl8pPr>
+      <a:lvl9pPr eaLnBrk="1" hangingPunct="1">
+        <a:defRPr>
+          <a:solidFill>
+            <a:schemeClr val="tx2"/>
+          </a:solidFill>
+        </a:defRPr>
+      </a:lvl9pPr>
     </p:titleStyle>
     <p:bodyStyle>
-      <a:lvl1pPr marL="228600" indent="-228600" algn="l" defTabSz="914400" rtl="0" eaLnBrk="1" latinLnBrk="0" hangingPunct="1">
-        <a:lnSpc>
-          <a:spcPct val="120000"/>
-        </a:lnSpc>
+      <a:lvl1pPr marL="342900" indent="-342900" algn="l" defTabSz="457200" rtl="0" eaLnBrk="1" latinLnBrk="0" hangingPunct="1">
         <a:spcBef>
           <a:spcPts val="1000"/>
         </a:spcBef>
+        <a:spcAft>
+          <a:spcPts val="0"/>
+        </a:spcAft>
         <a:buClr>
           <a:schemeClr val="accent1"/>
         </a:buClr>
-        <a:buSzPct val="160000"/>
-        <a:buFont typeface="Arial" panose="020B0604020202020204" pitchFamily="34" charset="0"/>
-        <a:buChar char="•"/>
-        <a:defRPr sz="2000" kern="1200" cap="all" baseline="0">
+        <a:buSzPct val="80000"/>
+        <a:buFont typeface="Wingdings 3" charset="2"/>
+        <a:buChar char=""/>
+        <a:defRPr sz="1800" kern="1200">
           <a:solidFill>
-            <a:schemeClr val="tx1"/>
+            <a:schemeClr val="tx1">
+              <a:lumMod val="75000"/>
+              <a:lumOff val="25000"/>
+            </a:schemeClr>
           </a:solidFill>
-          <a:effectLst/>
           <a:latin typeface="+mn-lt"/>
           <a:ea typeface="+mn-ea"/>
           <a:cs typeface="+mn-cs"/>
         </a:defRPr>
       </a:lvl1pPr>
-      <a:lvl2pPr marL="685800" indent="-228600" algn="l" defTabSz="914400" rtl="0" eaLnBrk="1" latinLnBrk="0" hangingPunct="1">
-        <a:lnSpc>
-          <a:spcPct val="120000"/>
-        </a:lnSpc>
+      <a:lvl2pPr marL="742950" indent="-285750" algn="l" defTabSz="457200" rtl="0" eaLnBrk="1" latinLnBrk="0" hangingPunct="1">
         <a:spcBef>
-          <a:spcPts val="500"/>
+          <a:spcPts val="1000"/>
         </a:spcBef>
+        <a:spcAft>
+          <a:spcPts val="0"/>
+        </a:spcAft>
         <a:buClr>
           <a:schemeClr val="accent1"/>
         </a:buClr>
-        <a:buSzPct val="160000"/>
-        <a:buFont typeface="Arial" panose="020B0604020202020204" pitchFamily="34" charset="0"/>
-        <a:buChar char="•"/>
-        <a:defRPr sz="1800" kern="1200" cap="all" baseline="0">
+        <a:buSzPct val="80000"/>
+        <a:buFont typeface="Wingdings 3" charset="2"/>
+        <a:buChar char=""/>
+        <a:defRPr sz="1600" kern="1200">
           <a:solidFill>
-            <a:schemeClr val="tx1"/>
+            <a:schemeClr val="tx1">
+              <a:lumMod val="75000"/>
+              <a:lumOff val="25000"/>
+            </a:schemeClr>
           </a:solidFill>
-          <a:effectLst/>
           <a:latin typeface="+mn-lt"/>
           <a:ea typeface="+mn-ea"/>
           <a:cs typeface="+mn-cs"/>
         </a:defRPr>
       </a:lvl2pPr>
-      <a:lvl3pPr marL="1143000" indent="-228600" algn="l" defTabSz="914400" rtl="0" eaLnBrk="1" latinLnBrk="0" hangingPunct="1">
-        <a:lnSpc>
-          <a:spcPct val="120000"/>
-        </a:lnSpc>
+      <a:lvl3pPr marL="1143000" indent="-228600" algn="l" defTabSz="457200" rtl="0" eaLnBrk="1" latinLnBrk="0" hangingPunct="1">
         <a:spcBef>
-          <a:spcPts val="500"/>
+          <a:spcPts val="1000"/>
         </a:spcBef>
+        <a:spcAft>
+          <a:spcPts val="0"/>
+        </a:spcAft>
         <a:buClr>
           <a:schemeClr val="accent1"/>
         </a:buClr>
-        <a:buSzPct val="160000"/>
-        <a:buFont typeface="Arial" panose="020B0604020202020204" pitchFamily="34" charset="0"/>
-        <a:buChar char="•"/>
-        <a:defRPr sz="1600" kern="1200" cap="all" baseline="0">
+        <a:buSzPct val="80000"/>
+        <a:buFont typeface="Wingdings 3" charset="2"/>
+        <a:buChar char=""/>
+        <a:defRPr sz="1400" kern="1200">
           <a:solidFill>
-            <a:schemeClr val="tx1"/>
+            <a:schemeClr val="tx1">
+              <a:lumMod val="75000"/>
+              <a:lumOff val="25000"/>
+            </a:schemeClr>
           </a:solidFill>
-          <a:effectLst/>
           <a:latin typeface="+mn-lt"/>
           <a:ea typeface="+mn-ea"/>
           <a:cs typeface="+mn-cs"/>
         </a:defRPr>
       </a:lvl3pPr>
-      <a:lvl4pPr marL="1600200" indent="-228600" algn="l" defTabSz="914400" rtl="0" eaLnBrk="1" latinLnBrk="0" hangingPunct="1">
-        <a:lnSpc>
-          <a:spcPct val="120000"/>
-        </a:lnSpc>
+      <a:lvl4pPr marL="1600200" indent="-228600" algn="l" defTabSz="457200" rtl="0" eaLnBrk="1" latinLnBrk="0" hangingPunct="1">
         <a:spcBef>
-          <a:spcPts val="500"/>
+          <a:spcPts val="1000"/>
         </a:spcBef>
+        <a:spcAft>
+          <a:spcPts val="0"/>
+        </a:spcAft>
         <a:buClr>
           <a:schemeClr val="accent1"/>
         </a:buClr>
-        <a:buSzPct val="160000"/>
-        <a:buFont typeface="Arial" panose="020B0604020202020204" pitchFamily="34" charset="0"/>
-        <a:buChar char="•"/>
-        <a:defRPr sz="1400" kern="1200" cap="all" baseline="0">
+        <a:buSzPct val="80000"/>
+        <a:buFont typeface="Wingdings 3" charset="2"/>
+        <a:buChar char=""/>
+        <a:defRPr sz="1200" kern="1200">
           <a:solidFill>
-            <a:schemeClr val="tx1"/>
+            <a:schemeClr val="tx1">
+              <a:lumMod val="75000"/>
+              <a:lumOff val="25000"/>
+            </a:schemeClr>
           </a:solidFill>
-          <a:effectLst/>
           <a:latin typeface="+mn-lt"/>
           <a:ea typeface="+mn-ea"/>
           <a:cs typeface="+mn-cs"/>
         </a:defRPr>
       </a:lvl4pPr>
-      <a:lvl5pPr marL="2057400" indent="-228600" algn="l" defTabSz="914400" rtl="0" eaLnBrk="1" latinLnBrk="0" hangingPunct="1">
-        <a:lnSpc>
-          <a:spcPct val="120000"/>
-        </a:lnSpc>
+      <a:lvl5pPr marL="2057400" indent="-228600" algn="l" defTabSz="457200" rtl="0" eaLnBrk="1" latinLnBrk="0" hangingPunct="1">
         <a:spcBef>
-          <a:spcPts val="500"/>
+          <a:spcPts val="1000"/>
         </a:spcBef>
+        <a:spcAft>
+          <a:spcPts val="0"/>
+        </a:spcAft>
         <a:buClr>
           <a:schemeClr val="accent1"/>
         </a:buClr>
-        <a:buSzPct val="160000"/>
-        <a:buFont typeface="Arial" panose="020B0604020202020204" pitchFamily="34" charset="0"/>
-        <a:buChar char="•"/>
-        <a:defRPr sz="1400" kern="1200" cap="all" baseline="0">
+        <a:buSzPct val="80000"/>
+        <a:buFont typeface="Wingdings 3" charset="2"/>
+        <a:buChar char=""/>
+        <a:defRPr sz="1200" kern="1200">
           <a:solidFill>
-            <a:schemeClr val="tx1"/>
+            <a:schemeClr val="tx1">
+              <a:lumMod val="75000"/>
+              <a:lumOff val="25000"/>
+            </a:schemeClr>
           </a:solidFill>
-          <a:effectLst/>
           <a:latin typeface="+mn-lt"/>
           <a:ea typeface="+mn-ea"/>
           <a:cs typeface="+mn-cs"/>
         </a:defRPr>
       </a:lvl5pPr>
-      <a:lvl6pPr marL="2514600" indent="-228600" algn="l" defTabSz="914400" rtl="0" eaLnBrk="1" latinLnBrk="0" hangingPunct="1">
-        <a:lnSpc>
-          <a:spcPct val="120000"/>
-        </a:lnSpc>
+      <a:lvl6pPr marL="2514600" indent="-228600" algn="l" defTabSz="457200" rtl="0" eaLnBrk="1" latinLnBrk="0" hangingPunct="1">
         <a:spcBef>
-          <a:spcPts val="500"/>
+          <a:spcPts val="1000"/>
         </a:spcBef>
+        <a:spcAft>
+          <a:spcPts val="0"/>
+        </a:spcAft>
         <a:buClr>
           <a:schemeClr val="accent1"/>
         </a:buClr>
-        <a:buSzPct val="160000"/>
-        <a:buFont typeface="Arial" panose="020B0604020202020204" pitchFamily="34" charset="0"/>
-        <a:buChar char="•"/>
-        <a:defRPr sz="1400" kern="1200" cap="all" baseline="0">
+        <a:buSzPct val="80000"/>
+        <a:buFont typeface="Wingdings 3" charset="2"/>
+        <a:buChar char=""/>
+        <a:defRPr sz="1200" kern="1200">
           <a:solidFill>
-            <a:schemeClr val="tx1"/>
+            <a:schemeClr val="tx1">
+              <a:lumMod val="75000"/>
+              <a:lumOff val="25000"/>
+            </a:schemeClr>
           </a:solidFill>
-          <a:effectLst/>
           <a:latin typeface="+mn-lt"/>
           <a:ea typeface="+mn-ea"/>
           <a:cs typeface="+mn-cs"/>
         </a:defRPr>
       </a:lvl6pPr>
-      <a:lvl7pPr marL="2971800" indent="-228600" algn="l" defTabSz="914400" rtl="0" eaLnBrk="1" latinLnBrk="0" hangingPunct="1">
-        <a:lnSpc>
-          <a:spcPct val="120000"/>
-        </a:lnSpc>
+      <a:lvl7pPr marL="2971800" indent="-228600" algn="l" defTabSz="457200" rtl="0" eaLnBrk="1" latinLnBrk="0" hangingPunct="1">
         <a:spcBef>
-          <a:spcPts val="500"/>
+          <a:spcPts val="1000"/>
         </a:spcBef>
+        <a:spcAft>
+          <a:spcPts val="0"/>
+        </a:spcAft>
         <a:buClr>
           <a:schemeClr val="accent1"/>
         </a:buClr>
-        <a:buSzPct val="160000"/>
-        <a:buFont typeface="Arial" panose="020B0604020202020204" pitchFamily="34" charset="0"/>
-        <a:buChar char="•"/>
-        <a:defRPr sz="1400" kern="1200" cap="all" baseline="0">
+        <a:buSzPct val="80000"/>
+        <a:buFont typeface="Wingdings 3" charset="2"/>
+        <a:buChar char=""/>
+        <a:defRPr sz="1200" kern="1200">
           <a:solidFill>
-            <a:schemeClr val="tx1"/>
+            <a:schemeClr val="tx1">
+              <a:lumMod val="75000"/>
+              <a:lumOff val="25000"/>
+            </a:schemeClr>
           </a:solidFill>
-          <a:effectLst/>
           <a:latin typeface="+mn-lt"/>
           <a:ea typeface="+mn-ea"/>
           <a:cs typeface="+mn-cs"/>
         </a:defRPr>
       </a:lvl7pPr>
-      <a:lvl8pPr marL="3429000" indent="-228600" algn="l" defTabSz="914400" rtl="0" eaLnBrk="1" latinLnBrk="0" hangingPunct="1">
-        <a:lnSpc>
-          <a:spcPct val="120000"/>
-        </a:lnSpc>
+      <a:lvl8pPr marL="3429000" indent="-228600" algn="l" defTabSz="457200" rtl="0" eaLnBrk="1" latinLnBrk="0" hangingPunct="1">
         <a:spcBef>
-          <a:spcPts val="500"/>
+          <a:spcPts val="1000"/>
         </a:spcBef>
+        <a:spcAft>
+          <a:spcPts val="0"/>
+        </a:spcAft>
         <a:buClr>
           <a:schemeClr val="accent1"/>
         </a:buClr>
-        <a:buSzPct val="160000"/>
-        <a:buFont typeface="Arial" panose="020B0604020202020204" pitchFamily="34" charset="0"/>
-        <a:buChar char="•"/>
-        <a:defRPr sz="1400" kern="1200" cap="all" baseline="0">
+        <a:buSzPct val="80000"/>
+        <a:buFont typeface="Wingdings 3" charset="2"/>
+        <a:buChar char=""/>
+        <a:defRPr sz="1200" kern="1200">
           <a:solidFill>
-            <a:schemeClr val="tx1"/>
+            <a:schemeClr val="tx1">
+              <a:lumMod val="75000"/>
+              <a:lumOff val="25000"/>
+            </a:schemeClr>
           </a:solidFill>
-          <a:effectLst/>
           <a:latin typeface="+mn-lt"/>
           <a:ea typeface="+mn-ea"/>
           <a:cs typeface="+mn-cs"/>
         </a:defRPr>
       </a:lvl8pPr>
-      <a:lvl9pPr marL="3886200" indent="-228600" algn="l" defTabSz="914400" rtl="0" eaLnBrk="1" latinLnBrk="0" hangingPunct="1">
-        <a:lnSpc>
-          <a:spcPct val="120000"/>
-        </a:lnSpc>
+      <a:lvl9pPr marL="3886200" indent="-228600" algn="l" defTabSz="457200" rtl="0" eaLnBrk="1" latinLnBrk="0" hangingPunct="1">
         <a:spcBef>
-          <a:spcPts val="500"/>
+          <a:spcPts val="1000"/>
         </a:spcBef>
+        <a:spcAft>
+          <a:spcPts val="0"/>
+        </a:spcAft>
         <a:buClr>
           <a:schemeClr val="accent1"/>
         </a:buClr>
-        <a:buSzPct val="160000"/>
-        <a:buFont typeface="Arial" panose="020B0604020202020204" pitchFamily="34" charset="0"/>
-        <a:buChar char="•"/>
-        <a:defRPr sz="1400" kern="1200" cap="all" baseline="0">
+        <a:buSzPct val="80000"/>
+        <a:buFont typeface="Wingdings 3" charset="2"/>
+        <a:buChar char=""/>
+        <a:defRPr sz="1200" kern="1200">
           <a:solidFill>
-            <a:schemeClr val="tx1"/>
+            <a:schemeClr val="tx1">
+              <a:lumMod val="75000"/>
+              <a:lumOff val="25000"/>
+            </a:schemeClr>
           </a:solidFill>
-          <a:effectLst/>
           <a:latin typeface="+mn-lt"/>
           <a:ea typeface="+mn-ea"/>
           <a:cs typeface="+mn-cs"/>
@@ -6030,7 +5728,7 @@
       <a:defPPr>
         <a:defRPr lang="en-US"/>
       </a:defPPr>
-      <a:lvl1pPr marL="0" algn="l" defTabSz="914400" rtl="0" eaLnBrk="1" latinLnBrk="0" hangingPunct="1">
+      <a:lvl1pPr marL="0" algn="l" defTabSz="457200" rtl="0" eaLnBrk="1" latinLnBrk="0" hangingPunct="1">
         <a:defRPr sz="1800" kern="1200">
           <a:solidFill>
             <a:schemeClr val="tx1"/>
@@ -6040,7 +5738,7 @@
           <a:cs typeface="+mn-cs"/>
         </a:defRPr>
       </a:lvl1pPr>
-      <a:lvl2pPr marL="457200" algn="l" defTabSz="914400" rtl="0" eaLnBrk="1" latinLnBrk="0" hangingPunct="1">
+      <a:lvl2pPr marL="457200" algn="l" defTabSz="457200" rtl="0" eaLnBrk="1" latinLnBrk="0" hangingPunct="1">
         <a:defRPr sz="1800" kern="1200">
           <a:solidFill>
             <a:schemeClr val="tx1"/>
@@ -6050,7 +5748,7 @@
           <a:cs typeface="+mn-cs"/>
         </a:defRPr>
       </a:lvl2pPr>
-      <a:lvl3pPr marL="914400" algn="l" defTabSz="914400" rtl="0" eaLnBrk="1" latinLnBrk="0" hangingPunct="1">
+      <a:lvl3pPr marL="914400" algn="l" defTabSz="457200" rtl="0" eaLnBrk="1" latinLnBrk="0" hangingPunct="1">
         <a:defRPr sz="1800" kern="1200">
           <a:solidFill>
             <a:schemeClr val="tx1"/>
@@ -6060,7 +5758,7 @@
           <a:cs typeface="+mn-cs"/>
         </a:defRPr>
       </a:lvl3pPr>
-      <a:lvl4pPr marL="1371600" algn="l" defTabSz="914400" rtl="0" eaLnBrk="1" latinLnBrk="0" hangingPunct="1">
+      <a:lvl4pPr marL="1371600" algn="l" defTabSz="457200" rtl="0" eaLnBrk="1" latinLnBrk="0" hangingPunct="1">
         <a:defRPr sz="1800" kern="1200">
           <a:solidFill>
             <a:schemeClr val="tx1"/>
@@ -6070,7 +5768,7 @@
           <a:cs typeface="+mn-cs"/>
         </a:defRPr>
       </a:lvl4pPr>
-      <a:lvl5pPr marL="1828800" algn="l" defTabSz="914400" rtl="0" eaLnBrk="1" latinLnBrk="0" hangingPunct="1">
+      <a:lvl5pPr marL="1828800" algn="l" defTabSz="457200" rtl="0" eaLnBrk="1" latinLnBrk="0" hangingPunct="1">
         <a:defRPr sz="1800" kern="1200">
           <a:solidFill>
             <a:schemeClr val="tx1"/>
@@ -6080,7 +5778,7 @@
           <a:cs typeface="+mn-cs"/>
         </a:defRPr>
       </a:lvl5pPr>
-      <a:lvl6pPr marL="2286000" algn="l" defTabSz="914400" rtl="0" eaLnBrk="1" latinLnBrk="0" hangingPunct="1">
+      <a:lvl6pPr marL="2286000" algn="l" defTabSz="457200" rtl="0" eaLnBrk="1" latinLnBrk="0" hangingPunct="1">
         <a:defRPr sz="1800" kern="1200">
           <a:solidFill>
             <a:schemeClr val="tx1"/>
@@ -6090,7 +5788,7 @@
           <a:cs typeface="+mn-cs"/>
         </a:defRPr>
       </a:lvl6pPr>
-      <a:lvl7pPr marL="2743200" algn="l" defTabSz="914400" rtl="0" eaLnBrk="1" latinLnBrk="0" hangingPunct="1">
+      <a:lvl7pPr marL="2743200" algn="l" defTabSz="457200" rtl="0" eaLnBrk="1" latinLnBrk="0" hangingPunct="1">
         <a:defRPr sz="1800" kern="1200">
           <a:solidFill>
             <a:schemeClr val="tx1"/>
@@ -6100,7 +5798,7 @@
           <a:cs typeface="+mn-cs"/>
         </a:defRPr>
       </a:lvl7pPr>
-      <a:lvl8pPr marL="3200400" algn="l" defTabSz="914400" rtl="0" eaLnBrk="1" latinLnBrk="0" hangingPunct="1">
+      <a:lvl8pPr marL="3200400" algn="l" defTabSz="457200" rtl="0" eaLnBrk="1" latinLnBrk="0" hangingPunct="1">
         <a:defRPr sz="1800" kern="1200">
           <a:solidFill>
             <a:schemeClr val="tx1"/>
@@ -6110,7 +5808,7 @@
           <a:cs typeface="+mn-cs"/>
         </a:defRPr>
       </a:lvl8pPr>
-      <a:lvl9pPr marL="3657600" algn="l" defTabSz="914400" rtl="0" eaLnBrk="1" latinLnBrk="0" hangingPunct="1">
+      <a:lvl9pPr marL="3657600" algn="l" defTabSz="457200" rtl="0" eaLnBrk="1" latinLnBrk="0" hangingPunct="1">
         <a:defRPr sz="1800" kern="1200">
           <a:solidFill>
             <a:schemeClr val="tx1"/>
@@ -6152,7 +5850,12 @@
             <p:ph type="ctrTitle"/>
           </p:nvPr>
         </p:nvSpPr>
-        <p:spPr/>
+        <p:spPr>
+          <a:xfrm>
+            <a:off x="1507067" y="1362543"/>
+            <a:ext cx="7766936" cy="1646302"/>
+          </a:xfrm>
+        </p:spPr>
         <p:txBody>
           <a:bodyPr/>
           <a:lstStyle/>
@@ -6175,7 +5878,12 @@
             <p:ph type="subTitle" idx="1"/>
           </p:nvPr>
         </p:nvSpPr>
-        <p:spPr/>
+        <p:spPr>
+          <a:xfrm>
+            <a:off x="1507067" y="3008845"/>
+            <a:ext cx="7766936" cy="1096899"/>
+          </a:xfrm>
+        </p:spPr>
         <p:txBody>
           <a:bodyPr/>
           <a:lstStyle/>
@@ -6194,10 +5902,415 @@
           </a:p>
         </p:txBody>
       </p:sp>
+      <p:pic>
+        <p:nvPicPr>
+          <p:cNvPr id="6" name="Picture 5"/>
+          <p:cNvPicPr>
+            <a:picLocks noChangeAspect="1"/>
+          </p:cNvPicPr>
+          <p:nvPr/>
+        </p:nvPicPr>
+        <p:blipFill>
+          <a:blip r:embed="rId2" cstate="print">
+            <a:extLst>
+              <a:ext uri="{28A0092B-C50C-407E-A947-70E740481C1C}">
+                <a14:useLocalDpi xmlns:a14="http://schemas.microsoft.com/office/drawing/2010/main" val="0"/>
+              </a:ext>
+            </a:extLst>
+          </a:blip>
+          <a:stretch>
+            <a:fillRect/>
+          </a:stretch>
+        </p:blipFill>
+        <p:spPr>
+          <a:xfrm>
+            <a:off x="7348870" y="4682166"/>
+            <a:ext cx="1359196" cy="1359196"/>
+          </a:xfrm>
+          <a:prstGeom prst="rect">
+            <a:avLst/>
+          </a:prstGeom>
+        </p:spPr>
+      </p:pic>
     </p:spTree>
     <p:extLst>
       <p:ext uri="{BB962C8B-B14F-4D97-AF65-F5344CB8AC3E}">
         <p14:creationId xmlns:p14="http://schemas.microsoft.com/office/powerpoint/2010/main" val="1710585347"/>
+      </p:ext>
+    </p:extLst>
+  </p:cSld>
+  <p:clrMapOvr>
+    <a:masterClrMapping/>
+  </p:clrMapOvr>
+</p:sld>
+</file>
+
+<file path=ppt/slides/slide10.xml><?xml version="1.0" encoding="utf-8"?>
+<p:sld xmlns:a="http://schemas.openxmlformats.org/drawingml/2006/main" xmlns:r="http://schemas.openxmlformats.org/officeDocument/2006/relationships" xmlns:p="http://schemas.openxmlformats.org/presentationml/2006/main">
+  <p:cSld>
+    <p:spTree>
+      <p:nvGrpSpPr>
+        <p:cNvPr id="1" name=""/>
+        <p:cNvGrpSpPr/>
+        <p:nvPr/>
+      </p:nvGrpSpPr>
+      <p:grpSpPr>
+        <a:xfrm>
+          <a:off x="0" y="0"/>
+          <a:ext cx="0" cy="0"/>
+          <a:chOff x="0" y="0"/>
+          <a:chExt cx="0" cy="0"/>
+        </a:xfrm>
+      </p:grpSpPr>
+      <p:sp>
+        <p:nvSpPr>
+          <p:cNvPr id="2" name="Title 1"/>
+          <p:cNvSpPr>
+            <a:spLocks noGrp="1"/>
+          </p:cNvSpPr>
+          <p:nvPr>
+            <p:ph type="title"/>
+          </p:nvPr>
+        </p:nvSpPr>
+        <p:spPr/>
+        <p:txBody>
+          <a:bodyPr/>
+          <a:lstStyle/>
+          <a:p>
+            <a:r>
+              <a:rPr lang="es-CR" dirty="0" err="1"/>
+              <a:t>Template</a:t>
+            </a:r>
+            <a:r>
+              <a:rPr lang="es-CR" dirty="0"/>
+              <a:t> </a:t>
+            </a:r>
+            <a:r>
+              <a:rPr lang="es-CR" dirty="0" err="1"/>
+              <a:t>listerals</a:t>
+            </a:r>
+            <a:endParaRPr lang="en-US" dirty="0"/>
+          </a:p>
+        </p:txBody>
+      </p:sp>
+      <p:sp>
+        <p:nvSpPr>
+          <p:cNvPr id="3" name="Content Placeholder 2"/>
+          <p:cNvSpPr>
+            <a:spLocks noGrp="1"/>
+          </p:cNvSpPr>
+          <p:nvPr>
+            <p:ph idx="1"/>
+          </p:nvPr>
+        </p:nvSpPr>
+        <p:spPr/>
+        <p:txBody>
+          <a:bodyPr/>
+          <a:lstStyle/>
+          <a:p>
+            <a:r>
+              <a:rPr lang="es-CR" dirty="0" err="1"/>
+              <a:t>Intuitive</a:t>
+            </a:r>
+            <a:r>
+              <a:rPr lang="es-CR" dirty="0"/>
+              <a:t> </a:t>
+            </a:r>
+            <a:r>
+              <a:rPr lang="es-CR" dirty="0" err="1"/>
+              <a:t>expression</a:t>
+            </a:r>
+            <a:r>
+              <a:rPr lang="es-CR" dirty="0"/>
+              <a:t> </a:t>
+            </a:r>
+            <a:r>
+              <a:rPr lang="es-CR" dirty="0" err="1"/>
+              <a:t>interpolation</a:t>
+            </a:r>
+            <a:r>
+              <a:rPr lang="es-CR" dirty="0"/>
+              <a:t> </a:t>
+            </a:r>
+            <a:r>
+              <a:rPr lang="es-CR" dirty="0" err="1"/>
+              <a:t>for</a:t>
+            </a:r>
+            <a:r>
+              <a:rPr lang="es-CR" dirty="0"/>
+              <a:t> single-line and </a:t>
+            </a:r>
+            <a:r>
+              <a:rPr lang="es-CR" dirty="0" err="1"/>
+              <a:t>multi</a:t>
+            </a:r>
+            <a:r>
+              <a:rPr lang="es-CR" dirty="0"/>
+              <a:t>-line </a:t>
+            </a:r>
+            <a:r>
+              <a:rPr lang="es-CR" dirty="0" err="1"/>
+              <a:t>strings</a:t>
+            </a:r>
+            <a:endParaRPr lang="en-US" dirty="0"/>
+          </a:p>
+        </p:txBody>
+      </p:sp>
+      <p:pic>
+        <p:nvPicPr>
+          <p:cNvPr id="4" name="Picture 3"/>
+          <p:cNvPicPr>
+            <a:picLocks noChangeAspect="1"/>
+          </p:cNvPicPr>
+          <p:nvPr/>
+        </p:nvPicPr>
+        <p:blipFill>
+          <a:blip r:embed="rId2" cstate="print">
+            <a:extLst>
+              <a:ext uri="{28A0092B-C50C-407E-A947-70E740481C1C}">
+                <a14:useLocalDpi xmlns:a14="http://schemas.microsoft.com/office/drawing/2010/main" val="0"/>
+              </a:ext>
+            </a:extLst>
+          </a:blip>
+          <a:stretch>
+            <a:fillRect/>
+          </a:stretch>
+        </p:blipFill>
+        <p:spPr>
+          <a:xfrm>
+            <a:off x="7348870" y="4682166"/>
+            <a:ext cx="1359196" cy="1359196"/>
+          </a:xfrm>
+          <a:prstGeom prst="rect">
+            <a:avLst/>
+          </a:prstGeom>
+        </p:spPr>
+      </p:pic>
+    </p:spTree>
+    <p:extLst>
+      <p:ext uri="{BB962C8B-B14F-4D97-AF65-F5344CB8AC3E}">
+        <p14:creationId xmlns:p14="http://schemas.microsoft.com/office/powerpoint/2010/main" val="219883151"/>
+      </p:ext>
+    </p:extLst>
+  </p:cSld>
+  <p:clrMapOvr>
+    <a:masterClrMapping/>
+  </p:clrMapOvr>
+</p:sld>
+</file>
+
+<file path=ppt/slides/slide11.xml><?xml version="1.0" encoding="utf-8"?>
+<p:sld xmlns:a="http://schemas.openxmlformats.org/drawingml/2006/main" xmlns:r="http://schemas.openxmlformats.org/officeDocument/2006/relationships" xmlns:p="http://schemas.openxmlformats.org/presentationml/2006/main">
+  <p:cSld>
+    <p:spTree>
+      <p:nvGrpSpPr>
+        <p:cNvPr id="1" name=""/>
+        <p:cNvGrpSpPr/>
+        <p:nvPr/>
+      </p:nvGrpSpPr>
+      <p:grpSpPr>
+        <a:xfrm>
+          <a:off x="0" y="0"/>
+          <a:ext cx="0" cy="0"/>
+          <a:chOff x="0" y="0"/>
+          <a:chExt cx="0" cy="0"/>
+        </a:xfrm>
+      </p:grpSpPr>
+      <p:sp>
+        <p:nvSpPr>
+          <p:cNvPr id="2" name="Title 1"/>
+          <p:cNvSpPr>
+            <a:spLocks noGrp="1"/>
+          </p:cNvSpPr>
+          <p:nvPr>
+            <p:ph type="title"/>
+          </p:nvPr>
+        </p:nvSpPr>
+        <p:spPr/>
+        <p:txBody>
+          <a:bodyPr/>
+          <a:lstStyle/>
+          <a:p>
+            <a:r>
+              <a:rPr lang="es-CR" dirty="0" err="1"/>
+              <a:t>Value</a:t>
+            </a:r>
+            <a:r>
+              <a:rPr lang="es-CR" dirty="0"/>
+              <a:t> </a:t>
+            </a:r>
+            <a:r>
+              <a:rPr lang="es-CR" dirty="0" err="1"/>
+              <a:t>export</a:t>
+            </a:r>
+            <a:r>
+              <a:rPr lang="es-CR" dirty="0"/>
+              <a:t>/</a:t>
+            </a:r>
+            <a:r>
+              <a:rPr lang="es-CR" dirty="0" err="1"/>
+              <a:t>import</a:t>
+            </a:r>
+            <a:endParaRPr lang="en-US" dirty="0"/>
+          </a:p>
+        </p:txBody>
+      </p:sp>
+      <p:sp>
+        <p:nvSpPr>
+          <p:cNvPr id="3" name="Content Placeholder 2"/>
+          <p:cNvSpPr>
+            <a:spLocks noGrp="1"/>
+          </p:cNvSpPr>
+          <p:nvPr>
+            <p:ph idx="1"/>
+          </p:nvPr>
+        </p:nvSpPr>
+        <p:spPr/>
+        <p:txBody>
+          <a:bodyPr/>
+          <a:lstStyle/>
+          <a:p>
+            <a:r>
+              <a:rPr lang="en-US" dirty="0"/>
+              <a:t>Language-level support for modules for component definition. Codifies patterns from popular JavaScript module loaders (AMD, </a:t>
+            </a:r>
+            <a:r>
+              <a:rPr lang="en-US" dirty="0" err="1"/>
+              <a:t>CommonJS</a:t>
+            </a:r>
+            <a:r>
+              <a:rPr lang="en-US" dirty="0"/>
+              <a:t>). Runtime </a:t>
+            </a:r>
+            <a:r>
+              <a:rPr lang="en-US" dirty="0" err="1"/>
+              <a:t>behaviour</a:t>
+            </a:r>
+            <a:r>
+              <a:rPr lang="en-US" dirty="0"/>
+              <a:t> defined by a host-defined default loader. Implicitly </a:t>
+            </a:r>
+            <a:r>
+              <a:rPr lang="en-US" dirty="0" err="1"/>
+              <a:t>async</a:t>
+            </a:r>
+            <a:r>
+              <a:rPr lang="en-US" dirty="0"/>
+              <a:t> model – no code executes until requested modules are available and processed.</a:t>
+            </a:r>
+          </a:p>
+        </p:txBody>
+      </p:sp>
+      <p:pic>
+        <p:nvPicPr>
+          <p:cNvPr id="4" name="Picture 3"/>
+          <p:cNvPicPr>
+            <a:picLocks noChangeAspect="1"/>
+          </p:cNvPicPr>
+          <p:nvPr/>
+        </p:nvPicPr>
+        <p:blipFill>
+          <a:blip r:embed="rId2" cstate="print">
+            <a:extLst>
+              <a:ext uri="{28A0092B-C50C-407E-A947-70E740481C1C}">
+                <a14:useLocalDpi xmlns:a14="http://schemas.microsoft.com/office/drawing/2010/main" val="0"/>
+              </a:ext>
+            </a:extLst>
+          </a:blip>
+          <a:stretch>
+            <a:fillRect/>
+          </a:stretch>
+        </p:blipFill>
+        <p:spPr>
+          <a:xfrm>
+            <a:off x="7348870" y="4682166"/>
+            <a:ext cx="1359196" cy="1359196"/>
+          </a:xfrm>
+          <a:prstGeom prst="rect">
+            <a:avLst/>
+          </a:prstGeom>
+        </p:spPr>
+      </p:pic>
+    </p:spTree>
+    <p:extLst>
+      <p:ext uri="{BB962C8B-B14F-4D97-AF65-F5344CB8AC3E}">
+        <p14:creationId xmlns:p14="http://schemas.microsoft.com/office/powerpoint/2010/main" val="2847000081"/>
+      </p:ext>
+    </p:extLst>
+  </p:cSld>
+  <p:clrMapOvr>
+    <a:masterClrMapping/>
+  </p:clrMapOvr>
+</p:sld>
+</file>
+
+<file path=ppt/slides/slide12.xml><?xml version="1.0" encoding="utf-8"?>
+<p:sld xmlns:a="http://schemas.openxmlformats.org/drawingml/2006/main" xmlns:r="http://schemas.openxmlformats.org/officeDocument/2006/relationships" xmlns:p="http://schemas.openxmlformats.org/presentationml/2006/main">
+  <p:cSld>
+    <p:spTree>
+      <p:nvGrpSpPr>
+        <p:cNvPr id="1" name=""/>
+        <p:cNvGrpSpPr/>
+        <p:nvPr/>
+      </p:nvGrpSpPr>
+      <p:grpSpPr>
+        <a:xfrm>
+          <a:off x="0" y="0"/>
+          <a:ext cx="0" cy="0"/>
+          <a:chOff x="0" y="0"/>
+          <a:chExt cx="0" cy="0"/>
+        </a:xfrm>
+      </p:grpSpPr>
+      <p:sp>
+        <p:nvSpPr>
+          <p:cNvPr id="2" name="Title 1"/>
+          <p:cNvSpPr>
+            <a:spLocks noGrp="1"/>
+          </p:cNvSpPr>
+          <p:nvPr>
+            <p:ph type="ctrTitle"/>
+          </p:nvPr>
+        </p:nvSpPr>
+        <p:spPr/>
+        <p:txBody>
+          <a:bodyPr/>
+          <a:lstStyle/>
+          <a:p>
+            <a:r>
+              <a:rPr lang="es-CR" dirty="0" err="1"/>
+              <a:t>Thanks</a:t>
+            </a:r>
+            <a:r>
+              <a:rPr lang="es-CR" dirty="0"/>
+              <a:t>!</a:t>
+            </a:r>
+            <a:endParaRPr lang="en-US" dirty="0"/>
+          </a:p>
+        </p:txBody>
+      </p:sp>
+      <p:sp>
+        <p:nvSpPr>
+          <p:cNvPr id="3" name="Subtitle 2"/>
+          <p:cNvSpPr>
+            <a:spLocks noGrp="1"/>
+          </p:cNvSpPr>
+          <p:nvPr>
+            <p:ph type="subTitle" idx="1"/>
+          </p:nvPr>
+        </p:nvSpPr>
+        <p:spPr/>
+        <p:txBody>
+          <a:bodyPr/>
+          <a:lstStyle/>
+          <a:p>
+            <a:endParaRPr lang="en-US" dirty="0"/>
+          </a:p>
+        </p:txBody>
+      </p:sp>
+    </p:spTree>
+    <p:extLst>
+      <p:ext uri="{BB962C8B-B14F-4D97-AF65-F5344CB8AC3E}">
+        <p14:creationId xmlns:p14="http://schemas.microsoft.com/office/powerpoint/2010/main" val="4000367892"/>
       </p:ext>
     </p:extLst>
   </p:cSld>
@@ -6241,6 +6354,40 @@
           <a:p>
             <a:r>
               <a:rPr lang="es-CR" dirty="0" err="1"/>
+              <a:t>Advantages</a:t>
+            </a:r>
+            <a:endParaRPr lang="en-US" dirty="0"/>
+          </a:p>
+        </p:txBody>
+      </p:sp>
+      <p:sp>
+        <p:nvSpPr>
+          <p:cNvPr id="3" name="Content Placeholder 2"/>
+          <p:cNvSpPr>
+            <a:spLocks noGrp="1"/>
+          </p:cNvSpPr>
+          <p:nvPr>
+            <p:ph idx="1"/>
+          </p:nvPr>
+        </p:nvSpPr>
+        <p:spPr/>
+        <p:txBody>
+          <a:bodyPr/>
+          <a:lstStyle/>
+          <a:p>
+            <a:r>
+              <a:rPr lang="es-CR" dirty="0"/>
+              <a:t>New </a:t>
+            </a:r>
+            <a:r>
+              <a:rPr lang="es-CR" dirty="0" err="1"/>
+              <a:t>syntax</a:t>
+            </a:r>
+            <a:endParaRPr lang="es-CR" dirty="0"/>
+          </a:p>
+          <a:p>
+            <a:r>
+              <a:rPr lang="es-CR" dirty="0" err="1"/>
               <a:t>Arrow</a:t>
             </a:r>
             <a:r>
@@ -6249,47 +6396,138 @@
             </a:r>
             <a:r>
               <a:rPr lang="es-CR" dirty="0" err="1"/>
-              <a:t>functions</a:t>
+              <a:t>Functions</a:t>
+            </a:r>
+            <a:endParaRPr lang="es-CR" dirty="0"/>
+          </a:p>
+          <a:p>
+            <a:pPr lvl="1"/>
+            <a:r>
+              <a:rPr lang="es-CR" dirty="0"/>
+              <a:t>Share </a:t>
+            </a:r>
+            <a:r>
+              <a:rPr lang="es-CR" dirty="0" err="1"/>
+              <a:t>the</a:t>
+            </a:r>
+            <a:r>
+              <a:rPr lang="es-CR" dirty="0"/>
+              <a:t> </a:t>
+            </a:r>
+            <a:r>
+              <a:rPr lang="es-CR" dirty="0" err="1"/>
+              <a:t>same</a:t>
+            </a:r>
+            <a:r>
+              <a:rPr lang="es-CR" dirty="0"/>
+              <a:t> Lexical </a:t>
+            </a:r>
+            <a:r>
+              <a:rPr lang="es-CR" dirty="0" err="1"/>
+              <a:t>this</a:t>
+            </a:r>
+            <a:endParaRPr lang="es-CR" dirty="0"/>
+          </a:p>
+          <a:p>
+            <a:r>
+              <a:rPr lang="es-CR" dirty="0" err="1"/>
+              <a:t>Classes</a:t>
+            </a:r>
+            <a:r>
+              <a:rPr lang="es-CR" dirty="0"/>
+              <a:t> – OOP </a:t>
+            </a:r>
+            <a:r>
+              <a:rPr lang="es-CR" dirty="0" err="1"/>
+              <a:t>style</a:t>
+            </a:r>
+            <a:endParaRPr lang="es-CR" dirty="0"/>
+          </a:p>
+          <a:p>
+            <a:r>
+              <a:rPr lang="es-CR" dirty="0"/>
+              <a:t>Modules</a:t>
+            </a:r>
+          </a:p>
+          <a:p>
+            <a:r>
+              <a:rPr lang="es-CR" dirty="0"/>
+              <a:t>Block </a:t>
+            </a:r>
+            <a:r>
+              <a:rPr lang="es-CR" dirty="0" err="1"/>
+              <a:t>scoping</a:t>
+            </a:r>
+            <a:endParaRPr lang="es-CR" dirty="0"/>
+          </a:p>
+          <a:p>
+            <a:pPr lvl="1"/>
+            <a:r>
+              <a:rPr lang="es-CR" dirty="0" err="1"/>
+              <a:t>Using</a:t>
+            </a:r>
+            <a:r>
+              <a:rPr lang="es-CR" dirty="0"/>
+              <a:t> </a:t>
+            </a:r>
+            <a:r>
+              <a:rPr lang="es-CR" dirty="0" err="1"/>
+              <a:t>the</a:t>
+            </a:r>
+            <a:r>
+              <a:rPr lang="es-CR" dirty="0"/>
+              <a:t> </a:t>
+            </a:r>
+            <a:r>
+              <a:rPr lang="es-CR" dirty="0" err="1"/>
+              <a:t>let</a:t>
+            </a:r>
+            <a:r>
+              <a:rPr lang="es-CR" dirty="0"/>
+              <a:t> </a:t>
+            </a:r>
+            <a:r>
+              <a:rPr lang="es-CR" dirty="0" err="1"/>
+              <a:t>keyword</a:t>
             </a:r>
             <a:endParaRPr lang="en-US" dirty="0"/>
           </a:p>
         </p:txBody>
       </p:sp>
-      <p:sp>
-        <p:nvSpPr>
-          <p:cNvPr id="3" name="Content Placeholder 2"/>
-          <p:cNvSpPr>
-            <a:spLocks noGrp="1"/>
-          </p:cNvSpPr>
-          <p:nvPr>
-            <p:ph sz="quarter" idx="13"/>
-          </p:nvPr>
-        </p:nvSpPr>
-        <p:spPr/>
-        <p:txBody>
-          <a:bodyPr/>
-          <a:lstStyle/>
-          <a:p>
-            <a:r>
-              <a:rPr lang="en-US" dirty="0"/>
-              <a:t>Arrows are a function shorthand using the =&gt; syntax. </a:t>
-            </a:r>
-            <a:r>
-              <a:rPr lang="en-US" dirty="0" smtClean="0"/>
-              <a:t>They </a:t>
-            </a:r>
-            <a:r>
-              <a:rPr lang="en-US" dirty="0"/>
-              <a:t>support both statement block bodies as well as expression bodies which return the value of the expression. Unlike functions, arrows share the same lexical this as their surrounding code.</a:t>
-            </a:r>
-            <a:endParaRPr lang="en-US" dirty="0"/>
-          </a:p>
-        </p:txBody>
-      </p:sp>
+      <p:pic>
+        <p:nvPicPr>
+          <p:cNvPr id="5" name="Picture 4"/>
+          <p:cNvPicPr>
+            <a:picLocks noChangeAspect="1"/>
+          </p:cNvPicPr>
+          <p:nvPr/>
+        </p:nvPicPr>
+        <p:blipFill>
+          <a:blip r:embed="rId2" cstate="print">
+            <a:extLst>
+              <a:ext uri="{28A0092B-C50C-407E-A947-70E740481C1C}">
+                <a14:useLocalDpi xmlns:a14="http://schemas.microsoft.com/office/drawing/2010/main" val="0"/>
+              </a:ext>
+            </a:extLst>
+          </a:blip>
+          <a:stretch>
+            <a:fillRect/>
+          </a:stretch>
+        </p:blipFill>
+        <p:spPr>
+          <a:xfrm>
+            <a:off x="7348870" y="4682166"/>
+            <a:ext cx="1359196" cy="1359196"/>
+          </a:xfrm>
+          <a:prstGeom prst="rect">
+            <a:avLst/>
+          </a:prstGeom>
+        </p:spPr>
+      </p:pic>
     </p:spTree>
     <p:extLst>
       <p:ext uri="{BB962C8B-B14F-4D97-AF65-F5344CB8AC3E}">
-        <p14:creationId xmlns:p14="http://schemas.microsoft.com/office/powerpoint/2010/main" val="4213370928"/>
+        <p14:creationId xmlns:p14="http://schemas.microsoft.com/office/powerpoint/2010/main" val="1126205284"/>
       </p:ext>
     </p:extLst>
   </p:cSld>
@@ -6333,7 +6571,35 @@
           <a:p>
             <a:r>
               <a:rPr lang="es-CR" dirty="0" err="1"/>
-              <a:t>Classes</a:t>
+              <a:t>Should</a:t>
+            </a:r>
+            <a:r>
+              <a:rPr lang="es-CR" dirty="0"/>
+              <a:t> I use ES6 </a:t>
+            </a:r>
+            <a:r>
+              <a:rPr lang="es-CR" dirty="0" err="1"/>
+              <a:t>now</a:t>
+            </a:r>
+            <a:r>
+              <a:rPr lang="es-CR" dirty="0"/>
+              <a:t> </a:t>
+            </a:r>
+            <a:r>
+              <a:rPr lang="es-CR" dirty="0" err="1"/>
+              <a:t>or</a:t>
+            </a:r>
+            <a:r>
+              <a:rPr lang="es-CR" dirty="0"/>
+              <a:t> </a:t>
+            </a:r>
+            <a:r>
+              <a:rPr lang="es-CR" dirty="0" err="1"/>
+              <a:t>wait</a:t>
+            </a:r>
+            <a:r>
+              <a:rPr lang="es-CR" dirty="0"/>
+              <a:t>?</a:t>
             </a:r>
             <a:endParaRPr lang="en-US" dirty="0"/>
           </a:p>
@@ -6346,7 +6612,7 @@
             <a:spLocks noGrp="1"/>
           </p:cNvSpPr>
           <p:nvPr>
-            <p:ph sz="quarter" idx="13"/>
+            <p:ph idx="1"/>
           </p:nvPr>
         </p:nvSpPr>
         <p:spPr/>
@@ -6355,31 +6621,577 @@
           <a:lstStyle/>
           <a:p>
             <a:r>
-              <a:rPr lang="en-US" dirty="0"/>
-              <a:t>ES6 classes are a simple sugar over the prototype-based OO pattern. </a:t>
-            </a:r>
-            <a:r>
-              <a:rPr lang="en-US" dirty="0" smtClean="0"/>
-              <a:t>Classes </a:t>
-            </a:r>
-            <a:r>
-              <a:rPr lang="en-US" dirty="0"/>
-              <a:t>support prototype-based inheritance, super calls, instance and static methods and constructors.</a:t>
-            </a:r>
+              <a:rPr lang="es-CR" dirty="0" err="1"/>
+              <a:t>It</a:t>
+            </a:r>
+            <a:r>
+              <a:rPr lang="es-CR" dirty="0"/>
+              <a:t> </a:t>
+            </a:r>
+            <a:r>
+              <a:rPr lang="es-CR" dirty="0" err="1"/>
+              <a:t>depends</a:t>
+            </a:r>
+            <a:r>
+              <a:rPr lang="es-CR" dirty="0"/>
+              <a:t> </a:t>
+            </a:r>
+            <a:r>
+              <a:rPr lang="es-CR" dirty="0" err="1"/>
+              <a:t>on</a:t>
+            </a:r>
+            <a:r>
+              <a:rPr lang="es-CR" dirty="0"/>
+              <a:t>:</a:t>
+            </a:r>
+          </a:p>
+          <a:p>
+            <a:pPr lvl="1"/>
+            <a:r>
+              <a:rPr lang="es-CR" dirty="0" err="1"/>
+              <a:t>Where</a:t>
+            </a:r>
+            <a:r>
+              <a:rPr lang="es-CR" dirty="0"/>
+              <a:t> </a:t>
+            </a:r>
+            <a:r>
+              <a:rPr lang="es-CR" dirty="0" err="1"/>
+              <a:t>will</a:t>
+            </a:r>
+            <a:r>
+              <a:rPr lang="es-CR" dirty="0"/>
+              <a:t> </a:t>
+            </a:r>
+            <a:r>
+              <a:rPr lang="es-CR" dirty="0" err="1"/>
+              <a:t>your</a:t>
+            </a:r>
+            <a:r>
+              <a:rPr lang="es-CR" dirty="0"/>
+              <a:t> app be </a:t>
+            </a:r>
+            <a:r>
+              <a:rPr lang="es-CR" dirty="0" err="1"/>
+              <a:t>deployed</a:t>
+            </a:r>
+            <a:r>
+              <a:rPr lang="es-CR" dirty="0"/>
+              <a:t>?</a:t>
+            </a:r>
+          </a:p>
+          <a:p>
+            <a:pPr lvl="1"/>
+            <a:r>
+              <a:rPr lang="es-CR" dirty="0" err="1"/>
+              <a:t>What</a:t>
+            </a:r>
+            <a:r>
+              <a:rPr lang="es-CR" dirty="0"/>
+              <a:t> browsers </a:t>
+            </a:r>
+            <a:r>
+              <a:rPr lang="es-CR" dirty="0" err="1"/>
+              <a:t>have</a:t>
+            </a:r>
+            <a:r>
+              <a:rPr lang="es-CR" dirty="0"/>
+              <a:t> to be </a:t>
+            </a:r>
+            <a:r>
+              <a:rPr lang="es-CR" dirty="0" err="1"/>
+              <a:t>supported</a:t>
+            </a:r>
+            <a:r>
+              <a:rPr lang="es-CR" dirty="0"/>
+              <a:t>?</a:t>
+            </a:r>
+          </a:p>
+          <a:p>
+            <a:pPr lvl="1"/>
+            <a:r>
+              <a:rPr lang="es-CR" dirty="0"/>
+              <a:t>Are </a:t>
+            </a:r>
+            <a:r>
+              <a:rPr lang="es-CR" dirty="0" err="1"/>
+              <a:t>you</a:t>
+            </a:r>
+            <a:r>
+              <a:rPr lang="es-CR" dirty="0"/>
+              <a:t> </a:t>
+            </a:r>
+            <a:r>
+              <a:rPr lang="es-CR" dirty="0" err="1"/>
+              <a:t>updating</a:t>
+            </a:r>
+            <a:r>
+              <a:rPr lang="es-CR" dirty="0"/>
+              <a:t> </a:t>
+            </a:r>
+            <a:r>
+              <a:rPr lang="es-CR" dirty="0" err="1"/>
+              <a:t>an</a:t>
+            </a:r>
+            <a:r>
+              <a:rPr lang="es-CR" dirty="0"/>
+              <a:t> </a:t>
+            </a:r>
+            <a:r>
+              <a:rPr lang="es-CR" dirty="0" err="1"/>
+              <a:t>existing</a:t>
+            </a:r>
+            <a:r>
+              <a:rPr lang="es-CR" dirty="0"/>
+              <a:t> app </a:t>
+            </a:r>
+            <a:r>
+              <a:rPr lang="es-CR" dirty="0" err="1"/>
+              <a:t>or</a:t>
+            </a:r>
+            <a:r>
+              <a:rPr lang="es-CR" dirty="0"/>
+              <a:t> </a:t>
+            </a:r>
+            <a:r>
+              <a:rPr lang="es-CR" dirty="0" err="1"/>
+              <a:t>starting</a:t>
+            </a:r>
+            <a:r>
+              <a:rPr lang="es-CR" dirty="0"/>
+              <a:t> a new </a:t>
+            </a:r>
+            <a:r>
+              <a:rPr lang="es-CR" dirty="0" err="1"/>
+              <a:t>one</a:t>
+            </a:r>
+            <a:r>
+              <a:rPr lang="es-CR" dirty="0"/>
+              <a:t>?</a:t>
+            </a:r>
+          </a:p>
+          <a:p>
+            <a:pPr lvl="1"/>
             <a:endParaRPr lang="es-CR" dirty="0"/>
           </a:p>
-        </p:txBody>
-      </p:sp>
+          <a:p>
+            <a:pPr lvl="1"/>
+            <a:endParaRPr lang="es-CR" dirty="0"/>
+          </a:p>
+          <a:p>
+            <a:pPr lvl="1"/>
+            <a:r>
+              <a:rPr lang="es-CR" dirty="0">
+                <a:hlinkClick r:id="rId2"/>
+              </a:rPr>
+              <a:t>*More </a:t>
+            </a:r>
+            <a:r>
+              <a:rPr lang="es-CR" dirty="0" err="1">
+                <a:hlinkClick r:id="rId2"/>
+              </a:rPr>
+              <a:t>info</a:t>
+            </a:r>
+            <a:endParaRPr lang="en-US" dirty="0"/>
+          </a:p>
+        </p:txBody>
+      </p:sp>
+      <p:pic>
+        <p:nvPicPr>
+          <p:cNvPr id="4" name="Picture 3"/>
+          <p:cNvPicPr>
+            <a:picLocks noChangeAspect="1"/>
+          </p:cNvPicPr>
+          <p:nvPr/>
+        </p:nvPicPr>
+        <p:blipFill>
+          <a:blip r:embed="rId3" cstate="print">
+            <a:extLst>
+              <a:ext uri="{28A0092B-C50C-407E-A947-70E740481C1C}">
+                <a14:useLocalDpi xmlns:a14="http://schemas.microsoft.com/office/drawing/2010/main" val="0"/>
+              </a:ext>
+            </a:extLst>
+          </a:blip>
+          <a:stretch>
+            <a:fillRect/>
+          </a:stretch>
+        </p:blipFill>
+        <p:spPr>
+          <a:xfrm>
+            <a:off x="7035652" y="297712"/>
+            <a:ext cx="1617084" cy="1085702"/>
+          </a:xfrm>
+          <a:prstGeom prst="rect">
+            <a:avLst/>
+          </a:prstGeom>
+        </p:spPr>
+      </p:pic>
+      <p:pic>
+        <p:nvPicPr>
+          <p:cNvPr id="5" name="Picture 4"/>
+          <p:cNvPicPr>
+            <a:picLocks noChangeAspect="1"/>
+          </p:cNvPicPr>
+          <p:nvPr/>
+        </p:nvPicPr>
+        <p:blipFill>
+          <a:blip r:embed="rId4" cstate="print">
+            <a:extLst>
+              <a:ext uri="{28A0092B-C50C-407E-A947-70E740481C1C}">
+                <a14:useLocalDpi xmlns:a14="http://schemas.microsoft.com/office/drawing/2010/main" val="0"/>
+              </a:ext>
+            </a:extLst>
+          </a:blip>
+          <a:stretch>
+            <a:fillRect/>
+          </a:stretch>
+        </p:blipFill>
+        <p:spPr>
+          <a:xfrm>
+            <a:off x="7348870" y="4682166"/>
+            <a:ext cx="1359196" cy="1359196"/>
+          </a:xfrm>
+          <a:prstGeom prst="rect">
+            <a:avLst/>
+          </a:prstGeom>
+        </p:spPr>
+      </p:pic>
     </p:spTree>
     <p:extLst>
       <p:ext uri="{BB962C8B-B14F-4D97-AF65-F5344CB8AC3E}">
-        <p14:creationId xmlns:p14="http://schemas.microsoft.com/office/powerpoint/2010/main" val="4233196279"/>
+        <p14:creationId xmlns:p14="http://schemas.microsoft.com/office/powerpoint/2010/main" val="1975127803"/>
       </p:ext>
     </p:extLst>
   </p:cSld>
   <p:clrMapOvr>
     <a:masterClrMapping/>
   </p:clrMapOvr>
+  <p:timing>
+    <p:tnLst>
+      <p:par>
+        <p:cTn id="1" dur="indefinite" restart="never" nodeType="tmRoot">
+          <p:childTnLst>
+            <p:seq concurrent="1" nextAc="seek">
+              <p:cTn id="2" dur="indefinite" nodeType="mainSeq">
+                <p:childTnLst>
+                  <p:par>
+                    <p:cTn id="3" fill="hold">
+                      <p:stCondLst>
+                        <p:cond delay="indefinite"/>
+                      </p:stCondLst>
+                      <p:childTnLst>
+                        <p:par>
+                          <p:cTn id="4" fill="hold">
+                            <p:stCondLst>
+                              <p:cond delay="0"/>
+                            </p:stCondLst>
+                            <p:childTnLst>
+                              <p:par>
+                                <p:cTn id="5" presetID="26" presetClass="entr" presetSubtype="0" fill="hold" nodeType="clickEffect">
+                                  <p:stCondLst>
+                                    <p:cond delay="0"/>
+                                  </p:stCondLst>
+                                  <p:childTnLst>
+                                    <p:set>
+                                      <p:cBhvr>
+                                        <p:cTn id="6" dur="1" fill="hold">
+                                          <p:stCondLst>
+                                            <p:cond delay="0"/>
+                                          </p:stCondLst>
+                                        </p:cTn>
+                                        <p:tgtEl>
+                                          <p:spTgt spid="4"/>
+                                        </p:tgtEl>
+                                        <p:attrNameLst>
+                                          <p:attrName>style.visibility</p:attrName>
+                                        </p:attrNameLst>
+                                      </p:cBhvr>
+                                      <p:to>
+                                        <p:strVal val="visible"/>
+                                      </p:to>
+                                    </p:set>
+                                    <p:animEffect transition="in" filter="wipe(down)">
+                                      <p:cBhvr>
+                                        <p:cTn id="7" dur="580">
+                                          <p:stCondLst>
+                                            <p:cond delay="0"/>
+                                          </p:stCondLst>
+                                        </p:cTn>
+                                        <p:tgtEl>
+                                          <p:spTgt spid="4"/>
+                                        </p:tgtEl>
+                                      </p:cBhvr>
+                                    </p:animEffect>
+                                    <p:anim calcmode="lin" valueType="num">
+                                      <p:cBhvr>
+                                        <p:cTn id="8" dur="1822" tmFilter="0,0; 0.14,0.36; 0.43,0.73; 0.71,0.91; 1.0,1.0">
+                                          <p:stCondLst>
+                                            <p:cond delay="0"/>
+                                          </p:stCondLst>
+                                        </p:cTn>
+                                        <p:tgtEl>
+                                          <p:spTgt spid="4"/>
+                                        </p:tgtEl>
+                                        <p:attrNameLst>
+                                          <p:attrName>ppt_x</p:attrName>
+                                        </p:attrNameLst>
+                                      </p:cBhvr>
+                                      <p:tavLst>
+                                        <p:tav tm="0">
+                                          <p:val>
+                                            <p:strVal val="#ppt_x-0.25"/>
+                                          </p:val>
+                                        </p:tav>
+                                        <p:tav tm="100000">
+                                          <p:val>
+                                            <p:strVal val="#ppt_x"/>
+                                          </p:val>
+                                        </p:tav>
+                                      </p:tavLst>
+                                    </p:anim>
+                                    <p:anim calcmode="lin" valueType="num">
+                                      <p:cBhvr>
+                                        <p:cTn id="9" dur="664" tmFilter="0.0,0.0; 0.25,0.07; 0.50,0.2; 0.75,0.467; 1.0,1.0">
+                                          <p:stCondLst>
+                                            <p:cond delay="0"/>
+                                          </p:stCondLst>
+                                        </p:cTn>
+                                        <p:tgtEl>
+                                          <p:spTgt spid="4"/>
+                                        </p:tgtEl>
+                                        <p:attrNameLst>
+                                          <p:attrName>ppt_y</p:attrName>
+                                        </p:attrNameLst>
+                                      </p:cBhvr>
+                                      <p:tavLst>
+                                        <p:tav tm="0" fmla="#ppt_y-sin(pi*$)/3">
+                                          <p:val>
+                                            <p:fltVal val="0.5"/>
+                                          </p:val>
+                                        </p:tav>
+                                        <p:tav tm="100000">
+                                          <p:val>
+                                            <p:fltVal val="1"/>
+                                          </p:val>
+                                        </p:tav>
+                                      </p:tavLst>
+                                    </p:anim>
+                                    <p:anim calcmode="lin" valueType="num">
+                                      <p:cBhvr>
+                                        <p:cTn id="10" dur="664" tmFilter="0, 0; 0.125,0.2665; 0.25,0.4; 0.375,0.465; 0.5,0.5;  0.625,0.535; 0.75,0.6; 0.875,0.7335; 1,1">
+                                          <p:stCondLst>
+                                            <p:cond delay="664"/>
+                                          </p:stCondLst>
+                                        </p:cTn>
+                                        <p:tgtEl>
+                                          <p:spTgt spid="4"/>
+                                        </p:tgtEl>
+                                        <p:attrNameLst>
+                                          <p:attrName>ppt_y</p:attrName>
+                                        </p:attrNameLst>
+                                      </p:cBhvr>
+                                      <p:tavLst>
+                                        <p:tav tm="0" fmla="#ppt_y-sin(pi*$)/9">
+                                          <p:val>
+                                            <p:fltVal val="0"/>
+                                          </p:val>
+                                        </p:tav>
+                                        <p:tav tm="100000">
+                                          <p:val>
+                                            <p:fltVal val="1"/>
+                                          </p:val>
+                                        </p:tav>
+                                      </p:tavLst>
+                                    </p:anim>
+                                    <p:anim calcmode="lin" valueType="num">
+                                      <p:cBhvr>
+                                        <p:cTn id="11" dur="332" tmFilter="0, 0; 0.125,0.2665; 0.25,0.4; 0.375,0.465; 0.5,0.5;  0.625,0.535; 0.75,0.6; 0.875,0.7335; 1,1">
+                                          <p:stCondLst>
+                                            <p:cond delay="1324"/>
+                                          </p:stCondLst>
+                                        </p:cTn>
+                                        <p:tgtEl>
+                                          <p:spTgt spid="4"/>
+                                        </p:tgtEl>
+                                        <p:attrNameLst>
+                                          <p:attrName>ppt_y</p:attrName>
+                                        </p:attrNameLst>
+                                      </p:cBhvr>
+                                      <p:tavLst>
+                                        <p:tav tm="0" fmla="#ppt_y-sin(pi*$)/27">
+                                          <p:val>
+                                            <p:fltVal val="0"/>
+                                          </p:val>
+                                        </p:tav>
+                                        <p:tav tm="100000">
+                                          <p:val>
+                                            <p:fltVal val="1"/>
+                                          </p:val>
+                                        </p:tav>
+                                      </p:tavLst>
+                                    </p:anim>
+                                    <p:anim calcmode="lin" valueType="num">
+                                      <p:cBhvr>
+                                        <p:cTn id="12" dur="164" tmFilter="0, 0; 0.125,0.2665; 0.25,0.4; 0.375,0.465; 0.5,0.5;  0.625,0.535; 0.75,0.6; 0.875,0.7335; 1,1">
+                                          <p:stCondLst>
+                                            <p:cond delay="1656"/>
+                                          </p:stCondLst>
+                                        </p:cTn>
+                                        <p:tgtEl>
+                                          <p:spTgt spid="4"/>
+                                        </p:tgtEl>
+                                        <p:attrNameLst>
+                                          <p:attrName>ppt_y</p:attrName>
+                                        </p:attrNameLst>
+                                      </p:cBhvr>
+                                      <p:tavLst>
+                                        <p:tav tm="0" fmla="#ppt_y-sin(pi*$)/81">
+                                          <p:val>
+                                            <p:fltVal val="0"/>
+                                          </p:val>
+                                        </p:tav>
+                                        <p:tav tm="100000">
+                                          <p:val>
+                                            <p:fltVal val="1"/>
+                                          </p:val>
+                                        </p:tav>
+                                      </p:tavLst>
+                                    </p:anim>
+                                    <p:animScale>
+                                      <p:cBhvr>
+                                        <p:cTn id="13" dur="26">
+                                          <p:stCondLst>
+                                            <p:cond delay="650"/>
+                                          </p:stCondLst>
+                                        </p:cTn>
+                                        <p:tgtEl>
+                                          <p:spTgt spid="4"/>
+                                        </p:tgtEl>
+                                      </p:cBhvr>
+                                      <p:to x="100000" y="60000"/>
+                                    </p:animScale>
+                                    <p:animScale>
+                                      <p:cBhvr>
+                                        <p:cTn id="14" dur="166" decel="50000">
+                                          <p:stCondLst>
+                                            <p:cond delay="676"/>
+                                          </p:stCondLst>
+                                        </p:cTn>
+                                        <p:tgtEl>
+                                          <p:spTgt spid="4"/>
+                                        </p:tgtEl>
+                                      </p:cBhvr>
+                                      <p:to x="100000" y="100000"/>
+                                    </p:animScale>
+                                    <p:animScale>
+                                      <p:cBhvr>
+                                        <p:cTn id="15" dur="26">
+                                          <p:stCondLst>
+                                            <p:cond delay="1312"/>
+                                          </p:stCondLst>
+                                        </p:cTn>
+                                        <p:tgtEl>
+                                          <p:spTgt spid="4"/>
+                                        </p:tgtEl>
+                                      </p:cBhvr>
+                                      <p:to x="100000" y="80000"/>
+                                    </p:animScale>
+                                    <p:animScale>
+                                      <p:cBhvr>
+                                        <p:cTn id="16" dur="166" decel="50000">
+                                          <p:stCondLst>
+                                            <p:cond delay="1338"/>
+                                          </p:stCondLst>
+                                        </p:cTn>
+                                        <p:tgtEl>
+                                          <p:spTgt spid="4"/>
+                                        </p:tgtEl>
+                                      </p:cBhvr>
+                                      <p:to x="100000" y="100000"/>
+                                    </p:animScale>
+                                    <p:animScale>
+                                      <p:cBhvr>
+                                        <p:cTn id="17" dur="26">
+                                          <p:stCondLst>
+                                            <p:cond delay="1642"/>
+                                          </p:stCondLst>
+                                        </p:cTn>
+                                        <p:tgtEl>
+                                          <p:spTgt spid="4"/>
+                                        </p:tgtEl>
+                                      </p:cBhvr>
+                                      <p:to x="100000" y="90000"/>
+                                    </p:animScale>
+                                    <p:animScale>
+                                      <p:cBhvr>
+                                        <p:cTn id="18" dur="166" decel="50000">
+                                          <p:stCondLst>
+                                            <p:cond delay="1668"/>
+                                          </p:stCondLst>
+                                        </p:cTn>
+                                        <p:tgtEl>
+                                          <p:spTgt spid="4"/>
+                                        </p:tgtEl>
+                                      </p:cBhvr>
+                                      <p:to x="100000" y="100000"/>
+                                    </p:animScale>
+                                    <p:animScale>
+                                      <p:cBhvr>
+                                        <p:cTn id="19" dur="26">
+                                          <p:stCondLst>
+                                            <p:cond delay="1808"/>
+                                          </p:stCondLst>
+                                        </p:cTn>
+                                        <p:tgtEl>
+                                          <p:spTgt spid="4"/>
+                                        </p:tgtEl>
+                                      </p:cBhvr>
+                                      <p:to x="100000" y="95000"/>
+                                    </p:animScale>
+                                    <p:animScale>
+                                      <p:cBhvr>
+                                        <p:cTn id="20" dur="166" decel="50000">
+                                          <p:stCondLst>
+                                            <p:cond delay="1834"/>
+                                          </p:stCondLst>
+                                        </p:cTn>
+                                        <p:tgtEl>
+                                          <p:spTgt spid="4"/>
+                                        </p:tgtEl>
+                                      </p:cBhvr>
+                                      <p:to x="100000" y="100000"/>
+                                    </p:animScale>
+                                  </p:childTnLst>
+                                </p:cTn>
+                              </p:par>
+                            </p:childTnLst>
+                          </p:cTn>
+                        </p:par>
+                      </p:childTnLst>
+                    </p:cTn>
+                  </p:par>
+                </p:childTnLst>
+              </p:cTn>
+              <p:prevCondLst>
+                <p:cond evt="onPrev" delay="0">
+                  <p:tgtEl>
+                    <p:sldTgt/>
+                  </p:tgtEl>
+                </p:cond>
+              </p:prevCondLst>
+              <p:nextCondLst>
+                <p:cond evt="onNext" delay="0">
+                  <p:tgtEl>
+                    <p:sldTgt/>
+                  </p:tgtEl>
+                </p:cond>
+              </p:nextCondLst>
+            </p:seq>
+          </p:childTnLst>
+        </p:cTn>
+      </p:par>
+    </p:tnLst>
+  </p:timing>
 </p:sld>
 </file>
 
@@ -6417,57 +7229,593 @@
           <a:p>
             <a:r>
               <a:rPr lang="es-CR" dirty="0" err="1"/>
-              <a:t>constants</a:t>
+              <a:t>What</a:t>
+            </a:r>
+            <a:r>
+              <a:rPr lang="es-CR" dirty="0"/>
+              <a:t> </a:t>
+            </a:r>
+            <a:r>
+              <a:rPr lang="es-CR" dirty="0" err="1"/>
+              <a:t>about</a:t>
+            </a:r>
+            <a:r>
+              <a:rPr lang="es-CR" dirty="0"/>
+              <a:t> </a:t>
+            </a:r>
+            <a:r>
+              <a:rPr lang="es-CR" dirty="0" err="1"/>
+              <a:t>old</a:t>
+            </a:r>
+            <a:r>
+              <a:rPr lang="es-CR" dirty="0"/>
+              <a:t> browser?</a:t>
             </a:r>
             <a:endParaRPr lang="en-US" dirty="0"/>
           </a:p>
         </p:txBody>
       </p:sp>
-      <p:sp>
-        <p:nvSpPr>
-          <p:cNvPr id="3" name="Content Placeholder 2"/>
-          <p:cNvSpPr>
-            <a:spLocks noGrp="1"/>
-          </p:cNvSpPr>
-          <p:nvPr>
-            <p:ph sz="quarter" idx="13"/>
-          </p:nvPr>
-        </p:nvSpPr>
-        <p:spPr/>
-        <p:txBody>
-          <a:bodyPr/>
-          <a:lstStyle/>
-          <a:p>
-            <a:r>
-              <a:rPr lang="en-US" dirty="0"/>
-              <a:t>Block-scoped binding constructs. </a:t>
-            </a:r>
-            <a:r>
-              <a:rPr lang="en-US" dirty="0" err="1" smtClean="0"/>
-              <a:t>const</a:t>
-            </a:r>
-            <a:r>
-              <a:rPr lang="en-US" dirty="0" smtClean="0"/>
-              <a:t> </a:t>
-            </a:r>
-            <a:r>
-              <a:rPr lang="en-US" dirty="0"/>
-              <a:t>is single-assignment. Static restrictions prevent use before assignment.</a:t>
-            </a:r>
-            <a:endParaRPr lang="en-US" dirty="0"/>
-          </a:p>
-        </p:txBody>
-      </p:sp>
+      <p:pic>
+        <p:nvPicPr>
+          <p:cNvPr id="4" name="Content Placeholder 3"/>
+          <p:cNvPicPr>
+            <a:picLocks noGrp="1" noChangeAspect="1"/>
+          </p:cNvPicPr>
+          <p:nvPr>
+            <p:ph idx="1"/>
+          </p:nvPr>
+        </p:nvPicPr>
+        <p:blipFill>
+          <a:blip r:embed="rId2" cstate="print">
+            <a:extLst>
+              <a:ext uri="{28A0092B-C50C-407E-A947-70E740481C1C}">
+                <a14:useLocalDpi xmlns:a14="http://schemas.microsoft.com/office/drawing/2010/main" val="0"/>
+              </a:ext>
+            </a:extLst>
+          </a:blip>
+          <a:stretch>
+            <a:fillRect/>
+          </a:stretch>
+        </p:blipFill>
+        <p:spPr>
+          <a:xfrm>
+            <a:off x="6177261" y="148857"/>
+            <a:ext cx="2363557" cy="1605516"/>
+          </a:xfrm>
+        </p:spPr>
+      </p:pic>
+      <p:pic>
+        <p:nvPicPr>
+          <p:cNvPr id="5" name="Picture 4"/>
+          <p:cNvPicPr>
+            <a:picLocks noChangeAspect="1"/>
+          </p:cNvPicPr>
+          <p:nvPr/>
+        </p:nvPicPr>
+        <p:blipFill>
+          <a:blip r:embed="rId3" cstate="print">
+            <a:extLst>
+              <a:ext uri="{28A0092B-C50C-407E-A947-70E740481C1C}">
+                <a14:useLocalDpi xmlns:a14="http://schemas.microsoft.com/office/drawing/2010/main" val="0"/>
+              </a:ext>
+            </a:extLst>
+          </a:blip>
+          <a:stretch>
+            <a:fillRect/>
+          </a:stretch>
+        </p:blipFill>
+        <p:spPr>
+          <a:xfrm>
+            <a:off x="7348870" y="4682166"/>
+            <a:ext cx="1359196" cy="1359196"/>
+          </a:xfrm>
+          <a:prstGeom prst="rect">
+            <a:avLst/>
+          </a:prstGeom>
+        </p:spPr>
+      </p:pic>
+      <p:pic>
+        <p:nvPicPr>
+          <p:cNvPr id="6" name="Picture 5"/>
+          <p:cNvPicPr>
+            <a:picLocks noChangeAspect="1"/>
+          </p:cNvPicPr>
+          <p:nvPr/>
+        </p:nvPicPr>
+        <p:blipFill>
+          <a:blip r:embed="rId4" cstate="print">
+            <a:extLst>
+              <a:ext uri="{28A0092B-C50C-407E-A947-70E740481C1C}">
+                <a14:useLocalDpi xmlns:a14="http://schemas.microsoft.com/office/drawing/2010/main" val="0"/>
+              </a:ext>
+            </a:extLst>
+          </a:blip>
+          <a:stretch>
+            <a:fillRect/>
+          </a:stretch>
+        </p:blipFill>
+        <p:spPr>
+          <a:xfrm>
+            <a:off x="393405" y="1754373"/>
+            <a:ext cx="3131387" cy="1422315"/>
+          </a:xfrm>
+          <a:prstGeom prst="rect">
+            <a:avLst/>
+          </a:prstGeom>
+        </p:spPr>
+      </p:pic>
+      <p:pic>
+        <p:nvPicPr>
+          <p:cNvPr id="7" name="Picture 6"/>
+          <p:cNvPicPr>
+            <a:picLocks noChangeAspect="1"/>
+          </p:cNvPicPr>
+          <p:nvPr/>
+        </p:nvPicPr>
+        <p:blipFill>
+          <a:blip r:embed="rId5">
+            <a:extLst>
+              <a:ext uri="{28A0092B-C50C-407E-A947-70E740481C1C}">
+                <a14:useLocalDpi xmlns:a14="http://schemas.microsoft.com/office/drawing/2010/main" val="0"/>
+              </a:ext>
+            </a:extLst>
+          </a:blip>
+          <a:stretch>
+            <a:fillRect/>
+          </a:stretch>
+        </p:blipFill>
+        <p:spPr>
+          <a:xfrm>
+            <a:off x="677334" y="3272269"/>
+            <a:ext cx="1505160" cy="1409897"/>
+          </a:xfrm>
+          <a:prstGeom prst="rect">
+            <a:avLst/>
+          </a:prstGeom>
+        </p:spPr>
+      </p:pic>
     </p:spTree>
     <p:extLst>
       <p:ext uri="{BB962C8B-B14F-4D97-AF65-F5344CB8AC3E}">
-        <p14:creationId xmlns:p14="http://schemas.microsoft.com/office/powerpoint/2010/main" val="1021368606"/>
+        <p14:creationId xmlns:p14="http://schemas.microsoft.com/office/powerpoint/2010/main" val="348056512"/>
       </p:ext>
     </p:extLst>
   </p:cSld>
   <p:clrMapOvr>
     <a:masterClrMapping/>
   </p:clrMapOvr>
+  <p:timing>
+    <p:tnLst>
+      <p:par>
+        <p:cTn id="1" dur="indefinite" restart="never" nodeType="tmRoot">
+          <p:childTnLst>
+            <p:seq concurrent="1" nextAc="seek">
+              <p:cTn id="2" dur="indefinite" nodeType="mainSeq">
+                <p:childTnLst>
+                  <p:par>
+                    <p:cTn id="3" fill="hold">
+                      <p:stCondLst>
+                        <p:cond delay="indefinite"/>
+                      </p:stCondLst>
+                      <p:childTnLst>
+                        <p:par>
+                          <p:cTn id="4" fill="hold">
+                            <p:stCondLst>
+                              <p:cond delay="0"/>
+                            </p:stCondLst>
+                            <p:childTnLst>
+                              <p:par>
+                                <p:cTn id="5" presetID="26" presetClass="entr" presetSubtype="0" fill="hold" nodeType="clickEffect">
+                                  <p:stCondLst>
+                                    <p:cond delay="0"/>
+                                  </p:stCondLst>
+                                  <p:childTnLst>
+                                    <p:set>
+                                      <p:cBhvr>
+                                        <p:cTn id="6" dur="1" fill="hold">
+                                          <p:stCondLst>
+                                            <p:cond delay="0"/>
+                                          </p:stCondLst>
+                                        </p:cTn>
+                                        <p:tgtEl>
+                                          <p:spTgt spid="4"/>
+                                        </p:tgtEl>
+                                        <p:attrNameLst>
+                                          <p:attrName>style.visibility</p:attrName>
+                                        </p:attrNameLst>
+                                      </p:cBhvr>
+                                      <p:to>
+                                        <p:strVal val="visible"/>
+                                      </p:to>
+                                    </p:set>
+                                    <p:animEffect transition="in" filter="wipe(down)">
+                                      <p:cBhvr>
+                                        <p:cTn id="7" dur="580">
+                                          <p:stCondLst>
+                                            <p:cond delay="0"/>
+                                          </p:stCondLst>
+                                        </p:cTn>
+                                        <p:tgtEl>
+                                          <p:spTgt spid="4"/>
+                                        </p:tgtEl>
+                                      </p:cBhvr>
+                                    </p:animEffect>
+                                    <p:anim calcmode="lin" valueType="num">
+                                      <p:cBhvr>
+                                        <p:cTn id="8" dur="1822" tmFilter="0,0; 0.14,0.36; 0.43,0.73; 0.71,0.91; 1.0,1.0">
+                                          <p:stCondLst>
+                                            <p:cond delay="0"/>
+                                          </p:stCondLst>
+                                        </p:cTn>
+                                        <p:tgtEl>
+                                          <p:spTgt spid="4"/>
+                                        </p:tgtEl>
+                                        <p:attrNameLst>
+                                          <p:attrName>ppt_x</p:attrName>
+                                        </p:attrNameLst>
+                                      </p:cBhvr>
+                                      <p:tavLst>
+                                        <p:tav tm="0">
+                                          <p:val>
+                                            <p:strVal val="#ppt_x-0.25"/>
+                                          </p:val>
+                                        </p:tav>
+                                        <p:tav tm="100000">
+                                          <p:val>
+                                            <p:strVal val="#ppt_x"/>
+                                          </p:val>
+                                        </p:tav>
+                                      </p:tavLst>
+                                    </p:anim>
+                                    <p:anim calcmode="lin" valueType="num">
+                                      <p:cBhvr>
+                                        <p:cTn id="9" dur="664" tmFilter="0.0,0.0; 0.25,0.07; 0.50,0.2; 0.75,0.467; 1.0,1.0">
+                                          <p:stCondLst>
+                                            <p:cond delay="0"/>
+                                          </p:stCondLst>
+                                        </p:cTn>
+                                        <p:tgtEl>
+                                          <p:spTgt spid="4"/>
+                                        </p:tgtEl>
+                                        <p:attrNameLst>
+                                          <p:attrName>ppt_y</p:attrName>
+                                        </p:attrNameLst>
+                                      </p:cBhvr>
+                                      <p:tavLst>
+                                        <p:tav tm="0" fmla="#ppt_y-sin(pi*$)/3">
+                                          <p:val>
+                                            <p:fltVal val="0.5"/>
+                                          </p:val>
+                                        </p:tav>
+                                        <p:tav tm="100000">
+                                          <p:val>
+                                            <p:fltVal val="1"/>
+                                          </p:val>
+                                        </p:tav>
+                                      </p:tavLst>
+                                    </p:anim>
+                                    <p:anim calcmode="lin" valueType="num">
+                                      <p:cBhvr>
+                                        <p:cTn id="10" dur="664" tmFilter="0, 0; 0.125,0.2665; 0.25,0.4; 0.375,0.465; 0.5,0.5;  0.625,0.535; 0.75,0.6; 0.875,0.7335; 1,1">
+                                          <p:stCondLst>
+                                            <p:cond delay="664"/>
+                                          </p:stCondLst>
+                                        </p:cTn>
+                                        <p:tgtEl>
+                                          <p:spTgt spid="4"/>
+                                        </p:tgtEl>
+                                        <p:attrNameLst>
+                                          <p:attrName>ppt_y</p:attrName>
+                                        </p:attrNameLst>
+                                      </p:cBhvr>
+                                      <p:tavLst>
+                                        <p:tav tm="0" fmla="#ppt_y-sin(pi*$)/9">
+                                          <p:val>
+                                            <p:fltVal val="0"/>
+                                          </p:val>
+                                        </p:tav>
+                                        <p:tav tm="100000">
+                                          <p:val>
+                                            <p:fltVal val="1"/>
+                                          </p:val>
+                                        </p:tav>
+                                      </p:tavLst>
+                                    </p:anim>
+                                    <p:anim calcmode="lin" valueType="num">
+                                      <p:cBhvr>
+                                        <p:cTn id="11" dur="332" tmFilter="0, 0; 0.125,0.2665; 0.25,0.4; 0.375,0.465; 0.5,0.5;  0.625,0.535; 0.75,0.6; 0.875,0.7335; 1,1">
+                                          <p:stCondLst>
+                                            <p:cond delay="1324"/>
+                                          </p:stCondLst>
+                                        </p:cTn>
+                                        <p:tgtEl>
+                                          <p:spTgt spid="4"/>
+                                        </p:tgtEl>
+                                        <p:attrNameLst>
+                                          <p:attrName>ppt_y</p:attrName>
+                                        </p:attrNameLst>
+                                      </p:cBhvr>
+                                      <p:tavLst>
+                                        <p:tav tm="0" fmla="#ppt_y-sin(pi*$)/27">
+                                          <p:val>
+                                            <p:fltVal val="0"/>
+                                          </p:val>
+                                        </p:tav>
+                                        <p:tav tm="100000">
+                                          <p:val>
+                                            <p:fltVal val="1"/>
+                                          </p:val>
+                                        </p:tav>
+                                      </p:tavLst>
+                                    </p:anim>
+                                    <p:anim calcmode="lin" valueType="num">
+                                      <p:cBhvr>
+                                        <p:cTn id="12" dur="164" tmFilter="0, 0; 0.125,0.2665; 0.25,0.4; 0.375,0.465; 0.5,0.5;  0.625,0.535; 0.75,0.6; 0.875,0.7335; 1,1">
+                                          <p:stCondLst>
+                                            <p:cond delay="1656"/>
+                                          </p:stCondLst>
+                                        </p:cTn>
+                                        <p:tgtEl>
+                                          <p:spTgt spid="4"/>
+                                        </p:tgtEl>
+                                        <p:attrNameLst>
+                                          <p:attrName>ppt_y</p:attrName>
+                                        </p:attrNameLst>
+                                      </p:cBhvr>
+                                      <p:tavLst>
+                                        <p:tav tm="0" fmla="#ppt_y-sin(pi*$)/81">
+                                          <p:val>
+                                            <p:fltVal val="0"/>
+                                          </p:val>
+                                        </p:tav>
+                                        <p:tav tm="100000">
+                                          <p:val>
+                                            <p:fltVal val="1"/>
+                                          </p:val>
+                                        </p:tav>
+                                      </p:tavLst>
+                                    </p:anim>
+                                    <p:animScale>
+                                      <p:cBhvr>
+                                        <p:cTn id="13" dur="26">
+                                          <p:stCondLst>
+                                            <p:cond delay="650"/>
+                                          </p:stCondLst>
+                                        </p:cTn>
+                                        <p:tgtEl>
+                                          <p:spTgt spid="4"/>
+                                        </p:tgtEl>
+                                      </p:cBhvr>
+                                      <p:to x="100000" y="60000"/>
+                                    </p:animScale>
+                                    <p:animScale>
+                                      <p:cBhvr>
+                                        <p:cTn id="14" dur="166" decel="50000">
+                                          <p:stCondLst>
+                                            <p:cond delay="676"/>
+                                          </p:stCondLst>
+                                        </p:cTn>
+                                        <p:tgtEl>
+                                          <p:spTgt spid="4"/>
+                                        </p:tgtEl>
+                                      </p:cBhvr>
+                                      <p:to x="100000" y="100000"/>
+                                    </p:animScale>
+                                    <p:animScale>
+                                      <p:cBhvr>
+                                        <p:cTn id="15" dur="26">
+                                          <p:stCondLst>
+                                            <p:cond delay="1312"/>
+                                          </p:stCondLst>
+                                        </p:cTn>
+                                        <p:tgtEl>
+                                          <p:spTgt spid="4"/>
+                                        </p:tgtEl>
+                                      </p:cBhvr>
+                                      <p:to x="100000" y="80000"/>
+                                    </p:animScale>
+                                    <p:animScale>
+                                      <p:cBhvr>
+                                        <p:cTn id="16" dur="166" decel="50000">
+                                          <p:stCondLst>
+                                            <p:cond delay="1338"/>
+                                          </p:stCondLst>
+                                        </p:cTn>
+                                        <p:tgtEl>
+                                          <p:spTgt spid="4"/>
+                                        </p:tgtEl>
+                                      </p:cBhvr>
+                                      <p:to x="100000" y="100000"/>
+                                    </p:animScale>
+                                    <p:animScale>
+                                      <p:cBhvr>
+                                        <p:cTn id="17" dur="26">
+                                          <p:stCondLst>
+                                            <p:cond delay="1642"/>
+                                          </p:stCondLst>
+                                        </p:cTn>
+                                        <p:tgtEl>
+                                          <p:spTgt spid="4"/>
+                                        </p:tgtEl>
+                                      </p:cBhvr>
+                                      <p:to x="100000" y="90000"/>
+                                    </p:animScale>
+                                    <p:animScale>
+                                      <p:cBhvr>
+                                        <p:cTn id="18" dur="166" decel="50000">
+                                          <p:stCondLst>
+                                            <p:cond delay="1668"/>
+                                          </p:stCondLst>
+                                        </p:cTn>
+                                        <p:tgtEl>
+                                          <p:spTgt spid="4"/>
+                                        </p:tgtEl>
+                                      </p:cBhvr>
+                                      <p:to x="100000" y="100000"/>
+                                    </p:animScale>
+                                    <p:animScale>
+                                      <p:cBhvr>
+                                        <p:cTn id="19" dur="26">
+                                          <p:stCondLst>
+                                            <p:cond delay="1808"/>
+                                          </p:stCondLst>
+                                        </p:cTn>
+                                        <p:tgtEl>
+                                          <p:spTgt spid="4"/>
+                                        </p:tgtEl>
+                                      </p:cBhvr>
+                                      <p:to x="100000" y="95000"/>
+                                    </p:animScale>
+                                    <p:animScale>
+                                      <p:cBhvr>
+                                        <p:cTn id="20" dur="166" decel="50000">
+                                          <p:stCondLst>
+                                            <p:cond delay="1834"/>
+                                          </p:stCondLst>
+                                        </p:cTn>
+                                        <p:tgtEl>
+                                          <p:spTgt spid="4"/>
+                                        </p:tgtEl>
+                                      </p:cBhvr>
+                                      <p:to x="100000" y="100000"/>
+                                    </p:animScale>
+                                  </p:childTnLst>
+                                </p:cTn>
+                              </p:par>
+                            </p:childTnLst>
+                          </p:cTn>
+                        </p:par>
+                      </p:childTnLst>
+                    </p:cTn>
+                  </p:par>
+                  <p:par>
+                    <p:cTn id="21" fill="hold">
+                      <p:stCondLst>
+                        <p:cond delay="indefinite"/>
+                      </p:stCondLst>
+                      <p:childTnLst>
+                        <p:par>
+                          <p:cTn id="22" fill="hold">
+                            <p:stCondLst>
+                              <p:cond delay="0"/>
+                            </p:stCondLst>
+                            <p:childTnLst>
+                              <p:par>
+                                <p:cTn id="23" presetID="10" presetClass="entr" presetSubtype="0" fill="hold" nodeType="clickEffect">
+                                  <p:stCondLst>
+                                    <p:cond delay="0"/>
+                                  </p:stCondLst>
+                                  <p:childTnLst>
+                                    <p:set>
+                                      <p:cBhvr>
+                                        <p:cTn id="24" dur="1" fill="hold">
+                                          <p:stCondLst>
+                                            <p:cond delay="0"/>
+                                          </p:stCondLst>
+                                        </p:cTn>
+                                        <p:tgtEl>
+                                          <p:spTgt spid="6"/>
+                                        </p:tgtEl>
+                                        <p:attrNameLst>
+                                          <p:attrName>style.visibility</p:attrName>
+                                        </p:attrNameLst>
+                                      </p:cBhvr>
+                                      <p:to>
+                                        <p:strVal val="visible"/>
+                                      </p:to>
+                                    </p:set>
+                                    <p:animEffect transition="in" filter="fade">
+                                      <p:cBhvr>
+                                        <p:cTn id="25" dur="500"/>
+                                        <p:tgtEl>
+                                          <p:spTgt spid="6"/>
+                                        </p:tgtEl>
+                                      </p:cBhvr>
+                                    </p:animEffect>
+                                  </p:childTnLst>
+                                </p:cTn>
+                              </p:par>
+                            </p:childTnLst>
+                          </p:cTn>
+                        </p:par>
+                      </p:childTnLst>
+                    </p:cTn>
+                  </p:par>
+                  <p:par>
+                    <p:cTn id="26" fill="hold">
+                      <p:stCondLst>
+                        <p:cond delay="indefinite"/>
+                      </p:stCondLst>
+                      <p:childTnLst>
+                        <p:par>
+                          <p:cTn id="27" fill="hold">
+                            <p:stCondLst>
+                              <p:cond delay="0"/>
+                            </p:stCondLst>
+                            <p:childTnLst>
+                              <p:par>
+                                <p:cTn id="28" presetID="10" presetClass="entr" presetSubtype="0" fill="hold" nodeType="clickEffect">
+                                  <p:stCondLst>
+                                    <p:cond delay="0"/>
+                                  </p:stCondLst>
+                                  <p:childTnLst>
+                                    <p:set>
+                                      <p:cBhvr>
+                                        <p:cTn id="29" dur="1" fill="hold">
+                                          <p:stCondLst>
+                                            <p:cond delay="0"/>
+                                          </p:stCondLst>
+                                        </p:cTn>
+                                        <p:tgtEl>
+                                          <p:spTgt spid="7"/>
+                                        </p:tgtEl>
+                                        <p:attrNameLst>
+                                          <p:attrName>style.visibility</p:attrName>
+                                        </p:attrNameLst>
+                                      </p:cBhvr>
+                                      <p:to>
+                                        <p:strVal val="visible"/>
+                                      </p:to>
+                                    </p:set>
+                                    <p:animEffect transition="in" filter="fade">
+                                      <p:cBhvr>
+                                        <p:cTn id="30" dur="500"/>
+                                        <p:tgtEl>
+                                          <p:spTgt spid="7"/>
+                                        </p:tgtEl>
+                                      </p:cBhvr>
+                                    </p:animEffect>
+                                  </p:childTnLst>
+                                </p:cTn>
+                              </p:par>
+                            </p:childTnLst>
+                          </p:cTn>
+                        </p:par>
+                      </p:childTnLst>
+                    </p:cTn>
+                  </p:par>
+                </p:childTnLst>
+              </p:cTn>
+              <p:prevCondLst>
+                <p:cond evt="onPrev" delay="0">
+                  <p:tgtEl>
+                    <p:sldTgt/>
+                  </p:tgtEl>
+                </p:cond>
+              </p:prevCondLst>
+              <p:nextCondLst>
+                <p:cond evt="onNext" delay="0">
+                  <p:tgtEl>
+                    <p:sldTgt/>
+                  </p:tgtEl>
+                </p:cond>
+              </p:nextCondLst>
+            </p:seq>
+          </p:childTnLst>
+        </p:cTn>
+      </p:par>
+    </p:tnLst>
+  </p:timing>
 </p:sld>
 </file>
 
@@ -6504,12 +7852,8 @@
           <a:lstStyle/>
           <a:p>
             <a:r>
-              <a:rPr lang="es-CR" dirty="0"/>
-              <a:t>Extended </a:t>
-            </a:r>
-            <a:r>
               <a:rPr lang="es-CR" dirty="0" err="1"/>
-              <a:t>parameter</a:t>
+              <a:t>What</a:t>
             </a:r>
             <a:r>
               <a:rPr lang="es-CR" dirty="0"/>
@@ -6517,75 +7861,185 @@
             </a:r>
             <a:r>
               <a:rPr lang="es-CR" dirty="0" err="1"/>
-              <a:t>handling</a:t>
+              <a:t>about</a:t>
+            </a:r>
+            <a:r>
+              <a:rPr lang="es-CR" dirty="0"/>
+              <a:t> </a:t>
+            </a:r>
+            <a:r>
+              <a:rPr lang="es-CR" dirty="0" err="1"/>
+              <a:t>the</a:t>
+            </a:r>
+            <a:r>
+              <a:rPr lang="es-CR" dirty="0"/>
+              <a:t> </a:t>
+            </a:r>
+            <a:r>
+              <a:rPr lang="es-CR" dirty="0" err="1"/>
+              <a:t>IDEs</a:t>
+            </a:r>
+            <a:r>
+              <a:rPr lang="es-CR" dirty="0"/>
+              <a:t>?</a:t>
             </a:r>
             <a:endParaRPr lang="en-US" dirty="0"/>
           </a:p>
         </p:txBody>
       </p:sp>
-      <p:sp>
-        <p:nvSpPr>
-          <p:cNvPr id="3" name="Content Placeholder 2"/>
-          <p:cNvSpPr>
-            <a:spLocks noGrp="1"/>
-          </p:cNvSpPr>
-          <p:nvPr>
-            <p:ph sz="quarter" idx="13"/>
-          </p:nvPr>
-        </p:nvSpPr>
-        <p:spPr/>
-        <p:txBody>
-          <a:bodyPr/>
-          <a:lstStyle/>
-          <a:p>
-            <a:r>
-              <a:rPr lang="es-CR" dirty="0" smtClean="0"/>
-              <a:t>Simple and </a:t>
-            </a:r>
-            <a:r>
-              <a:rPr lang="es-CR" dirty="0" err="1" smtClean="0"/>
-              <a:t>intuitive</a:t>
-            </a:r>
-            <a:r>
-              <a:rPr lang="es-CR" dirty="0" smtClean="0"/>
-              <a:t> default </a:t>
-            </a:r>
-            <a:r>
-              <a:rPr lang="es-CR" dirty="0" err="1" smtClean="0"/>
-              <a:t>values</a:t>
-            </a:r>
-            <a:r>
-              <a:rPr lang="es-CR" dirty="0" smtClean="0"/>
-              <a:t> </a:t>
-            </a:r>
-            <a:r>
-              <a:rPr lang="es-CR" dirty="0" err="1" smtClean="0"/>
-              <a:t>for</a:t>
-            </a:r>
-            <a:r>
-              <a:rPr lang="es-CR" dirty="0" smtClean="0"/>
-              <a:t> </a:t>
-            </a:r>
-            <a:r>
-              <a:rPr lang="es-CR" dirty="0" err="1" smtClean="0"/>
-              <a:t>function</a:t>
-            </a:r>
-            <a:r>
-              <a:rPr lang="es-CR" dirty="0" smtClean="0"/>
-              <a:t> </a:t>
-            </a:r>
-            <a:r>
-              <a:rPr lang="es-CR" dirty="0" err="1" smtClean="0"/>
-              <a:t>parameters</a:t>
-            </a:r>
-            <a:endParaRPr lang="en-US" dirty="0"/>
-          </a:p>
-        </p:txBody>
-      </p:sp>
+      <p:pic>
+        <p:nvPicPr>
+          <p:cNvPr id="4" name="Content Placeholder 3"/>
+          <p:cNvPicPr>
+            <a:picLocks noGrp="1" noChangeAspect="1"/>
+          </p:cNvPicPr>
+          <p:nvPr>
+            <p:ph idx="1"/>
+          </p:nvPr>
+        </p:nvPicPr>
+        <p:blipFill>
+          <a:blip r:embed="rId2">
+            <a:extLst>
+              <a:ext uri="{28A0092B-C50C-407E-A947-70E740481C1C}">
+                <a14:useLocalDpi xmlns:a14="http://schemas.microsoft.com/office/drawing/2010/main" val="0"/>
+              </a:ext>
+            </a:extLst>
+          </a:blip>
+          <a:stretch>
+            <a:fillRect/>
+          </a:stretch>
+        </p:blipFill>
+        <p:spPr>
+          <a:xfrm>
+            <a:off x="677334" y="1270000"/>
+            <a:ext cx="1778369" cy="1778369"/>
+          </a:xfrm>
+        </p:spPr>
+      </p:pic>
+      <p:pic>
+        <p:nvPicPr>
+          <p:cNvPr id="5" name="Picture 4"/>
+          <p:cNvPicPr>
+            <a:picLocks noChangeAspect="1"/>
+          </p:cNvPicPr>
+          <p:nvPr/>
+        </p:nvPicPr>
+        <p:blipFill>
+          <a:blip r:embed="rId3">
+            <a:extLst>
+              <a:ext uri="{28A0092B-C50C-407E-A947-70E740481C1C}">
+                <a14:useLocalDpi xmlns:a14="http://schemas.microsoft.com/office/drawing/2010/main" val="0"/>
+              </a:ext>
+            </a:extLst>
+          </a:blip>
+          <a:stretch>
+            <a:fillRect/>
+          </a:stretch>
+        </p:blipFill>
+        <p:spPr>
+          <a:xfrm>
+            <a:off x="3133061" y="1270000"/>
+            <a:ext cx="1524000" cy="1524000"/>
+          </a:xfrm>
+          <a:prstGeom prst="rect">
+            <a:avLst/>
+          </a:prstGeom>
+        </p:spPr>
+      </p:pic>
+      <p:pic>
+        <p:nvPicPr>
+          <p:cNvPr id="6" name="Picture 5"/>
+          <p:cNvPicPr>
+            <a:picLocks noChangeAspect="1"/>
+          </p:cNvPicPr>
+          <p:nvPr/>
+        </p:nvPicPr>
+        <p:blipFill>
+          <a:blip r:embed="rId4" cstate="print">
+            <a:extLst>
+              <a:ext uri="{28A0092B-C50C-407E-A947-70E740481C1C}">
+                <a14:useLocalDpi xmlns:a14="http://schemas.microsoft.com/office/drawing/2010/main" val="0"/>
+              </a:ext>
+            </a:extLst>
+          </a:blip>
+          <a:stretch>
+            <a:fillRect/>
+          </a:stretch>
+        </p:blipFill>
+        <p:spPr>
+          <a:xfrm>
+            <a:off x="7348870" y="4682166"/>
+            <a:ext cx="1359196" cy="1359196"/>
+          </a:xfrm>
+          <a:prstGeom prst="rect">
+            <a:avLst/>
+          </a:prstGeom>
+        </p:spPr>
+      </p:pic>
+      <p:pic>
+        <p:nvPicPr>
+          <p:cNvPr id="7" name="Picture 6"/>
+          <p:cNvPicPr>
+            <a:picLocks noChangeAspect="1"/>
+          </p:cNvPicPr>
+          <p:nvPr/>
+        </p:nvPicPr>
+        <p:blipFill>
+          <a:blip r:embed="rId5">
+            <a:extLst>
+              <a:ext uri="{28A0092B-C50C-407E-A947-70E740481C1C}">
+                <a14:useLocalDpi xmlns:a14="http://schemas.microsoft.com/office/drawing/2010/main" val="0"/>
+              </a:ext>
+            </a:extLst>
+          </a:blip>
+          <a:stretch>
+            <a:fillRect/>
+          </a:stretch>
+        </p:blipFill>
+        <p:spPr>
+          <a:xfrm>
+            <a:off x="5179828" y="1270000"/>
+            <a:ext cx="1688804" cy="1549769"/>
+          </a:xfrm>
+          <a:prstGeom prst="rect">
+            <a:avLst/>
+          </a:prstGeom>
+        </p:spPr>
+      </p:pic>
+      <p:pic>
+        <p:nvPicPr>
+          <p:cNvPr id="8" name="Picture 7"/>
+          <p:cNvPicPr>
+            <a:picLocks noChangeAspect="1"/>
+          </p:cNvPicPr>
+          <p:nvPr/>
+        </p:nvPicPr>
+        <p:blipFill>
+          <a:blip r:embed="rId6">
+            <a:extLst>
+              <a:ext uri="{28A0092B-C50C-407E-A947-70E740481C1C}">
+                <a14:useLocalDpi xmlns:a14="http://schemas.microsoft.com/office/drawing/2010/main" val="0"/>
+              </a:ext>
+            </a:extLst>
+          </a:blip>
+          <a:stretch>
+            <a:fillRect/>
+          </a:stretch>
+        </p:blipFill>
+        <p:spPr>
+          <a:xfrm>
+            <a:off x="7124479" y="1240391"/>
+            <a:ext cx="1807978" cy="1807978"/>
+          </a:xfrm>
+          <a:prstGeom prst="rect">
+            <a:avLst/>
+          </a:prstGeom>
+        </p:spPr>
+      </p:pic>
     </p:spTree>
     <p:extLst>
       <p:ext uri="{BB962C8B-B14F-4D97-AF65-F5344CB8AC3E}">
-        <p14:creationId xmlns:p14="http://schemas.microsoft.com/office/powerpoint/2010/main" val="3818894065"/>
+        <p14:creationId xmlns:p14="http://schemas.microsoft.com/office/powerpoint/2010/main" val="2290626395"/>
       </p:ext>
     </p:extLst>
   </p:cSld>
@@ -6629,7 +8083,7 @@
           <a:p>
             <a:r>
               <a:rPr lang="es-CR" dirty="0" err="1"/>
-              <a:t>Template</a:t>
+              <a:t>Arrow</a:t>
             </a:r>
             <a:r>
               <a:rPr lang="es-CR" dirty="0"/>
@@ -6637,7 +8091,7 @@
             </a:r>
             <a:r>
               <a:rPr lang="es-CR" dirty="0" err="1"/>
-              <a:t>listerals</a:t>
+              <a:t>functions</a:t>
             </a:r>
             <a:endParaRPr lang="en-US" dirty="0"/>
           </a:p>
@@ -6650,7 +8104,7 @@
             <a:spLocks noGrp="1"/>
           </p:cNvSpPr>
           <p:nvPr>
-            <p:ph sz="quarter" idx="13"/>
+            <p:ph idx="1"/>
           </p:nvPr>
         </p:nvSpPr>
         <p:spPr/>
@@ -6659,57 +8113,46 @@
           <a:lstStyle/>
           <a:p>
             <a:r>
-              <a:rPr lang="es-CR" dirty="0" err="1"/>
-              <a:t>Intuitive</a:t>
-            </a:r>
-            <a:r>
-              <a:rPr lang="es-CR" dirty="0"/>
-              <a:t> </a:t>
-            </a:r>
-            <a:r>
-              <a:rPr lang="es-CR" dirty="0" err="1"/>
-              <a:t>expression</a:t>
-            </a:r>
-            <a:r>
-              <a:rPr lang="es-CR" dirty="0"/>
-              <a:t> </a:t>
-            </a:r>
-            <a:r>
-              <a:rPr lang="es-CR" dirty="0" err="1"/>
-              <a:t>interpolation</a:t>
-            </a:r>
-            <a:r>
-              <a:rPr lang="es-CR" dirty="0"/>
-              <a:t> </a:t>
-            </a:r>
-            <a:r>
-              <a:rPr lang="es-CR" dirty="0" err="1"/>
-              <a:t>for</a:t>
-            </a:r>
-            <a:r>
-              <a:rPr lang="es-CR" dirty="0"/>
-              <a:t> single-line and </a:t>
-            </a:r>
-            <a:r>
-              <a:rPr lang="es-CR" dirty="0" err="1"/>
-              <a:t>multi</a:t>
-            </a:r>
-            <a:r>
-              <a:rPr lang="es-CR" dirty="0"/>
-              <a:t>-line </a:t>
-            </a:r>
-            <a:r>
-              <a:rPr lang="es-CR" dirty="0" err="1"/>
-              <a:t>strings</a:t>
-            </a:r>
-            <a:endParaRPr lang="en-US" dirty="0"/>
-          </a:p>
-        </p:txBody>
-      </p:sp>
+              <a:rPr lang="en-US" dirty="0"/>
+              <a:t>Arrows are a function shorthand using the =&gt; syntax. They support both statement block bodies as well as expression bodies which return the value of the expression. Unlike functions, arrows share the same lexical this as their surrounding code.</a:t>
+            </a:r>
+          </a:p>
+        </p:txBody>
+      </p:sp>
+      <p:pic>
+        <p:nvPicPr>
+          <p:cNvPr id="4" name="Picture 3"/>
+          <p:cNvPicPr>
+            <a:picLocks noChangeAspect="1"/>
+          </p:cNvPicPr>
+          <p:nvPr/>
+        </p:nvPicPr>
+        <p:blipFill>
+          <a:blip r:embed="rId2" cstate="print">
+            <a:extLst>
+              <a:ext uri="{28A0092B-C50C-407E-A947-70E740481C1C}">
+                <a14:useLocalDpi xmlns:a14="http://schemas.microsoft.com/office/drawing/2010/main" val="0"/>
+              </a:ext>
+            </a:extLst>
+          </a:blip>
+          <a:stretch>
+            <a:fillRect/>
+          </a:stretch>
+        </p:blipFill>
+        <p:spPr>
+          <a:xfrm>
+            <a:off x="7348870" y="4682166"/>
+            <a:ext cx="1359196" cy="1359196"/>
+          </a:xfrm>
+          <a:prstGeom prst="rect">
+            <a:avLst/>
+          </a:prstGeom>
+        </p:spPr>
+      </p:pic>
     </p:spTree>
     <p:extLst>
       <p:ext uri="{BB962C8B-B14F-4D97-AF65-F5344CB8AC3E}">
-        <p14:creationId xmlns:p14="http://schemas.microsoft.com/office/powerpoint/2010/main" val="219883151"/>
+        <p14:creationId xmlns:p14="http://schemas.microsoft.com/office/powerpoint/2010/main" val="4213370928"/>
       </p:ext>
     </p:extLst>
   </p:cSld>
@@ -6753,23 +8196,7 @@
           <a:p>
             <a:r>
               <a:rPr lang="es-CR" dirty="0" err="1"/>
-              <a:t>Value</a:t>
-            </a:r>
-            <a:r>
-              <a:rPr lang="es-CR" dirty="0"/>
-              <a:t> </a:t>
-            </a:r>
-            <a:r>
-              <a:rPr lang="es-CR" dirty="0" err="1"/>
-              <a:t>export</a:t>
-            </a:r>
-            <a:r>
-              <a:rPr lang="es-CR" dirty="0"/>
-              <a:t>/</a:t>
-            </a:r>
-            <a:r>
-              <a:rPr lang="es-CR" dirty="0" err="1"/>
-              <a:t>import</a:t>
+              <a:t>Classes</a:t>
             </a:r>
             <a:endParaRPr lang="en-US" dirty="0"/>
           </a:p>
@@ -6782,7 +8209,7 @@
             <a:spLocks noGrp="1"/>
           </p:cNvSpPr>
           <p:nvPr>
-            <p:ph sz="quarter" idx="13"/>
+            <p:ph idx="1"/>
           </p:nvPr>
         </p:nvSpPr>
         <p:spPr/>
@@ -6792,40 +8219,313 @@
           <a:p>
             <a:r>
               <a:rPr lang="en-US" dirty="0"/>
-              <a:t>Language-level support for modules for component definition. Codifies patterns from popular JavaScript module loaders (AMD, </a:t>
-            </a:r>
-            <a:r>
-              <a:rPr lang="en-US" dirty="0" err="1"/>
-              <a:t>CommonJS</a:t>
-            </a:r>
-            <a:r>
-              <a:rPr lang="en-US" dirty="0"/>
-              <a:t>). Runtime </a:t>
-            </a:r>
-            <a:r>
-              <a:rPr lang="en-US" dirty="0" err="1"/>
-              <a:t>behaviour</a:t>
-            </a:r>
-            <a:r>
-              <a:rPr lang="en-US" dirty="0"/>
-              <a:t> defined by a host-defined default loader. Implicitly </a:t>
-            </a:r>
-            <a:r>
-              <a:rPr lang="en-US" dirty="0" err="1"/>
-              <a:t>async</a:t>
-            </a:r>
-            <a:r>
-              <a:rPr lang="en-US" dirty="0"/>
-              <a:t> model – no code executes until requested modules are available and processed.</a:t>
-            </a:r>
-            <a:endParaRPr lang="en-US" dirty="0"/>
-          </a:p>
-        </p:txBody>
-      </p:sp>
+              <a:t>ES6 classes are a simple sugar over the prototype-based OO pattern. Classes support prototype-based inheritance, super calls, instance and static methods and constructors.</a:t>
+            </a:r>
+            <a:endParaRPr lang="es-CR" dirty="0"/>
+          </a:p>
+        </p:txBody>
+      </p:sp>
+      <p:pic>
+        <p:nvPicPr>
+          <p:cNvPr id="4" name="Picture 3"/>
+          <p:cNvPicPr>
+            <a:picLocks noChangeAspect="1"/>
+          </p:cNvPicPr>
+          <p:nvPr/>
+        </p:nvPicPr>
+        <p:blipFill>
+          <a:blip r:embed="rId2" cstate="print">
+            <a:extLst>
+              <a:ext uri="{28A0092B-C50C-407E-A947-70E740481C1C}">
+                <a14:useLocalDpi xmlns:a14="http://schemas.microsoft.com/office/drawing/2010/main" val="0"/>
+              </a:ext>
+            </a:extLst>
+          </a:blip>
+          <a:stretch>
+            <a:fillRect/>
+          </a:stretch>
+        </p:blipFill>
+        <p:spPr>
+          <a:xfrm>
+            <a:off x="7348870" y="4682166"/>
+            <a:ext cx="1359196" cy="1359196"/>
+          </a:xfrm>
+          <a:prstGeom prst="rect">
+            <a:avLst/>
+          </a:prstGeom>
+        </p:spPr>
+      </p:pic>
     </p:spTree>
     <p:extLst>
       <p:ext uri="{BB962C8B-B14F-4D97-AF65-F5344CB8AC3E}">
-        <p14:creationId xmlns:p14="http://schemas.microsoft.com/office/powerpoint/2010/main" val="2847000081"/>
+        <p14:creationId xmlns:p14="http://schemas.microsoft.com/office/powerpoint/2010/main" val="4233196279"/>
+      </p:ext>
+    </p:extLst>
+  </p:cSld>
+  <p:clrMapOvr>
+    <a:masterClrMapping/>
+  </p:clrMapOvr>
+</p:sld>
+</file>
+
+<file path=ppt/slides/slide8.xml><?xml version="1.0" encoding="utf-8"?>
+<p:sld xmlns:a="http://schemas.openxmlformats.org/drawingml/2006/main" xmlns:r="http://schemas.openxmlformats.org/officeDocument/2006/relationships" xmlns:p="http://schemas.openxmlformats.org/presentationml/2006/main">
+  <p:cSld>
+    <p:spTree>
+      <p:nvGrpSpPr>
+        <p:cNvPr id="1" name=""/>
+        <p:cNvGrpSpPr/>
+        <p:nvPr/>
+      </p:nvGrpSpPr>
+      <p:grpSpPr>
+        <a:xfrm>
+          <a:off x="0" y="0"/>
+          <a:ext cx="0" cy="0"/>
+          <a:chOff x="0" y="0"/>
+          <a:chExt cx="0" cy="0"/>
+        </a:xfrm>
+      </p:grpSpPr>
+      <p:sp>
+        <p:nvSpPr>
+          <p:cNvPr id="2" name="Title 1"/>
+          <p:cNvSpPr>
+            <a:spLocks noGrp="1"/>
+          </p:cNvSpPr>
+          <p:nvPr>
+            <p:ph type="title"/>
+          </p:nvPr>
+        </p:nvSpPr>
+        <p:spPr/>
+        <p:txBody>
+          <a:bodyPr/>
+          <a:lstStyle/>
+          <a:p>
+            <a:r>
+              <a:rPr lang="es-CR" dirty="0" err="1"/>
+              <a:t>Constants</a:t>
+            </a:r>
+            <a:endParaRPr lang="en-US" dirty="0"/>
+          </a:p>
+        </p:txBody>
+      </p:sp>
+      <p:sp>
+        <p:nvSpPr>
+          <p:cNvPr id="3" name="Content Placeholder 2"/>
+          <p:cNvSpPr>
+            <a:spLocks noGrp="1"/>
+          </p:cNvSpPr>
+          <p:nvPr>
+            <p:ph idx="1"/>
+          </p:nvPr>
+        </p:nvSpPr>
+        <p:spPr/>
+        <p:txBody>
+          <a:bodyPr/>
+          <a:lstStyle/>
+          <a:p>
+            <a:r>
+              <a:rPr lang="en-US" dirty="0"/>
+              <a:t>Block-scoped binding constructs. </a:t>
+            </a:r>
+            <a:r>
+              <a:rPr lang="en-US" dirty="0" err="1"/>
+              <a:t>const</a:t>
+            </a:r>
+            <a:r>
+              <a:rPr lang="en-US" dirty="0"/>
+              <a:t> is single-assignment. Static restrictions prevent use before assignment.</a:t>
+            </a:r>
+          </a:p>
+        </p:txBody>
+      </p:sp>
+      <p:pic>
+        <p:nvPicPr>
+          <p:cNvPr id="4" name="Picture 3"/>
+          <p:cNvPicPr>
+            <a:picLocks noChangeAspect="1"/>
+          </p:cNvPicPr>
+          <p:nvPr/>
+        </p:nvPicPr>
+        <p:blipFill>
+          <a:blip r:embed="rId2" cstate="print">
+            <a:extLst>
+              <a:ext uri="{28A0092B-C50C-407E-A947-70E740481C1C}">
+                <a14:useLocalDpi xmlns:a14="http://schemas.microsoft.com/office/drawing/2010/main" val="0"/>
+              </a:ext>
+            </a:extLst>
+          </a:blip>
+          <a:stretch>
+            <a:fillRect/>
+          </a:stretch>
+        </p:blipFill>
+        <p:spPr>
+          <a:xfrm>
+            <a:off x="7348870" y="4682166"/>
+            <a:ext cx="1359196" cy="1359196"/>
+          </a:xfrm>
+          <a:prstGeom prst="rect">
+            <a:avLst/>
+          </a:prstGeom>
+        </p:spPr>
+      </p:pic>
+    </p:spTree>
+    <p:extLst>
+      <p:ext uri="{BB962C8B-B14F-4D97-AF65-F5344CB8AC3E}">
+        <p14:creationId xmlns:p14="http://schemas.microsoft.com/office/powerpoint/2010/main" val="1021368606"/>
+      </p:ext>
+    </p:extLst>
+  </p:cSld>
+  <p:clrMapOvr>
+    <a:masterClrMapping/>
+  </p:clrMapOvr>
+</p:sld>
+</file>
+
+<file path=ppt/slides/slide9.xml><?xml version="1.0" encoding="utf-8"?>
+<p:sld xmlns:a="http://schemas.openxmlformats.org/drawingml/2006/main" xmlns:r="http://schemas.openxmlformats.org/officeDocument/2006/relationships" xmlns:p="http://schemas.openxmlformats.org/presentationml/2006/main">
+  <p:cSld>
+    <p:spTree>
+      <p:nvGrpSpPr>
+        <p:cNvPr id="1" name=""/>
+        <p:cNvGrpSpPr/>
+        <p:nvPr/>
+      </p:nvGrpSpPr>
+      <p:grpSpPr>
+        <a:xfrm>
+          <a:off x="0" y="0"/>
+          <a:ext cx="0" cy="0"/>
+          <a:chOff x="0" y="0"/>
+          <a:chExt cx="0" cy="0"/>
+        </a:xfrm>
+      </p:grpSpPr>
+      <p:sp>
+        <p:nvSpPr>
+          <p:cNvPr id="2" name="Title 1"/>
+          <p:cNvSpPr>
+            <a:spLocks noGrp="1"/>
+          </p:cNvSpPr>
+          <p:nvPr>
+            <p:ph type="title"/>
+          </p:nvPr>
+        </p:nvSpPr>
+        <p:spPr/>
+        <p:txBody>
+          <a:bodyPr/>
+          <a:lstStyle/>
+          <a:p>
+            <a:r>
+              <a:rPr lang="es-CR" dirty="0"/>
+              <a:t>Extended </a:t>
+            </a:r>
+            <a:r>
+              <a:rPr lang="es-CR" dirty="0" err="1"/>
+              <a:t>parameter</a:t>
+            </a:r>
+            <a:r>
+              <a:rPr lang="es-CR" dirty="0"/>
+              <a:t> </a:t>
+            </a:r>
+            <a:r>
+              <a:rPr lang="es-CR" dirty="0" err="1"/>
+              <a:t>handling</a:t>
+            </a:r>
+            <a:endParaRPr lang="en-US" dirty="0"/>
+          </a:p>
+        </p:txBody>
+      </p:sp>
+      <p:sp>
+        <p:nvSpPr>
+          <p:cNvPr id="3" name="Content Placeholder 2"/>
+          <p:cNvSpPr>
+            <a:spLocks noGrp="1"/>
+          </p:cNvSpPr>
+          <p:nvPr>
+            <p:ph idx="1"/>
+          </p:nvPr>
+        </p:nvSpPr>
+        <p:spPr/>
+        <p:txBody>
+          <a:bodyPr/>
+          <a:lstStyle/>
+          <a:p>
+            <a:r>
+              <a:rPr lang="es-CR" dirty="0"/>
+              <a:t>Simple and </a:t>
+            </a:r>
+            <a:r>
+              <a:rPr lang="es-CR" dirty="0" err="1"/>
+              <a:t>intuitive</a:t>
+            </a:r>
+            <a:r>
+              <a:rPr lang="es-CR" dirty="0"/>
+              <a:t> default </a:t>
+            </a:r>
+            <a:r>
+              <a:rPr lang="es-CR" dirty="0" err="1"/>
+              <a:t>values</a:t>
+            </a:r>
+            <a:r>
+              <a:rPr lang="es-CR" dirty="0"/>
+              <a:t> </a:t>
+            </a:r>
+            <a:r>
+              <a:rPr lang="es-CR" dirty="0" err="1"/>
+              <a:t>for</a:t>
+            </a:r>
+            <a:r>
+              <a:rPr lang="es-CR" dirty="0"/>
+              <a:t> </a:t>
+            </a:r>
+            <a:r>
+              <a:rPr lang="es-CR" dirty="0" err="1"/>
+              <a:t>function</a:t>
+            </a:r>
+            <a:r>
+              <a:rPr lang="es-CR" dirty="0"/>
+              <a:t> </a:t>
+            </a:r>
+            <a:r>
+              <a:rPr lang="es-CR" dirty="0" err="1"/>
+              <a:t>parameters</a:t>
+            </a:r>
+            <a:endParaRPr lang="en-US" dirty="0"/>
+          </a:p>
+        </p:txBody>
+      </p:sp>
+      <p:pic>
+        <p:nvPicPr>
+          <p:cNvPr id="4" name="Picture 3"/>
+          <p:cNvPicPr>
+            <a:picLocks noChangeAspect="1"/>
+          </p:cNvPicPr>
+          <p:nvPr/>
+        </p:nvPicPr>
+        <p:blipFill>
+          <a:blip r:embed="rId2" cstate="print">
+            <a:extLst>
+              <a:ext uri="{28A0092B-C50C-407E-A947-70E740481C1C}">
+                <a14:useLocalDpi xmlns:a14="http://schemas.microsoft.com/office/drawing/2010/main" val="0"/>
+              </a:ext>
+            </a:extLst>
+          </a:blip>
+          <a:stretch>
+            <a:fillRect/>
+          </a:stretch>
+        </p:blipFill>
+        <p:spPr>
+          <a:xfrm>
+            <a:off x="7348870" y="4682166"/>
+            <a:ext cx="1359196" cy="1359196"/>
+          </a:xfrm>
+          <a:prstGeom prst="rect">
+            <a:avLst/>
+          </a:prstGeom>
+        </p:spPr>
+      </p:pic>
+    </p:spTree>
+    <p:extLst>
+      <p:ext uri="{BB962C8B-B14F-4D97-AF65-F5344CB8AC3E}">
+        <p14:creationId xmlns:p14="http://schemas.microsoft.com/office/powerpoint/2010/main" val="3818894065"/>
       </p:ext>
     </p:extLst>
   </p:cSld>
@@ -6836,9 +8536,9 @@
 </file>
 
 <file path=ppt/theme/theme1.xml><?xml version="1.0" encoding="utf-8"?>
-<a:theme xmlns:a="http://schemas.openxmlformats.org/drawingml/2006/main" name="Main Event">
+<a:theme xmlns:a="http://schemas.openxmlformats.org/drawingml/2006/main" name="Facet">
   <a:themeElements>
-    <a:clrScheme name="Main Event">
+    <a:clrScheme name="Facet">
       <a:dk1>
         <a:sysClr val="windowText" lastClr="000000"/>
       </a:dk1>
@@ -6846,52 +8546,52 @@
         <a:sysClr val="window" lastClr="FFFFFF"/>
       </a:lt1>
       <a:dk2>
-        <a:srgbClr val="424242"/>
+        <a:srgbClr val="2C3C43"/>
       </a:dk2>
       <a:lt2>
-        <a:srgbClr val="C8C8C8"/>
+        <a:srgbClr val="EBEBEB"/>
       </a:lt2>
       <a:accent1>
-        <a:srgbClr val="B80E0F"/>
+        <a:srgbClr val="90C226"/>
       </a:accent1>
       <a:accent2>
-        <a:srgbClr val="A6987D"/>
+        <a:srgbClr val="54A021"/>
       </a:accent2>
       <a:accent3>
-        <a:srgbClr val="7F9A71"/>
+        <a:srgbClr val="E6B91E"/>
       </a:accent3>
       <a:accent4>
-        <a:srgbClr val="64969F"/>
+        <a:srgbClr val="E76618"/>
       </a:accent4>
       <a:accent5>
-        <a:srgbClr val="9B75B2"/>
+        <a:srgbClr val="C42F1A"/>
       </a:accent5>
       <a:accent6>
-        <a:srgbClr val="80737A"/>
+        <a:srgbClr val="918655"/>
       </a:accent6>
       <a:hlink>
-        <a:srgbClr val="F21213"/>
+        <a:srgbClr val="99CA3C"/>
       </a:hlink>
       <a:folHlink>
-        <a:srgbClr val="B6A394"/>
+        <a:srgbClr val="B9D181"/>
       </a:folHlink>
     </a:clrScheme>
-    <a:fontScheme name="Main Event">
+    <a:fontScheme name="Facet">
       <a:majorFont>
-        <a:latin typeface="Impact" panose="020B0806030902050204"/>
+        <a:latin typeface="Trebuchet MS" panose="020B0603020202020204"/>
         <a:ea typeface=""/>
         <a:cs typeface=""/>
-        <a:font script="Jpan" typeface="ＭＳ Ｐゴシック"/>
+        <a:font script="Jpan" typeface="メイリオ"/>
         <a:font script="Hang" typeface="맑은 고딕"/>
-        <a:font script="Hans" typeface="宋体"/>
-        <a:font script="Hant" typeface="新細明體"/>
-        <a:font script="Arab" typeface="Times New Roman"/>
-        <a:font script="Hebr" typeface="Times New Roman"/>
-        <a:font script="Thai" typeface="Angsana New"/>
+        <a:font script="Hans" typeface="方正姚体"/>
+        <a:font script="Hant" typeface="微軟正黑體"/>
+        <a:font script="Arab" typeface="Tahoma"/>
+        <a:font script="Hebr" typeface="Arial"/>
+        <a:font script="Thai" typeface="Cordia New"/>
         <a:font script="Ethi" typeface="Nyala"/>
         <a:font script="Beng" typeface="Vrinda"/>
         <a:font script="Gujr" typeface="Shruti"/>
-        <a:font script="Khmr" typeface="MoolBoran"/>
+        <a:font script="Khmr" typeface="DaunPenh"/>
         <a:font script="Knda" typeface="Tunga"/>
         <a:font script="Guru" typeface="Raavi"/>
         <a:font script="Cans" typeface="Euphemia"/>
@@ -6908,21 +8608,21 @@
         <a:font script="Laoo" typeface="DokChampa"/>
         <a:font script="Sinh" typeface="Iskoola Pota"/>
         <a:font script="Mong" typeface="Mongolian Baiti"/>
-        <a:font script="Viet" typeface="Times New Roman"/>
+        <a:font script="Viet" typeface="Tahoma"/>
         <a:font script="Uigh" typeface="Microsoft Uighur"/>
         <a:font script="Geor" typeface="Sylfaen"/>
       </a:majorFont>
       <a:minorFont>
-        <a:latin typeface="Impact" panose="020B0806030902050204"/>
+        <a:latin typeface="Trebuchet MS" panose="020B0603020202020204"/>
         <a:ea typeface=""/>
         <a:cs typeface=""/>
-        <a:font script="Jpan" typeface="ＭＳ Ｐゴシック"/>
-        <a:font script="Hang" typeface="맑은 고딕"/>
-        <a:font script="Hans" typeface="宋体"/>
-        <a:font script="Hant" typeface="新細明體"/>
-        <a:font script="Arab" typeface="Arial"/>
-        <a:font script="Hebr" typeface="Arial"/>
-        <a:font script="Thai" typeface="Cordia New"/>
+        <a:font script="Jpan" typeface="メイリオ"/>
+        <a:font script="Hang" typeface="HY그래픽M"/>
+        <a:font script="Hans" typeface="华文新魏"/>
+        <a:font script="Hant" typeface="微軟正黑體"/>
+        <a:font script="Arab" typeface="Tahoma"/>
+        <a:font script="Hebr" typeface="Gisha"/>
+        <a:font script="Thai" typeface="IrisUPC"/>
         <a:font script="Ethi" typeface="Nyala"/>
         <a:font script="Beng" typeface="Vrinda"/>
         <a:font script="Gujr" typeface="Shruti"/>
@@ -6948,47 +8648,59 @@
         <a:font script="Geor" typeface="Sylfaen"/>
       </a:minorFont>
     </a:fontScheme>
-    <a:fmtScheme name="Main Event">
+    <a:fmtScheme name="Facet">
       <a:fillStyleLst>
         <a:solidFill>
           <a:schemeClr val="phClr"/>
         </a:solidFill>
-        <a:solidFill>
-          <a:schemeClr val="phClr">
-            <a:tint val="69000"/>
-            <a:satMod val="105000"/>
-            <a:lumMod val="110000"/>
-          </a:schemeClr>
-        </a:solidFill>
-        <a:blipFill>
-          <a:blip xmlns:r="http://schemas.openxmlformats.org/officeDocument/2006/relationships" r:embed="rId1">
-            <a:duotone>
+        <a:gradFill rotWithShape="1">
+          <a:gsLst>
+            <a:gs pos="0">
               <a:schemeClr val="phClr">
-                <a:shade val="88000"/>
-                <a:lumMod val="88000"/>
+                <a:tint val="65000"/>
+                <a:lumMod val="110000"/>
               </a:schemeClr>
-              <a:schemeClr val="phClr"/>
-            </a:duotone>
-          </a:blip>
-          <a:tile tx="0" ty="0" sx="100000" sy="100000" flip="none" algn="tl"/>
-        </a:blipFill>
+            </a:gs>
+            <a:gs pos="88000">
+              <a:schemeClr val="phClr">
+                <a:tint val="90000"/>
+              </a:schemeClr>
+            </a:gs>
+          </a:gsLst>
+          <a:lin ang="5400000" scaled="0"/>
+        </a:gradFill>
+        <a:gradFill rotWithShape="1">
+          <a:gsLst>
+            <a:gs pos="0">
+              <a:schemeClr val="phClr">
+                <a:tint val="96000"/>
+                <a:lumMod val="100000"/>
+              </a:schemeClr>
+            </a:gs>
+            <a:gs pos="78000">
+              <a:schemeClr val="phClr">
+                <a:shade val="94000"/>
+                <a:lumMod val="94000"/>
+              </a:schemeClr>
+            </a:gs>
+          </a:gsLst>
+          <a:lin ang="5400000" scaled="0"/>
+        </a:gradFill>
       </a:fillStyleLst>
       <a:lnStyleLst>
-        <a:ln w="9525" cap="flat" cmpd="sng" algn="ctr">
-          <a:solidFill>
-            <a:schemeClr val="phClr">
-              <a:shade val="60000"/>
-            </a:schemeClr>
-          </a:solidFill>
-          <a:prstDash val="solid"/>
-        </a:ln>
-        <a:ln w="19050" cap="flat" cmpd="sng" algn="ctr">
+        <a:ln w="12700" cap="rnd" cmpd="sng" algn="ctr">
           <a:solidFill>
             <a:schemeClr val="phClr"/>
           </a:solidFill>
           <a:prstDash val="solid"/>
         </a:ln>
-        <a:ln w="25400" cap="flat" cmpd="sng" algn="ctr">
+        <a:ln w="19050" cap="rnd" cmpd="sng" algn="ctr">
+          <a:solidFill>
+            <a:schemeClr val="phClr"/>
+          </a:solidFill>
+          <a:prstDash val="solid"/>
+        </a:ln>
+        <a:ln w="25400" cap="rnd" cmpd="sng" algn="ctr">
           <a:solidFill>
             <a:schemeClr val="phClr"/>
           </a:solidFill>
@@ -7000,16 +8712,31 @@
           <a:effectLst/>
         </a:effectStyle>
         <a:effectStyle>
-          <a:effectLst/>
+          <a:effectLst>
+            <a:outerShdw blurRad="38100" dist="25400" dir="5400000" rotWithShape="0">
+              <a:srgbClr val="000000">
+                <a:alpha val="35000"/>
+              </a:srgbClr>
+            </a:outerShdw>
+          </a:effectLst>
         </a:effectStyle>
         <a:effectStyle>
           <a:effectLst>
-            <a:outerShdw blurRad="25400" dist="12700" dir="5400000" rotWithShape="0">
+            <a:outerShdw blurRad="50800" dist="38100" dir="5400000" rotWithShape="0">
               <a:srgbClr val="000000">
-                <a:alpha val="60000"/>
+                <a:alpha val="35000"/>
               </a:srgbClr>
             </a:outerShdw>
           </a:effectLst>
+          <a:scene3d>
+            <a:camera prst="orthographicFront">
+              <a:rot lat="0" lon="0" rev="0"/>
+            </a:camera>
+            <a:lightRig rig="threePt" dir="tl"/>
+          </a:scene3d>
+          <a:sp3d prstMaterial="plastic">
+            <a:bevelT w="0" h="0"/>
+          </a:sp3d>
         </a:effectStyle>
       </a:effectStyleLst>
       <a:bgFillStyleLst>
@@ -7021,34 +8748,37 @@
             <a:gs pos="0">
               <a:schemeClr val="phClr">
                 <a:tint val="90000"/>
+                <a:lumMod val="104000"/>
+              </a:schemeClr>
+            </a:gs>
+            <a:gs pos="94000">
+              <a:schemeClr val="phClr">
+                <a:shade val="96000"/>
+                <a:lumMod val="82000"/>
+              </a:schemeClr>
+            </a:gs>
+          </a:gsLst>
+          <a:lin ang="5400000" scaled="0"/>
+        </a:gradFill>
+        <a:gradFill rotWithShape="1">
+          <a:gsLst>
+            <a:gs pos="0">
+              <a:schemeClr val="phClr">
+                <a:tint val="90000"/>
                 <a:lumMod val="110000"/>
               </a:schemeClr>
             </a:gs>
             <a:gs pos="100000">
               <a:schemeClr val="phClr">
-                <a:shade val="88000"/>
-                <a:lumMod val="88000"/>
+                <a:shade val="94000"/>
+                <a:lumMod val="96000"/>
               </a:schemeClr>
             </a:gs>
           </a:gsLst>
-          <a:lin ang="5400000" scaled="0"/>
+          <a:path path="circle">
+            <a:fillToRect l="50000" t="50000" r="100000" b="100000"/>
+          </a:path>
         </a:gradFill>
-        <a:blipFill>
-          <a:blip xmlns:r="http://schemas.openxmlformats.org/officeDocument/2006/relationships" r:embed="rId2">
-            <a:duotone>
-              <a:schemeClr val="phClr">
-                <a:shade val="48000"/>
-                <a:satMod val="110000"/>
-                <a:lumMod val="40000"/>
-              </a:schemeClr>
-              <a:schemeClr val="phClr">
-                <a:tint val="90000"/>
-                <a:lumMod val="106000"/>
-              </a:schemeClr>
-            </a:duotone>
-          </a:blip>
-          <a:stretch/>
-        </a:blipFill>
       </a:bgFillStyleLst>
     </a:fmtScheme>
   </a:themeElements>
@@ -7056,7 +8786,7 @@
   <a:extraClrSchemeLst/>
   <a:extLst>
     <a:ext uri="{05A4C25C-085E-4340-85A3-A5531E510DB2}">
-      <thm15:themeFamily xmlns:thm15="http://schemas.microsoft.com/office/thememl/2012/main" name="Main Event" id="{AC372BB4-D83D-411E-B849-B641926BA760}" vid="{F1EFBDE3-1A95-4E3D-81AD-1F53D65BEA01}"/>
+      <thm15:themeFamily xmlns:thm15="http://schemas.microsoft.com/office/thememl/2012/main" name="Facet" id="{C0C680CD-088A-49FC-A102-D699147F32B2}" vid="{CFBC31BA-B70F-4F30-BCAA-4F3011E16C4D}"/>
     </a:ext>
   </a:extLst>
 </a:theme>
